--- a/etc/대외활동/2022 부천미래교육센터 멘토링.pptx
+++ b/etc/대외활동/2022 부천미래교육센터 멘토링.pptx
@@ -12,35 +12,34 @@
     <p:sldId id="293" r:id="rId6"/>
     <p:sldId id="294" r:id="rId7"/>
     <p:sldId id="260" r:id="rId8"/>
-    <p:sldId id="268" r:id="rId9"/>
-    <p:sldId id="270" r:id="rId10"/>
-    <p:sldId id="269" r:id="rId11"/>
-    <p:sldId id="262" r:id="rId12"/>
-    <p:sldId id="261" r:id="rId13"/>
-    <p:sldId id="267" r:id="rId14"/>
-    <p:sldId id="272" r:id="rId15"/>
-    <p:sldId id="273" r:id="rId16"/>
-    <p:sldId id="275" r:id="rId17"/>
-    <p:sldId id="274" r:id="rId18"/>
-    <p:sldId id="278" r:id="rId19"/>
-    <p:sldId id="263" r:id="rId20"/>
-    <p:sldId id="276" r:id="rId21"/>
-    <p:sldId id="277" r:id="rId22"/>
-    <p:sldId id="279" r:id="rId23"/>
-    <p:sldId id="281" r:id="rId24"/>
-    <p:sldId id="284" r:id="rId25"/>
-    <p:sldId id="283" r:id="rId26"/>
-    <p:sldId id="264" r:id="rId27"/>
-    <p:sldId id="291" r:id="rId28"/>
-    <p:sldId id="259" r:id="rId29"/>
-    <p:sldId id="265" r:id="rId30"/>
-    <p:sldId id="266" r:id="rId31"/>
-    <p:sldId id="282" r:id="rId32"/>
-    <p:sldId id="285" r:id="rId33"/>
-    <p:sldId id="290" r:id="rId34"/>
-    <p:sldId id="289" r:id="rId35"/>
-    <p:sldId id="288" r:id="rId36"/>
-    <p:sldId id="280" r:id="rId37"/>
+    <p:sldId id="270" r:id="rId9"/>
+    <p:sldId id="269" r:id="rId10"/>
+    <p:sldId id="262" r:id="rId11"/>
+    <p:sldId id="261" r:id="rId12"/>
+    <p:sldId id="267" r:id="rId13"/>
+    <p:sldId id="272" r:id="rId14"/>
+    <p:sldId id="273" r:id="rId15"/>
+    <p:sldId id="275" r:id="rId16"/>
+    <p:sldId id="274" r:id="rId17"/>
+    <p:sldId id="278" r:id="rId18"/>
+    <p:sldId id="263" r:id="rId19"/>
+    <p:sldId id="276" r:id="rId20"/>
+    <p:sldId id="277" r:id="rId21"/>
+    <p:sldId id="279" r:id="rId22"/>
+    <p:sldId id="281" r:id="rId23"/>
+    <p:sldId id="284" r:id="rId24"/>
+    <p:sldId id="283" r:id="rId25"/>
+    <p:sldId id="264" r:id="rId26"/>
+    <p:sldId id="291" r:id="rId27"/>
+    <p:sldId id="259" r:id="rId28"/>
+    <p:sldId id="265" r:id="rId29"/>
+    <p:sldId id="266" r:id="rId30"/>
+    <p:sldId id="282" r:id="rId31"/>
+    <p:sldId id="285" r:id="rId32"/>
+    <p:sldId id="290" r:id="rId33"/>
+    <p:sldId id="289" r:id="rId34"/>
+    <p:sldId id="288" r:id="rId35"/>
+    <p:sldId id="280" r:id="rId36"/>
   </p:sldIdLst>
   <p:sldSz cx="12192000" cy="6858000"/>
   <p:notesSz cx="6858000" cy="9144000"/>
@@ -379,7 +378,7 @@
           <a:p>
             <a:fld id="{9D178838-41E0-4F4E-980F-97714EC573DD}" type="datetimeFigureOut">
               <a:rPr lang="ko-KR" altLang="en-US" smtClean="0"/>
-              <a:t>2022-07-19</a:t>
+              <a:t>2022-07-20</a:t>
             </a:fld>
             <a:endParaRPr lang="ko-KR" altLang="en-US" dirty="0"/>
           </a:p>
@@ -613,7 +612,7 @@
           <a:p>
             <a:fld id="{9D178838-41E0-4F4E-980F-97714EC573DD}" type="datetimeFigureOut">
               <a:rPr lang="ko-KR" altLang="en-US" smtClean="0"/>
-              <a:t>2022-07-19</a:t>
+              <a:t>2022-07-20</a:t>
             </a:fld>
             <a:endParaRPr lang="ko-KR" altLang="en-US"/>
           </a:p>
@@ -821,7 +820,7 @@
           <a:p>
             <a:fld id="{9D178838-41E0-4F4E-980F-97714EC573DD}" type="datetimeFigureOut">
               <a:rPr lang="ko-KR" altLang="en-US" smtClean="0"/>
-              <a:t>2022-07-19</a:t>
+              <a:t>2022-07-20</a:t>
             </a:fld>
             <a:endParaRPr lang="ko-KR" altLang="en-US"/>
           </a:p>
@@ -1019,7 +1018,7 @@
           <a:p>
             <a:fld id="{9D178838-41E0-4F4E-980F-97714EC573DD}" type="datetimeFigureOut">
               <a:rPr lang="ko-KR" altLang="en-US" smtClean="0"/>
-              <a:t>2022-07-19</a:t>
+              <a:t>2022-07-20</a:t>
             </a:fld>
             <a:endParaRPr lang="ko-KR" altLang="en-US"/>
           </a:p>
@@ -1330,7 +1329,7 @@
           <a:p>
             <a:fld id="{9D178838-41E0-4F4E-980F-97714EC573DD}" type="datetimeFigureOut">
               <a:rPr lang="ko-KR" altLang="en-US" smtClean="0"/>
-              <a:t>2022-07-19</a:t>
+              <a:t>2022-07-20</a:t>
             </a:fld>
             <a:endParaRPr lang="ko-KR" altLang="en-US"/>
           </a:p>
@@ -1595,7 +1594,7 @@
           <a:p>
             <a:fld id="{9D178838-41E0-4F4E-980F-97714EC573DD}" type="datetimeFigureOut">
               <a:rPr lang="ko-KR" altLang="en-US" smtClean="0"/>
-              <a:t>2022-07-19</a:t>
+              <a:t>2022-07-20</a:t>
             </a:fld>
             <a:endParaRPr lang="ko-KR" altLang="en-US"/>
           </a:p>
@@ -2007,7 +2006,7 @@
           <a:p>
             <a:fld id="{9D178838-41E0-4F4E-980F-97714EC573DD}" type="datetimeFigureOut">
               <a:rPr lang="ko-KR" altLang="en-US" smtClean="0"/>
-              <a:t>2022-07-19</a:t>
+              <a:t>2022-07-20</a:t>
             </a:fld>
             <a:endParaRPr lang="ko-KR" altLang="en-US"/>
           </a:p>
@@ -2148,7 +2147,7 @@
           <a:p>
             <a:fld id="{9D178838-41E0-4F4E-980F-97714EC573DD}" type="datetimeFigureOut">
               <a:rPr lang="ko-KR" altLang="en-US" smtClean="0"/>
-              <a:t>2022-07-19</a:t>
+              <a:t>2022-07-20</a:t>
             </a:fld>
             <a:endParaRPr lang="ko-KR" altLang="en-US"/>
           </a:p>
@@ -2261,7 +2260,7 @@
           <a:p>
             <a:fld id="{9D178838-41E0-4F4E-980F-97714EC573DD}" type="datetimeFigureOut">
               <a:rPr lang="ko-KR" altLang="en-US" smtClean="0"/>
-              <a:t>2022-07-19</a:t>
+              <a:t>2022-07-20</a:t>
             </a:fld>
             <a:endParaRPr lang="ko-KR" altLang="en-US"/>
           </a:p>
@@ -2572,7 +2571,7 @@
           <a:p>
             <a:fld id="{9D178838-41E0-4F4E-980F-97714EC573DD}" type="datetimeFigureOut">
               <a:rPr lang="ko-KR" altLang="en-US" smtClean="0"/>
-              <a:t>2022-07-19</a:t>
+              <a:t>2022-07-20</a:t>
             </a:fld>
             <a:endParaRPr lang="ko-KR" altLang="en-US"/>
           </a:p>
@@ -2860,7 +2859,7 @@
           <a:p>
             <a:fld id="{9D178838-41E0-4F4E-980F-97714EC573DD}" type="datetimeFigureOut">
               <a:rPr lang="ko-KR" altLang="en-US" smtClean="0"/>
-              <a:t>2022-07-19</a:t>
+              <a:t>2022-07-20</a:t>
             </a:fld>
             <a:endParaRPr lang="ko-KR" altLang="en-US"/>
           </a:p>
@@ -3101,7 +3100,7 @@
           <a:p>
             <a:fld id="{9D178838-41E0-4F4E-980F-97714EC573DD}" type="datetimeFigureOut">
               <a:rPr lang="ko-KR" altLang="en-US" smtClean="0"/>
-              <a:t>2022-07-19</a:t>
+              <a:t>2022-07-20</a:t>
             </a:fld>
             <a:endParaRPr lang="ko-KR" altLang="en-US"/>
           </a:p>
@@ -3850,158 +3849,6 @@
       </p:grpSpPr>
       <p:pic>
         <p:nvPicPr>
-          <p:cNvPr id="6" name="그림 5">
-            <a:extLst>
-              <a:ext uri="{FF2B5EF4-FFF2-40B4-BE49-F238E27FC236}">
-                <a16:creationId xmlns:a16="http://schemas.microsoft.com/office/drawing/2014/main" id="{48B91F56-A4BA-66F6-04FA-DC96E6768609}"/>
-              </a:ext>
-            </a:extLst>
-          </p:cNvPr>
-          <p:cNvPicPr>
-            <a:picLocks noChangeAspect="1"/>
-          </p:cNvPicPr>
-          <p:nvPr/>
-        </p:nvPicPr>
-        <p:blipFill>
-          <a:blip r:embed="rId2">
-            <a:extLst>
-              <a:ext uri="{28A0092B-C50C-407E-A947-70E740481C1C}">
-                <a14:useLocalDpi xmlns:a14="http://schemas.microsoft.com/office/drawing/2010/main" val="0"/>
-              </a:ext>
-            </a:extLst>
-          </a:blip>
-          <a:stretch>
-            <a:fillRect/>
-          </a:stretch>
-        </p:blipFill>
-        <p:spPr>
-          <a:xfrm>
-            <a:off x="3344774" y="224334"/>
-            <a:ext cx="5502451" cy="6633666"/>
-          </a:xfrm>
-          <a:prstGeom prst="rect">
-            <a:avLst/>
-          </a:prstGeom>
-        </p:spPr>
-      </p:pic>
-    </p:spTree>
-    <p:extLst>
-      <p:ext uri="{BB962C8B-B14F-4D97-AF65-F5344CB8AC3E}">
-        <p14:creationId xmlns:p14="http://schemas.microsoft.com/office/powerpoint/2010/main" val="1765323296"/>
-      </p:ext>
-    </p:extLst>
-  </p:cSld>
-  <p:clrMapOvr>
-    <a:masterClrMapping/>
-  </p:clrMapOvr>
-  <p:transition spd="slow">
-    <p:push dir="u"/>
-  </p:transition>
-  <p:timing>
-    <p:tnLst>
-      <p:par>
-        <p:cTn id="1" dur="indefinite" restart="never" nodeType="tmRoot">
-          <p:childTnLst>
-            <p:seq concurrent="1" nextAc="seek">
-              <p:cTn id="2" dur="indefinite" nodeType="mainSeq">
-                <p:childTnLst>
-                  <p:par>
-                    <p:cTn id="3" fill="hold">
-                      <p:stCondLst>
-                        <p:cond delay="indefinite"/>
-                      </p:stCondLst>
-                      <p:childTnLst>
-                        <p:par>
-                          <p:cTn id="4" fill="hold">
-                            <p:stCondLst>
-                              <p:cond delay="0"/>
-                            </p:stCondLst>
-                            <p:childTnLst>
-                              <p:par>
-                                <p:cTn id="5" presetID="10" presetClass="entr" presetSubtype="0" fill="hold" nodeType="clickEffect">
-                                  <p:stCondLst>
-                                    <p:cond delay="0"/>
-                                  </p:stCondLst>
-                                  <p:childTnLst>
-                                    <p:set>
-                                      <p:cBhvr>
-                                        <p:cTn id="6" dur="1" fill="hold">
-                                          <p:stCondLst>
-                                            <p:cond delay="0"/>
-                                          </p:stCondLst>
-                                        </p:cTn>
-                                        <p:tgtEl>
-                                          <p:spTgt spid="6"/>
-                                        </p:tgtEl>
-                                        <p:attrNameLst>
-                                          <p:attrName>style.visibility</p:attrName>
-                                        </p:attrNameLst>
-                                      </p:cBhvr>
-                                      <p:to>
-                                        <p:strVal val="visible"/>
-                                      </p:to>
-                                    </p:set>
-                                    <p:animEffect transition="in" filter="fade">
-                                      <p:cBhvr>
-                                        <p:cTn id="7" dur="500"/>
-                                        <p:tgtEl>
-                                          <p:spTgt spid="6"/>
-                                        </p:tgtEl>
-                                      </p:cBhvr>
-                                    </p:animEffect>
-                                  </p:childTnLst>
-                                </p:cTn>
-                              </p:par>
-                            </p:childTnLst>
-                          </p:cTn>
-                        </p:par>
-                      </p:childTnLst>
-                    </p:cTn>
-                  </p:par>
-                </p:childTnLst>
-              </p:cTn>
-              <p:prevCondLst>
-                <p:cond evt="onPrev" delay="0">
-                  <p:tgtEl>
-                    <p:sldTgt/>
-                  </p:tgtEl>
-                </p:cond>
-              </p:prevCondLst>
-              <p:nextCondLst>
-                <p:cond evt="onNext" delay="0">
-                  <p:tgtEl>
-                    <p:sldTgt/>
-                  </p:tgtEl>
-                </p:cond>
-              </p:nextCondLst>
-            </p:seq>
-          </p:childTnLst>
-        </p:cTn>
-      </p:par>
-    </p:tnLst>
-  </p:timing>
-</p:sld>
-</file>
-
-<file path=ppt/slides/slide11.xml><?xml version="1.0" encoding="utf-8"?>
-<p:sld xmlns:a="http://schemas.openxmlformats.org/drawingml/2006/main" xmlns:r="http://schemas.openxmlformats.org/officeDocument/2006/relationships" xmlns:p="http://schemas.openxmlformats.org/presentationml/2006/main">
-  <p:cSld>
-    <p:spTree>
-      <p:nvGrpSpPr>
-        <p:cNvPr id="1" name=""/>
-        <p:cNvGrpSpPr/>
-        <p:nvPr/>
-      </p:nvGrpSpPr>
-      <p:grpSpPr>
-        <a:xfrm>
-          <a:off x="0" y="0"/>
-          <a:ext cx="0" cy="0"/>
-          <a:chOff x="0" y="0"/>
-          <a:chExt cx="0" cy="0"/>
-        </a:xfrm>
-      </p:grpSpPr>
-      <p:pic>
-        <p:nvPicPr>
           <p:cNvPr id="9" name="그림 8">
             <a:extLst>
               <a:ext uri="{FF2B5EF4-FFF2-40B4-BE49-F238E27FC236}">
@@ -4144,7 +3991,7 @@
 </p:sld>
 </file>
 
-<file path=ppt/slides/slide12.xml><?xml version="1.0" encoding="utf-8"?>
+<file path=ppt/slides/slide11.xml><?xml version="1.0" encoding="utf-8"?>
 <p:sld xmlns:a="http://schemas.openxmlformats.org/drawingml/2006/main" xmlns:r="http://schemas.openxmlformats.org/officeDocument/2006/relationships" xmlns:p="http://schemas.openxmlformats.org/presentationml/2006/main">
   <p:cSld>
     <p:spTree>
@@ -4222,7 +4069,7 @@
 </p:sld>
 </file>
 
-<file path=ppt/slides/slide13.xml><?xml version="1.0" encoding="utf-8"?>
+<file path=ppt/slides/slide12.xml><?xml version="1.0" encoding="utf-8"?>
 <p:sld xmlns:a="http://schemas.openxmlformats.org/drawingml/2006/main" xmlns:r="http://schemas.openxmlformats.org/officeDocument/2006/relationships" xmlns:p="http://schemas.openxmlformats.org/presentationml/2006/main">
   <p:cSld>
     <p:spTree>
@@ -4574,7 +4421,7 @@
 </p:sld>
 </file>
 
-<file path=ppt/slides/slide14.xml><?xml version="1.0" encoding="utf-8"?>
+<file path=ppt/slides/slide13.xml><?xml version="1.0" encoding="utf-8"?>
 <p:sld xmlns:a="http://schemas.openxmlformats.org/drawingml/2006/main" xmlns:r="http://schemas.openxmlformats.org/officeDocument/2006/relationships" xmlns:p="http://schemas.openxmlformats.org/presentationml/2006/main">
   <p:cSld>
     <p:spTree>
@@ -4942,7 +4789,7 @@
 </p:sld>
 </file>
 
-<file path=ppt/slides/slide15.xml><?xml version="1.0" encoding="utf-8"?>
+<file path=ppt/slides/slide14.xml><?xml version="1.0" encoding="utf-8"?>
 <p:sld xmlns:a="http://schemas.openxmlformats.org/drawingml/2006/main" xmlns:r="http://schemas.openxmlformats.org/officeDocument/2006/relationships" xmlns:p="http://schemas.openxmlformats.org/presentationml/2006/main">
   <p:cSld>
     <p:spTree>
@@ -5103,7 +4950,7 @@
 </p:sld>
 </file>
 
-<file path=ppt/slides/slide16.xml><?xml version="1.0" encoding="utf-8"?>
+<file path=ppt/slides/slide15.xml><?xml version="1.0" encoding="utf-8"?>
 <p:sld xmlns:a="http://schemas.openxmlformats.org/drawingml/2006/main" xmlns:r="http://schemas.openxmlformats.org/officeDocument/2006/relationships" xmlns:p="http://schemas.openxmlformats.org/presentationml/2006/main">
   <p:cSld>
     <p:spTree>
@@ -5800,7 +5647,7 @@
 </p:sld>
 </file>
 
-<file path=ppt/slides/slide17.xml><?xml version="1.0" encoding="utf-8"?>
+<file path=ppt/slides/slide16.xml><?xml version="1.0" encoding="utf-8"?>
 <p:sld xmlns:a="http://schemas.openxmlformats.org/drawingml/2006/main" xmlns:r="http://schemas.openxmlformats.org/officeDocument/2006/relationships" xmlns:p="http://schemas.openxmlformats.org/presentationml/2006/main">
   <p:cSld>
     <p:spTree>
@@ -8603,7 +8450,7 @@
 </p:sld>
 </file>
 
-<file path=ppt/slides/slide18.xml><?xml version="1.0" encoding="utf-8"?>
+<file path=ppt/slides/slide17.xml><?xml version="1.0" encoding="utf-8"?>
 <p:sld xmlns:a="http://schemas.openxmlformats.org/drawingml/2006/main" xmlns:r="http://schemas.openxmlformats.org/officeDocument/2006/relationships" xmlns:p="http://schemas.openxmlformats.org/presentationml/2006/main">
   <p:cSld>
     <p:spTree>
@@ -9742,7 +9589,7 @@
 </p:sld>
 </file>
 
-<file path=ppt/slides/slide19.xml><?xml version="1.0" encoding="utf-8"?>
+<file path=ppt/slides/slide18.xml><?xml version="1.0" encoding="utf-8"?>
 <p:sld xmlns:a="http://schemas.openxmlformats.org/drawingml/2006/main" xmlns:r="http://schemas.openxmlformats.org/officeDocument/2006/relationships" xmlns:p="http://schemas.openxmlformats.org/presentationml/2006/main">
   <p:cSld>
     <p:spTree>
@@ -10946,425 +10793,7 @@
 </p:sld>
 </file>
 
-<file path=ppt/slides/slide2.xml><?xml version="1.0" encoding="utf-8"?>
-<p:sld xmlns:a="http://schemas.openxmlformats.org/drawingml/2006/main" xmlns:r="http://schemas.openxmlformats.org/officeDocument/2006/relationships" xmlns:p="http://schemas.openxmlformats.org/presentationml/2006/main">
-  <p:cSld>
-    <p:spTree>
-      <p:nvGrpSpPr>
-        <p:cNvPr id="1" name=""/>
-        <p:cNvGrpSpPr/>
-        <p:nvPr/>
-      </p:nvGrpSpPr>
-      <p:grpSpPr>
-        <a:xfrm>
-          <a:off x="0" y="0"/>
-          <a:ext cx="0" cy="0"/>
-          <a:chOff x="0" y="0"/>
-          <a:chExt cx="0" cy="0"/>
-        </a:xfrm>
-      </p:grpSpPr>
-      <p:sp>
-        <p:nvSpPr>
-          <p:cNvPr id="4" name="TextBox 3">
-            <a:extLst>
-              <a:ext uri="{FF2B5EF4-FFF2-40B4-BE49-F238E27FC236}">
-                <a16:creationId xmlns:a16="http://schemas.microsoft.com/office/drawing/2014/main" id="{458E6F36-6C85-D6FE-0108-BA0351B757C9}"/>
-              </a:ext>
-            </a:extLst>
-          </p:cNvPr>
-          <p:cNvSpPr txBox="1"/>
-          <p:nvPr/>
-        </p:nvSpPr>
-        <p:spPr>
-          <a:xfrm>
-            <a:off x="3037840" y="2687954"/>
-            <a:ext cx="6197600" cy="1323439"/>
-          </a:xfrm>
-          <a:prstGeom prst="rect">
-            <a:avLst/>
-          </a:prstGeom>
-          <a:noFill/>
-        </p:spPr>
-        <p:txBody>
-          <a:bodyPr wrap="square" rtlCol="0">
-            <a:spAutoFit/>
-          </a:bodyPr>
-          <a:lstStyle/>
-          <a:p>
-            <a:r>
-              <a:rPr lang="ko-KR" altLang="en-US" sz="8000" b="1" dirty="0">
-                <a:effectLst>
-                  <a:outerShdw blurRad="38100" dist="38100" dir="2700000" algn="tl">
-                    <a:srgbClr val="000000">
-                      <a:alpha val="43137"/>
-                    </a:srgbClr>
-                  </a:outerShdw>
-                </a:effectLst>
-                <a:latin typeface="나눔고딕" panose="020D0604000000000000" pitchFamily="50" charset="-127"/>
-                <a:ea typeface="나눔고딕" panose="020D0604000000000000" pitchFamily="50" charset="-127"/>
-              </a:rPr>
-              <a:t>퍼스널 컬러 </a:t>
-            </a:r>
-            <a:r>
-              <a:rPr lang="en-US" altLang="ko-KR" sz="8000" b="1" dirty="0">
-                <a:effectLst>
-                  <a:outerShdw blurRad="38100" dist="38100" dir="2700000" algn="tl">
-                    <a:srgbClr val="000000">
-                      <a:alpha val="43137"/>
-                    </a:srgbClr>
-                  </a:outerShdw>
-                </a:effectLst>
-                <a:latin typeface="나눔고딕" panose="020D0604000000000000" pitchFamily="50" charset="-127"/>
-                <a:ea typeface="나눔고딕" panose="020D0604000000000000" pitchFamily="50" charset="-127"/>
-              </a:rPr>
-              <a:t>?</a:t>
-            </a:r>
-            <a:endParaRPr lang="ko-KR" altLang="en-US" sz="8000" b="1" dirty="0">
-              <a:effectLst>
-                <a:outerShdw blurRad="38100" dist="38100" dir="2700000" algn="tl">
-                  <a:srgbClr val="000000">
-                    <a:alpha val="43137"/>
-                  </a:srgbClr>
-                </a:outerShdw>
-              </a:effectLst>
-              <a:latin typeface="나눔고딕" panose="020D0604000000000000" pitchFamily="50" charset="-127"/>
-              <a:ea typeface="나눔고딕" panose="020D0604000000000000" pitchFamily="50" charset="-127"/>
-            </a:endParaRPr>
-          </a:p>
-        </p:txBody>
-      </p:sp>
-      <p:sp>
-        <p:nvSpPr>
-          <p:cNvPr id="5" name="TextBox 4">
-            <a:extLst>
-              <a:ext uri="{FF2B5EF4-FFF2-40B4-BE49-F238E27FC236}">
-                <a16:creationId xmlns:a16="http://schemas.microsoft.com/office/drawing/2014/main" id="{D46CD4EE-5286-A69C-5B2C-57AA0629A37E}"/>
-              </a:ext>
-            </a:extLst>
-          </p:cNvPr>
-          <p:cNvSpPr txBox="1"/>
-          <p:nvPr/>
-        </p:nvSpPr>
-        <p:spPr>
-          <a:xfrm>
-            <a:off x="274320" y="3011120"/>
-            <a:ext cx="11724640" cy="677108"/>
-          </a:xfrm>
-          <a:prstGeom prst="rect">
-            <a:avLst/>
-          </a:prstGeom>
-          <a:noFill/>
-        </p:spPr>
-        <p:txBody>
-          <a:bodyPr wrap="square" rtlCol="0">
-            <a:spAutoFit/>
-          </a:bodyPr>
-          <a:lstStyle/>
-          <a:p>
-            <a:r>
-              <a:rPr lang="ko-KR" altLang="en-US" sz="3800" b="1" i="0" dirty="0">
-                <a:effectLst>
-                  <a:outerShdw blurRad="38100" dist="38100" dir="2700000" algn="tl">
-                    <a:srgbClr val="000000">
-                      <a:alpha val="43137"/>
-                    </a:srgbClr>
-                  </a:outerShdw>
-                </a:effectLst>
-                <a:latin typeface="나눔고딕" panose="020D0604000000000000" pitchFamily="50" charset="-127"/>
-                <a:ea typeface="나눔고딕" panose="020D0604000000000000" pitchFamily="50" charset="-127"/>
-              </a:rPr>
-              <a:t>사람의 </a:t>
-            </a:r>
-            <a:r>
-              <a:rPr lang="ko-KR" altLang="en-US" sz="3800" b="1" i="0" dirty="0" err="1">
-                <a:effectLst>
-                  <a:outerShdw blurRad="38100" dist="38100" dir="2700000" algn="tl">
-                    <a:srgbClr val="000000">
-                      <a:alpha val="43137"/>
-                    </a:srgbClr>
-                  </a:outerShdw>
-                </a:effectLst>
-                <a:latin typeface="나눔고딕" panose="020D0604000000000000" pitchFamily="50" charset="-127"/>
-                <a:ea typeface="나눔고딕" panose="020D0604000000000000" pitchFamily="50" charset="-127"/>
-              </a:rPr>
-              <a:t>피부톤과</a:t>
-            </a:r>
-            <a:r>
-              <a:rPr lang="ko-KR" altLang="en-US" sz="3800" b="1" i="0" dirty="0">
-                <a:effectLst>
-                  <a:outerShdw blurRad="38100" dist="38100" dir="2700000" algn="tl">
-                    <a:srgbClr val="000000">
-                      <a:alpha val="43137"/>
-                    </a:srgbClr>
-                  </a:outerShdw>
-                </a:effectLst>
-                <a:latin typeface="나눔고딕" panose="020D0604000000000000" pitchFamily="50" charset="-127"/>
-                <a:ea typeface="나눔고딕" panose="020D0604000000000000" pitchFamily="50" charset="-127"/>
-              </a:rPr>
-              <a:t> 가장 어울리는 색상을 찾는 </a:t>
-            </a:r>
-            <a:r>
-              <a:rPr lang="ko-KR" altLang="en-US" sz="3800" b="1" i="0" dirty="0" err="1">
-                <a:effectLst>
-                  <a:outerShdw blurRad="38100" dist="38100" dir="2700000" algn="tl">
-                    <a:srgbClr val="000000">
-                      <a:alpha val="43137"/>
-                    </a:srgbClr>
-                  </a:outerShdw>
-                </a:effectLst>
-                <a:latin typeface="나눔고딕" panose="020D0604000000000000" pitchFamily="50" charset="-127"/>
-                <a:ea typeface="나눔고딕" panose="020D0604000000000000" pitchFamily="50" charset="-127"/>
-              </a:rPr>
-              <a:t>색채학</a:t>
-            </a:r>
-            <a:r>
-              <a:rPr lang="ko-KR" altLang="en-US" sz="3800" b="1" i="0" dirty="0">
-                <a:effectLst>
-                  <a:outerShdw blurRad="38100" dist="38100" dir="2700000" algn="tl">
-                    <a:srgbClr val="000000">
-                      <a:alpha val="43137"/>
-                    </a:srgbClr>
-                  </a:outerShdw>
-                </a:effectLst>
-                <a:latin typeface="나눔고딕" panose="020D0604000000000000" pitchFamily="50" charset="-127"/>
-                <a:ea typeface="나눔고딕" panose="020D0604000000000000" pitchFamily="50" charset="-127"/>
-              </a:rPr>
-              <a:t> 이론</a:t>
-            </a:r>
-            <a:endParaRPr lang="ko-KR" altLang="en-US" sz="3800" b="1" dirty="0">
-              <a:effectLst>
-                <a:outerShdw blurRad="38100" dist="38100" dir="2700000" algn="tl">
-                  <a:srgbClr val="000000">
-                    <a:alpha val="43137"/>
-                  </a:srgbClr>
-                </a:outerShdw>
-              </a:effectLst>
-              <a:latin typeface="나눔고딕" panose="020D0604000000000000" pitchFamily="50" charset="-127"/>
-              <a:ea typeface="나눔고딕" panose="020D0604000000000000" pitchFamily="50" charset="-127"/>
-            </a:endParaRPr>
-          </a:p>
-        </p:txBody>
-      </p:sp>
-    </p:spTree>
-    <p:extLst>
-      <p:ext uri="{BB962C8B-B14F-4D97-AF65-F5344CB8AC3E}">
-        <p14:creationId xmlns:p14="http://schemas.microsoft.com/office/powerpoint/2010/main" val="2319981431"/>
-      </p:ext>
-    </p:extLst>
-  </p:cSld>
-  <p:clrMapOvr>
-    <a:masterClrMapping/>
-  </p:clrMapOvr>
-  <mc:AlternateContent xmlns:mc="http://schemas.openxmlformats.org/markup-compatibility/2006" xmlns:p14="http://schemas.microsoft.com/office/powerpoint/2010/main">
-    <mc:Choice Requires="p14">
-      <p:transition spd="med" p14:dur="700">
-        <p:fade/>
-      </p:transition>
-    </mc:Choice>
-    <mc:Fallback xmlns="">
-      <p:transition spd="med">
-        <p:fade/>
-      </p:transition>
-    </mc:Fallback>
-  </mc:AlternateContent>
-  <p:timing>
-    <p:tnLst>
-      <p:par>
-        <p:cTn id="1" dur="indefinite" restart="never" nodeType="tmRoot">
-          <p:childTnLst>
-            <p:seq concurrent="1" nextAc="seek">
-              <p:cTn id="2" dur="indefinite" nodeType="mainSeq">
-                <p:childTnLst>
-                  <p:par>
-                    <p:cTn id="3" fill="hold">
-                      <p:stCondLst>
-                        <p:cond delay="indefinite"/>
-                      </p:stCondLst>
-                      <p:childTnLst>
-                        <p:par>
-                          <p:cTn id="4" fill="hold">
-                            <p:stCondLst>
-                              <p:cond delay="0"/>
-                            </p:stCondLst>
-                            <p:childTnLst>
-                              <p:par>
-                                <p:cTn id="5" presetID="10" presetClass="entr" presetSubtype="0" fill="hold" grpId="0" nodeType="clickEffect">
-                                  <p:stCondLst>
-                                    <p:cond delay="0"/>
-                                  </p:stCondLst>
-                                  <p:childTnLst>
-                                    <p:set>
-                                      <p:cBhvr>
-                                        <p:cTn id="6" dur="1" fill="hold">
-                                          <p:stCondLst>
-                                            <p:cond delay="0"/>
-                                          </p:stCondLst>
-                                        </p:cTn>
-                                        <p:tgtEl>
-                                          <p:spTgt spid="4"/>
-                                        </p:tgtEl>
-                                        <p:attrNameLst>
-                                          <p:attrName>style.visibility</p:attrName>
-                                        </p:attrNameLst>
-                                      </p:cBhvr>
-                                      <p:to>
-                                        <p:strVal val="visible"/>
-                                      </p:to>
-                                    </p:set>
-                                    <p:animEffect transition="in" filter="fade">
-                                      <p:cBhvr>
-                                        <p:cTn id="7" dur="1000"/>
-                                        <p:tgtEl>
-                                          <p:spTgt spid="4"/>
-                                        </p:tgtEl>
-                                      </p:cBhvr>
-                                    </p:animEffect>
-                                  </p:childTnLst>
-                                </p:cTn>
-                              </p:par>
-                            </p:childTnLst>
-                          </p:cTn>
-                        </p:par>
-                      </p:childTnLst>
-                    </p:cTn>
-                  </p:par>
-                  <p:par>
-                    <p:cTn id="8" fill="hold">
-                      <p:stCondLst>
-                        <p:cond delay="indefinite"/>
-                      </p:stCondLst>
-                      <p:childTnLst>
-                        <p:par>
-                          <p:cTn id="9" fill="hold">
-                            <p:stCondLst>
-                              <p:cond delay="0"/>
-                            </p:stCondLst>
-                            <p:childTnLst>
-                              <p:par>
-                                <p:cTn id="10" presetID="10" presetClass="exit" presetSubtype="0" fill="hold" grpId="1" nodeType="clickEffect">
-                                  <p:stCondLst>
-                                    <p:cond delay="0"/>
-                                  </p:stCondLst>
-                                  <p:childTnLst>
-                                    <p:animEffect transition="out" filter="fade">
-                                      <p:cBhvr>
-                                        <p:cTn id="11" dur="500"/>
-                                        <p:tgtEl>
-                                          <p:spTgt spid="4"/>
-                                        </p:tgtEl>
-                                      </p:cBhvr>
-                                    </p:animEffect>
-                                    <p:set>
-                                      <p:cBhvr>
-                                        <p:cTn id="12" dur="1" fill="hold">
-                                          <p:stCondLst>
-                                            <p:cond delay="499"/>
-                                          </p:stCondLst>
-                                        </p:cTn>
-                                        <p:tgtEl>
-                                          <p:spTgt spid="4"/>
-                                        </p:tgtEl>
-                                        <p:attrNameLst>
-                                          <p:attrName>style.visibility</p:attrName>
-                                        </p:attrNameLst>
-                                      </p:cBhvr>
-                                      <p:to>
-                                        <p:strVal val="hidden"/>
-                                      </p:to>
-                                    </p:set>
-                                  </p:childTnLst>
-                                </p:cTn>
-                              </p:par>
-                            </p:childTnLst>
-                          </p:cTn>
-                        </p:par>
-                      </p:childTnLst>
-                    </p:cTn>
-                  </p:par>
-                  <p:par>
-                    <p:cTn id="13" fill="hold">
-                      <p:stCondLst>
-                        <p:cond delay="indefinite"/>
-                      </p:stCondLst>
-                      <p:childTnLst>
-                        <p:par>
-                          <p:cTn id="14" fill="hold">
-                            <p:stCondLst>
-                              <p:cond delay="0"/>
-                            </p:stCondLst>
-                            <p:childTnLst>
-                              <p:par>
-                                <p:cTn id="15" presetID="10" presetClass="entr" presetSubtype="0" fill="hold" grpId="0" nodeType="clickEffect">
-                                  <p:stCondLst>
-                                    <p:cond delay="0"/>
-                                  </p:stCondLst>
-                                  <p:childTnLst>
-                                    <p:set>
-                                      <p:cBhvr>
-                                        <p:cTn id="16" dur="1" fill="hold">
-                                          <p:stCondLst>
-                                            <p:cond delay="0"/>
-                                          </p:stCondLst>
-                                        </p:cTn>
-                                        <p:tgtEl>
-                                          <p:spTgt spid="5"/>
-                                        </p:tgtEl>
-                                        <p:attrNameLst>
-                                          <p:attrName>style.visibility</p:attrName>
-                                        </p:attrNameLst>
-                                      </p:cBhvr>
-                                      <p:to>
-                                        <p:strVal val="visible"/>
-                                      </p:to>
-                                    </p:set>
-                                    <p:animEffect transition="in" filter="fade">
-                                      <p:cBhvr>
-                                        <p:cTn id="17" dur="1000"/>
-                                        <p:tgtEl>
-                                          <p:spTgt spid="5"/>
-                                        </p:tgtEl>
-                                      </p:cBhvr>
-                                    </p:animEffect>
-                                  </p:childTnLst>
-                                </p:cTn>
-                              </p:par>
-                            </p:childTnLst>
-                          </p:cTn>
-                        </p:par>
-                      </p:childTnLst>
-                    </p:cTn>
-                  </p:par>
-                </p:childTnLst>
-              </p:cTn>
-              <p:prevCondLst>
-                <p:cond evt="onPrev" delay="0">
-                  <p:tgtEl>
-                    <p:sldTgt/>
-                  </p:tgtEl>
-                </p:cond>
-              </p:prevCondLst>
-              <p:nextCondLst>
-                <p:cond evt="onNext" delay="0">
-                  <p:tgtEl>
-                    <p:sldTgt/>
-                  </p:tgtEl>
-                </p:cond>
-              </p:nextCondLst>
-            </p:seq>
-          </p:childTnLst>
-        </p:cTn>
-      </p:par>
-    </p:tnLst>
-    <p:bldLst>
-      <p:bldP spid="4" grpId="0"/>
-      <p:bldP spid="4" grpId="1"/>
-      <p:bldP spid="5" grpId="0"/>
-    </p:bldLst>
-  </p:timing>
-</p:sld>
-</file>
-
-<file path=ppt/slides/slide20.xml><?xml version="1.0" encoding="utf-8"?>
+<file path=ppt/slides/slide19.xml><?xml version="1.0" encoding="utf-8"?>
 <p:sld xmlns:a="http://schemas.openxmlformats.org/drawingml/2006/main" xmlns:r="http://schemas.openxmlformats.org/officeDocument/2006/relationships" xmlns:p="http://schemas.openxmlformats.org/presentationml/2006/main">
   <p:cSld>
     <p:spTree>
@@ -12919,7 +12348,425 @@
 </p:sld>
 </file>
 
-<file path=ppt/slides/slide21.xml><?xml version="1.0" encoding="utf-8"?>
+<file path=ppt/slides/slide2.xml><?xml version="1.0" encoding="utf-8"?>
+<p:sld xmlns:a="http://schemas.openxmlformats.org/drawingml/2006/main" xmlns:r="http://schemas.openxmlformats.org/officeDocument/2006/relationships" xmlns:p="http://schemas.openxmlformats.org/presentationml/2006/main">
+  <p:cSld>
+    <p:spTree>
+      <p:nvGrpSpPr>
+        <p:cNvPr id="1" name=""/>
+        <p:cNvGrpSpPr/>
+        <p:nvPr/>
+      </p:nvGrpSpPr>
+      <p:grpSpPr>
+        <a:xfrm>
+          <a:off x="0" y="0"/>
+          <a:ext cx="0" cy="0"/>
+          <a:chOff x="0" y="0"/>
+          <a:chExt cx="0" cy="0"/>
+        </a:xfrm>
+      </p:grpSpPr>
+      <p:sp>
+        <p:nvSpPr>
+          <p:cNvPr id="4" name="TextBox 3">
+            <a:extLst>
+              <a:ext uri="{FF2B5EF4-FFF2-40B4-BE49-F238E27FC236}">
+                <a16:creationId xmlns:a16="http://schemas.microsoft.com/office/drawing/2014/main" id="{458E6F36-6C85-D6FE-0108-BA0351B757C9}"/>
+              </a:ext>
+            </a:extLst>
+          </p:cNvPr>
+          <p:cNvSpPr txBox="1"/>
+          <p:nvPr/>
+        </p:nvSpPr>
+        <p:spPr>
+          <a:xfrm>
+            <a:off x="3037840" y="2687954"/>
+            <a:ext cx="6197600" cy="1323439"/>
+          </a:xfrm>
+          <a:prstGeom prst="rect">
+            <a:avLst/>
+          </a:prstGeom>
+          <a:noFill/>
+        </p:spPr>
+        <p:txBody>
+          <a:bodyPr wrap="square" rtlCol="0">
+            <a:spAutoFit/>
+          </a:bodyPr>
+          <a:lstStyle/>
+          <a:p>
+            <a:r>
+              <a:rPr lang="ko-KR" altLang="en-US" sz="8000" b="1" dirty="0">
+                <a:effectLst>
+                  <a:outerShdw blurRad="38100" dist="38100" dir="2700000" algn="tl">
+                    <a:srgbClr val="000000">
+                      <a:alpha val="43137"/>
+                    </a:srgbClr>
+                  </a:outerShdw>
+                </a:effectLst>
+                <a:latin typeface="나눔고딕" panose="020D0604000000000000" pitchFamily="50" charset="-127"/>
+                <a:ea typeface="나눔고딕" panose="020D0604000000000000" pitchFamily="50" charset="-127"/>
+              </a:rPr>
+              <a:t>퍼스널 컬러 </a:t>
+            </a:r>
+            <a:r>
+              <a:rPr lang="en-US" altLang="ko-KR" sz="8000" b="1" dirty="0">
+                <a:effectLst>
+                  <a:outerShdw blurRad="38100" dist="38100" dir="2700000" algn="tl">
+                    <a:srgbClr val="000000">
+                      <a:alpha val="43137"/>
+                    </a:srgbClr>
+                  </a:outerShdw>
+                </a:effectLst>
+                <a:latin typeface="나눔고딕" panose="020D0604000000000000" pitchFamily="50" charset="-127"/>
+                <a:ea typeface="나눔고딕" panose="020D0604000000000000" pitchFamily="50" charset="-127"/>
+              </a:rPr>
+              <a:t>?</a:t>
+            </a:r>
+            <a:endParaRPr lang="ko-KR" altLang="en-US" sz="8000" b="1" dirty="0">
+              <a:effectLst>
+                <a:outerShdw blurRad="38100" dist="38100" dir="2700000" algn="tl">
+                  <a:srgbClr val="000000">
+                    <a:alpha val="43137"/>
+                  </a:srgbClr>
+                </a:outerShdw>
+              </a:effectLst>
+              <a:latin typeface="나눔고딕" panose="020D0604000000000000" pitchFamily="50" charset="-127"/>
+              <a:ea typeface="나눔고딕" panose="020D0604000000000000" pitchFamily="50" charset="-127"/>
+            </a:endParaRPr>
+          </a:p>
+        </p:txBody>
+      </p:sp>
+      <p:sp>
+        <p:nvSpPr>
+          <p:cNvPr id="5" name="TextBox 4">
+            <a:extLst>
+              <a:ext uri="{FF2B5EF4-FFF2-40B4-BE49-F238E27FC236}">
+                <a16:creationId xmlns:a16="http://schemas.microsoft.com/office/drawing/2014/main" id="{D46CD4EE-5286-A69C-5B2C-57AA0629A37E}"/>
+              </a:ext>
+            </a:extLst>
+          </p:cNvPr>
+          <p:cNvSpPr txBox="1"/>
+          <p:nvPr/>
+        </p:nvSpPr>
+        <p:spPr>
+          <a:xfrm>
+            <a:off x="274320" y="3011120"/>
+            <a:ext cx="11724640" cy="677108"/>
+          </a:xfrm>
+          <a:prstGeom prst="rect">
+            <a:avLst/>
+          </a:prstGeom>
+          <a:noFill/>
+        </p:spPr>
+        <p:txBody>
+          <a:bodyPr wrap="square" rtlCol="0">
+            <a:spAutoFit/>
+          </a:bodyPr>
+          <a:lstStyle/>
+          <a:p>
+            <a:r>
+              <a:rPr lang="ko-KR" altLang="en-US" sz="3800" b="1" i="0" dirty="0">
+                <a:effectLst>
+                  <a:outerShdw blurRad="38100" dist="38100" dir="2700000" algn="tl">
+                    <a:srgbClr val="000000">
+                      <a:alpha val="43137"/>
+                    </a:srgbClr>
+                  </a:outerShdw>
+                </a:effectLst>
+                <a:latin typeface="나눔고딕" panose="020D0604000000000000" pitchFamily="50" charset="-127"/>
+                <a:ea typeface="나눔고딕" panose="020D0604000000000000" pitchFamily="50" charset="-127"/>
+              </a:rPr>
+              <a:t>사람의 </a:t>
+            </a:r>
+            <a:r>
+              <a:rPr lang="ko-KR" altLang="en-US" sz="3800" b="1" i="0" dirty="0" err="1">
+                <a:effectLst>
+                  <a:outerShdw blurRad="38100" dist="38100" dir="2700000" algn="tl">
+                    <a:srgbClr val="000000">
+                      <a:alpha val="43137"/>
+                    </a:srgbClr>
+                  </a:outerShdw>
+                </a:effectLst>
+                <a:latin typeface="나눔고딕" panose="020D0604000000000000" pitchFamily="50" charset="-127"/>
+                <a:ea typeface="나눔고딕" panose="020D0604000000000000" pitchFamily="50" charset="-127"/>
+              </a:rPr>
+              <a:t>피부톤과</a:t>
+            </a:r>
+            <a:r>
+              <a:rPr lang="ko-KR" altLang="en-US" sz="3800" b="1" i="0" dirty="0">
+                <a:effectLst>
+                  <a:outerShdw blurRad="38100" dist="38100" dir="2700000" algn="tl">
+                    <a:srgbClr val="000000">
+                      <a:alpha val="43137"/>
+                    </a:srgbClr>
+                  </a:outerShdw>
+                </a:effectLst>
+                <a:latin typeface="나눔고딕" panose="020D0604000000000000" pitchFamily="50" charset="-127"/>
+                <a:ea typeface="나눔고딕" panose="020D0604000000000000" pitchFamily="50" charset="-127"/>
+              </a:rPr>
+              <a:t> 가장 어울리는 색상을 찾는 </a:t>
+            </a:r>
+            <a:r>
+              <a:rPr lang="ko-KR" altLang="en-US" sz="3800" b="1" i="0" dirty="0" err="1">
+                <a:effectLst>
+                  <a:outerShdw blurRad="38100" dist="38100" dir="2700000" algn="tl">
+                    <a:srgbClr val="000000">
+                      <a:alpha val="43137"/>
+                    </a:srgbClr>
+                  </a:outerShdw>
+                </a:effectLst>
+                <a:latin typeface="나눔고딕" panose="020D0604000000000000" pitchFamily="50" charset="-127"/>
+                <a:ea typeface="나눔고딕" panose="020D0604000000000000" pitchFamily="50" charset="-127"/>
+              </a:rPr>
+              <a:t>색채학</a:t>
+            </a:r>
+            <a:r>
+              <a:rPr lang="ko-KR" altLang="en-US" sz="3800" b="1" i="0" dirty="0">
+                <a:effectLst>
+                  <a:outerShdw blurRad="38100" dist="38100" dir="2700000" algn="tl">
+                    <a:srgbClr val="000000">
+                      <a:alpha val="43137"/>
+                    </a:srgbClr>
+                  </a:outerShdw>
+                </a:effectLst>
+                <a:latin typeface="나눔고딕" panose="020D0604000000000000" pitchFamily="50" charset="-127"/>
+                <a:ea typeface="나눔고딕" panose="020D0604000000000000" pitchFamily="50" charset="-127"/>
+              </a:rPr>
+              <a:t> 이론</a:t>
+            </a:r>
+            <a:endParaRPr lang="ko-KR" altLang="en-US" sz="3800" b="1" dirty="0">
+              <a:effectLst>
+                <a:outerShdw blurRad="38100" dist="38100" dir="2700000" algn="tl">
+                  <a:srgbClr val="000000">
+                    <a:alpha val="43137"/>
+                  </a:srgbClr>
+                </a:outerShdw>
+              </a:effectLst>
+              <a:latin typeface="나눔고딕" panose="020D0604000000000000" pitchFamily="50" charset="-127"/>
+              <a:ea typeface="나눔고딕" panose="020D0604000000000000" pitchFamily="50" charset="-127"/>
+            </a:endParaRPr>
+          </a:p>
+        </p:txBody>
+      </p:sp>
+    </p:spTree>
+    <p:extLst>
+      <p:ext uri="{BB962C8B-B14F-4D97-AF65-F5344CB8AC3E}">
+        <p14:creationId xmlns:p14="http://schemas.microsoft.com/office/powerpoint/2010/main" val="2319981431"/>
+      </p:ext>
+    </p:extLst>
+  </p:cSld>
+  <p:clrMapOvr>
+    <a:masterClrMapping/>
+  </p:clrMapOvr>
+  <mc:AlternateContent xmlns:mc="http://schemas.openxmlformats.org/markup-compatibility/2006" xmlns:p14="http://schemas.microsoft.com/office/powerpoint/2010/main">
+    <mc:Choice Requires="p14">
+      <p:transition spd="med" p14:dur="700">
+        <p:fade/>
+      </p:transition>
+    </mc:Choice>
+    <mc:Fallback xmlns="">
+      <p:transition spd="med">
+        <p:fade/>
+      </p:transition>
+    </mc:Fallback>
+  </mc:AlternateContent>
+  <p:timing>
+    <p:tnLst>
+      <p:par>
+        <p:cTn id="1" dur="indefinite" restart="never" nodeType="tmRoot">
+          <p:childTnLst>
+            <p:seq concurrent="1" nextAc="seek">
+              <p:cTn id="2" dur="indefinite" nodeType="mainSeq">
+                <p:childTnLst>
+                  <p:par>
+                    <p:cTn id="3" fill="hold">
+                      <p:stCondLst>
+                        <p:cond delay="indefinite"/>
+                      </p:stCondLst>
+                      <p:childTnLst>
+                        <p:par>
+                          <p:cTn id="4" fill="hold">
+                            <p:stCondLst>
+                              <p:cond delay="0"/>
+                            </p:stCondLst>
+                            <p:childTnLst>
+                              <p:par>
+                                <p:cTn id="5" presetID="10" presetClass="entr" presetSubtype="0" fill="hold" grpId="0" nodeType="clickEffect">
+                                  <p:stCondLst>
+                                    <p:cond delay="0"/>
+                                  </p:stCondLst>
+                                  <p:childTnLst>
+                                    <p:set>
+                                      <p:cBhvr>
+                                        <p:cTn id="6" dur="1" fill="hold">
+                                          <p:stCondLst>
+                                            <p:cond delay="0"/>
+                                          </p:stCondLst>
+                                        </p:cTn>
+                                        <p:tgtEl>
+                                          <p:spTgt spid="4"/>
+                                        </p:tgtEl>
+                                        <p:attrNameLst>
+                                          <p:attrName>style.visibility</p:attrName>
+                                        </p:attrNameLst>
+                                      </p:cBhvr>
+                                      <p:to>
+                                        <p:strVal val="visible"/>
+                                      </p:to>
+                                    </p:set>
+                                    <p:animEffect transition="in" filter="fade">
+                                      <p:cBhvr>
+                                        <p:cTn id="7" dur="1000"/>
+                                        <p:tgtEl>
+                                          <p:spTgt spid="4"/>
+                                        </p:tgtEl>
+                                      </p:cBhvr>
+                                    </p:animEffect>
+                                  </p:childTnLst>
+                                </p:cTn>
+                              </p:par>
+                            </p:childTnLst>
+                          </p:cTn>
+                        </p:par>
+                      </p:childTnLst>
+                    </p:cTn>
+                  </p:par>
+                  <p:par>
+                    <p:cTn id="8" fill="hold">
+                      <p:stCondLst>
+                        <p:cond delay="indefinite"/>
+                      </p:stCondLst>
+                      <p:childTnLst>
+                        <p:par>
+                          <p:cTn id="9" fill="hold">
+                            <p:stCondLst>
+                              <p:cond delay="0"/>
+                            </p:stCondLst>
+                            <p:childTnLst>
+                              <p:par>
+                                <p:cTn id="10" presetID="10" presetClass="exit" presetSubtype="0" fill="hold" grpId="1" nodeType="clickEffect">
+                                  <p:stCondLst>
+                                    <p:cond delay="0"/>
+                                  </p:stCondLst>
+                                  <p:childTnLst>
+                                    <p:animEffect transition="out" filter="fade">
+                                      <p:cBhvr>
+                                        <p:cTn id="11" dur="500"/>
+                                        <p:tgtEl>
+                                          <p:spTgt spid="4"/>
+                                        </p:tgtEl>
+                                      </p:cBhvr>
+                                    </p:animEffect>
+                                    <p:set>
+                                      <p:cBhvr>
+                                        <p:cTn id="12" dur="1" fill="hold">
+                                          <p:stCondLst>
+                                            <p:cond delay="499"/>
+                                          </p:stCondLst>
+                                        </p:cTn>
+                                        <p:tgtEl>
+                                          <p:spTgt spid="4"/>
+                                        </p:tgtEl>
+                                        <p:attrNameLst>
+                                          <p:attrName>style.visibility</p:attrName>
+                                        </p:attrNameLst>
+                                      </p:cBhvr>
+                                      <p:to>
+                                        <p:strVal val="hidden"/>
+                                      </p:to>
+                                    </p:set>
+                                  </p:childTnLst>
+                                </p:cTn>
+                              </p:par>
+                            </p:childTnLst>
+                          </p:cTn>
+                        </p:par>
+                      </p:childTnLst>
+                    </p:cTn>
+                  </p:par>
+                  <p:par>
+                    <p:cTn id="13" fill="hold">
+                      <p:stCondLst>
+                        <p:cond delay="indefinite"/>
+                      </p:stCondLst>
+                      <p:childTnLst>
+                        <p:par>
+                          <p:cTn id="14" fill="hold">
+                            <p:stCondLst>
+                              <p:cond delay="0"/>
+                            </p:stCondLst>
+                            <p:childTnLst>
+                              <p:par>
+                                <p:cTn id="15" presetID="10" presetClass="entr" presetSubtype="0" fill="hold" grpId="0" nodeType="clickEffect">
+                                  <p:stCondLst>
+                                    <p:cond delay="0"/>
+                                  </p:stCondLst>
+                                  <p:childTnLst>
+                                    <p:set>
+                                      <p:cBhvr>
+                                        <p:cTn id="16" dur="1" fill="hold">
+                                          <p:stCondLst>
+                                            <p:cond delay="0"/>
+                                          </p:stCondLst>
+                                        </p:cTn>
+                                        <p:tgtEl>
+                                          <p:spTgt spid="5"/>
+                                        </p:tgtEl>
+                                        <p:attrNameLst>
+                                          <p:attrName>style.visibility</p:attrName>
+                                        </p:attrNameLst>
+                                      </p:cBhvr>
+                                      <p:to>
+                                        <p:strVal val="visible"/>
+                                      </p:to>
+                                    </p:set>
+                                    <p:animEffect transition="in" filter="fade">
+                                      <p:cBhvr>
+                                        <p:cTn id="17" dur="1000"/>
+                                        <p:tgtEl>
+                                          <p:spTgt spid="5"/>
+                                        </p:tgtEl>
+                                      </p:cBhvr>
+                                    </p:animEffect>
+                                  </p:childTnLst>
+                                </p:cTn>
+                              </p:par>
+                            </p:childTnLst>
+                          </p:cTn>
+                        </p:par>
+                      </p:childTnLst>
+                    </p:cTn>
+                  </p:par>
+                </p:childTnLst>
+              </p:cTn>
+              <p:prevCondLst>
+                <p:cond evt="onPrev" delay="0">
+                  <p:tgtEl>
+                    <p:sldTgt/>
+                  </p:tgtEl>
+                </p:cond>
+              </p:prevCondLst>
+              <p:nextCondLst>
+                <p:cond evt="onNext" delay="0">
+                  <p:tgtEl>
+                    <p:sldTgt/>
+                  </p:tgtEl>
+                </p:cond>
+              </p:nextCondLst>
+            </p:seq>
+          </p:childTnLst>
+        </p:cTn>
+      </p:par>
+    </p:tnLst>
+    <p:bldLst>
+      <p:bldP spid="4" grpId="0"/>
+      <p:bldP spid="4" grpId="1"/>
+      <p:bldP spid="5" grpId="0"/>
+    </p:bldLst>
+  </p:timing>
+</p:sld>
+</file>
+
+<file path=ppt/slides/slide20.xml><?xml version="1.0" encoding="utf-8"?>
 <p:sld xmlns:a="http://schemas.openxmlformats.org/drawingml/2006/main" xmlns:r="http://schemas.openxmlformats.org/officeDocument/2006/relationships" xmlns:p="http://schemas.openxmlformats.org/presentationml/2006/main">
   <p:cSld>
     <p:spTree>
@@ -13971,7 +13818,7 @@
 </p:sld>
 </file>
 
-<file path=ppt/slides/slide22.xml><?xml version="1.0" encoding="utf-8"?>
+<file path=ppt/slides/slide21.xml><?xml version="1.0" encoding="utf-8"?>
 <p:sld xmlns:a="http://schemas.openxmlformats.org/drawingml/2006/main" xmlns:r="http://schemas.openxmlformats.org/officeDocument/2006/relationships" xmlns:p="http://schemas.openxmlformats.org/presentationml/2006/main">
   <p:cSld>
     <p:spTree>
@@ -14184,7 +14031,7 @@
 </p:sld>
 </file>
 
-<file path=ppt/slides/slide23.xml><?xml version="1.0" encoding="utf-8"?>
+<file path=ppt/slides/slide22.xml><?xml version="1.0" encoding="utf-8"?>
 <p:sld xmlns:a="http://schemas.openxmlformats.org/drawingml/2006/main" xmlns:r="http://schemas.openxmlformats.org/officeDocument/2006/relationships" xmlns:p="http://schemas.openxmlformats.org/presentationml/2006/main">
   <p:cSld>
     <p:spTree>
@@ -14491,7 +14338,7 @@
 </p:sld>
 </file>
 
-<file path=ppt/slides/slide24.xml><?xml version="1.0" encoding="utf-8"?>
+<file path=ppt/slides/slide23.xml><?xml version="1.0" encoding="utf-8"?>
 <p:sld xmlns:a="http://schemas.openxmlformats.org/drawingml/2006/main" xmlns:r="http://schemas.openxmlformats.org/officeDocument/2006/relationships" xmlns:p="http://schemas.openxmlformats.org/presentationml/2006/main">
   <p:cSld>
     <p:spTree>
@@ -15349,7 +15196,7 @@
 </p:sld>
 </file>
 
-<file path=ppt/slides/slide25.xml><?xml version="1.0" encoding="utf-8"?>
+<file path=ppt/slides/slide24.xml><?xml version="1.0" encoding="utf-8"?>
 <p:sld xmlns:a="http://schemas.openxmlformats.org/drawingml/2006/main" xmlns:r="http://schemas.openxmlformats.org/officeDocument/2006/relationships" xmlns:p="http://schemas.openxmlformats.org/presentationml/2006/main">
   <p:cSld>
     <p:spTree>
@@ -15493,7 +15340,7 @@
 </p:sld>
 </file>
 
-<file path=ppt/slides/slide26.xml><?xml version="1.0" encoding="utf-8"?>
+<file path=ppt/slides/slide25.xml><?xml version="1.0" encoding="utf-8"?>
 <p:sld xmlns:a="http://schemas.openxmlformats.org/drawingml/2006/main" xmlns:r="http://schemas.openxmlformats.org/officeDocument/2006/relationships" xmlns:p="http://schemas.openxmlformats.org/presentationml/2006/main">
   <p:cSld>
     <p:spTree>
@@ -15571,7 +15418,7 @@
 </p:sld>
 </file>
 
-<file path=ppt/slides/slide27.xml><?xml version="1.0" encoding="utf-8"?>
+<file path=ppt/slides/slide26.xml><?xml version="1.0" encoding="utf-8"?>
 <p:sld xmlns:a="http://schemas.openxmlformats.org/drawingml/2006/main" xmlns:r="http://schemas.openxmlformats.org/officeDocument/2006/relationships" xmlns:p="http://schemas.openxmlformats.org/presentationml/2006/main">
   <p:cSld>
     <p:spTree>
@@ -15649,7 +15496,7 @@
 </p:sld>
 </file>
 
-<file path=ppt/slides/slide28.xml><?xml version="1.0" encoding="utf-8"?>
+<file path=ppt/slides/slide27.xml><?xml version="1.0" encoding="utf-8"?>
 <p:sld xmlns:a="http://schemas.openxmlformats.org/drawingml/2006/main" xmlns:r="http://schemas.openxmlformats.org/officeDocument/2006/relationships" xmlns:p="http://schemas.openxmlformats.org/presentationml/2006/main">
   <p:cSld>
     <p:bg>
@@ -15735,7 +15582,7 @@
 </p:sld>
 </file>
 
-<file path=ppt/slides/slide29.xml><?xml version="1.0" encoding="utf-8"?>
+<file path=ppt/slides/slide28.xml><?xml version="1.0" encoding="utf-8"?>
 <p:sld xmlns:a="http://schemas.openxmlformats.org/drawingml/2006/main" xmlns:r="http://schemas.openxmlformats.org/officeDocument/2006/relationships" xmlns:p="http://schemas.openxmlformats.org/presentationml/2006/main">
   <p:cSld>
     <p:spTree>
@@ -15974,6 +15821,197 @@
     <p:extLst>
       <p:ext uri="{BB962C8B-B14F-4D97-AF65-F5344CB8AC3E}">
         <p14:creationId xmlns:p14="http://schemas.microsoft.com/office/powerpoint/2010/main" val="2446348180"/>
+      </p:ext>
+    </p:extLst>
+  </p:cSld>
+  <p:clrMapOvr>
+    <a:masterClrMapping/>
+  </p:clrMapOvr>
+  <mc:AlternateContent xmlns:mc="http://schemas.openxmlformats.org/markup-compatibility/2006" xmlns:p159="http://schemas.microsoft.com/office/powerpoint/2015/09/main">
+    <mc:Choice Requires="p159">
+      <p:transition xmlns:p14="http://schemas.microsoft.com/office/powerpoint/2010/main" spd="slow" p14:dur="2000">
+        <p159:morph option="byObject"/>
+      </p:transition>
+    </mc:Choice>
+    <mc:Fallback xmlns="">
+      <p:transition spd="slow">
+        <p:fade/>
+      </p:transition>
+    </mc:Fallback>
+  </mc:AlternateContent>
+</p:sld>
+</file>
+
+<file path=ppt/slides/slide29.xml><?xml version="1.0" encoding="utf-8"?>
+<p:sld xmlns:a="http://schemas.openxmlformats.org/drawingml/2006/main" xmlns:r="http://schemas.openxmlformats.org/officeDocument/2006/relationships" xmlns:p="http://schemas.openxmlformats.org/presentationml/2006/main">
+  <p:cSld>
+    <p:spTree>
+      <p:nvGrpSpPr>
+        <p:cNvPr id="1" name=""/>
+        <p:cNvGrpSpPr/>
+        <p:nvPr/>
+      </p:nvGrpSpPr>
+      <p:grpSpPr>
+        <a:xfrm>
+          <a:off x="0" y="0"/>
+          <a:ext cx="0" cy="0"/>
+          <a:chOff x="0" y="0"/>
+          <a:chExt cx="0" cy="0"/>
+        </a:xfrm>
+      </p:grpSpPr>
+      <p:sp>
+        <p:nvSpPr>
+          <p:cNvPr id="2" name="TextBox 1">
+            <a:extLst>
+              <a:ext uri="{FF2B5EF4-FFF2-40B4-BE49-F238E27FC236}">
+                <a16:creationId xmlns:a16="http://schemas.microsoft.com/office/drawing/2014/main" id="{5686FA0C-7433-8138-C4E0-4500FCA196D4}"/>
+              </a:ext>
+            </a:extLst>
+          </p:cNvPr>
+          <p:cNvSpPr txBox="1"/>
+          <p:nvPr/>
+        </p:nvSpPr>
+        <p:spPr>
+          <a:xfrm>
+            <a:off x="4132962" y="2644170"/>
+            <a:ext cx="3509294" cy="1569660"/>
+          </a:xfrm>
+          <a:prstGeom prst="rect">
+            <a:avLst/>
+          </a:prstGeom>
+          <a:noFill/>
+        </p:spPr>
+        <p:txBody>
+          <a:bodyPr wrap="none" rtlCol="0">
+            <a:spAutoFit/>
+          </a:bodyPr>
+          <a:lstStyle/>
+          <a:p>
+            <a:r>
+              <a:rPr lang="en-US" altLang="ko-KR" sz="9600" b="1" dirty="0">
+                <a:effectLst>
+                  <a:outerShdw blurRad="38100" dist="38100" dir="2700000" algn="tl">
+                    <a:srgbClr val="000000">
+                      <a:alpha val="43137"/>
+                    </a:srgbClr>
+                  </a:outerShdw>
+                </a:effectLst>
+                <a:latin typeface="Algerian" panose="04020705040A02060702" pitchFamily="82" charset="0"/>
+              </a:rPr>
+              <a:t>Q</a:t>
+            </a:r>
+            <a:r>
+              <a:rPr lang="ko-KR" altLang="en-US" sz="9600" b="1" dirty="0">
+                <a:effectLst>
+                  <a:outerShdw blurRad="38100" dist="38100" dir="2700000" algn="tl">
+                    <a:srgbClr val="000000">
+                      <a:alpha val="43137"/>
+                    </a:srgbClr>
+                  </a:outerShdw>
+                </a:effectLst>
+                <a:latin typeface="Algerian" panose="04020705040A02060702" pitchFamily="82" charset="0"/>
+              </a:rPr>
+              <a:t> </a:t>
+            </a:r>
+            <a:r>
+              <a:rPr lang="en-US" altLang="ko-KR" sz="9600" b="1" dirty="0">
+                <a:effectLst>
+                  <a:outerShdw blurRad="38100" dist="38100" dir="2700000" algn="tl">
+                    <a:srgbClr val="000000">
+                      <a:alpha val="43137"/>
+                    </a:srgbClr>
+                  </a:outerShdw>
+                </a:effectLst>
+                <a:latin typeface="Algerian" panose="04020705040A02060702" pitchFamily="82" charset="0"/>
+              </a:rPr>
+              <a:t>&amp;</a:t>
+            </a:r>
+            <a:r>
+              <a:rPr lang="ko-KR" altLang="en-US" sz="9600" b="1" dirty="0">
+                <a:effectLst>
+                  <a:outerShdw blurRad="38100" dist="38100" dir="2700000" algn="tl">
+                    <a:srgbClr val="000000">
+                      <a:alpha val="43137"/>
+                    </a:srgbClr>
+                  </a:outerShdw>
+                </a:effectLst>
+                <a:latin typeface="Algerian" panose="04020705040A02060702" pitchFamily="82" charset="0"/>
+              </a:rPr>
+              <a:t> </a:t>
+            </a:r>
+            <a:r>
+              <a:rPr lang="en-US" altLang="ko-KR" sz="9600" b="1" dirty="0">
+                <a:effectLst>
+                  <a:outerShdw blurRad="38100" dist="38100" dir="2700000" algn="tl">
+                    <a:srgbClr val="000000">
+                      <a:alpha val="43137"/>
+                    </a:srgbClr>
+                  </a:outerShdw>
+                </a:effectLst>
+                <a:latin typeface="Algerian" panose="04020705040A02060702" pitchFamily="82" charset="0"/>
+              </a:rPr>
+              <a:t>A</a:t>
+            </a:r>
+            <a:endParaRPr lang="ko-KR" altLang="en-US" sz="9600" b="1" dirty="0">
+              <a:effectLst>
+                <a:outerShdw blurRad="38100" dist="38100" dir="2700000" algn="tl">
+                  <a:srgbClr val="000000">
+                    <a:alpha val="43137"/>
+                  </a:srgbClr>
+                </a:outerShdw>
+              </a:effectLst>
+              <a:latin typeface="Algerian" panose="04020705040A02060702" pitchFamily="82" charset="0"/>
+            </a:endParaRPr>
+          </a:p>
+        </p:txBody>
+      </p:sp>
+      <p:sp>
+        <p:nvSpPr>
+          <p:cNvPr id="4" name="TextBox 3">
+            <a:extLst>
+              <a:ext uri="{FF2B5EF4-FFF2-40B4-BE49-F238E27FC236}">
+                <a16:creationId xmlns:a16="http://schemas.microsoft.com/office/drawing/2014/main" id="{7054883B-E11B-47EF-30BC-D7C4719DE07B}"/>
+              </a:ext>
+            </a:extLst>
+          </p:cNvPr>
+          <p:cNvSpPr txBox="1"/>
+          <p:nvPr/>
+        </p:nvSpPr>
+        <p:spPr>
+          <a:xfrm>
+            <a:off x="10525760" y="6596390"/>
+            <a:ext cx="2895600" cy="261610"/>
+          </a:xfrm>
+          <a:prstGeom prst="rect">
+            <a:avLst/>
+          </a:prstGeom>
+          <a:noFill/>
+        </p:spPr>
+        <p:txBody>
+          <a:bodyPr wrap="square" rtlCol="0">
+            <a:spAutoFit/>
+          </a:bodyPr>
+          <a:lstStyle/>
+          <a:p>
+            <a:r>
+              <a:rPr lang="ko-KR" altLang="en-US" sz="1100" b="1" dirty="0"/>
+              <a:t>출처 및 참고 </a:t>
+            </a:r>
+            <a:r>
+              <a:rPr lang="en-US" altLang="ko-KR" sz="1100" b="1" dirty="0"/>
+              <a:t>: </a:t>
+            </a:r>
+            <a:r>
+              <a:rPr lang="ko-KR" altLang="en-US" sz="1100" b="1" dirty="0"/>
+              <a:t>생활코딩</a:t>
+            </a:r>
+          </a:p>
+        </p:txBody>
+      </p:sp>
+    </p:spTree>
+    <p:extLst>
+      <p:ext uri="{BB962C8B-B14F-4D97-AF65-F5344CB8AC3E}">
+        <p14:creationId xmlns:p14="http://schemas.microsoft.com/office/powerpoint/2010/main" val="2359178355"/>
       </p:ext>
     </p:extLst>
   </p:cSld>
@@ -16186,197 +16224,6 @@
       </p:grpSpPr>
       <p:sp>
         <p:nvSpPr>
-          <p:cNvPr id="2" name="TextBox 1">
-            <a:extLst>
-              <a:ext uri="{FF2B5EF4-FFF2-40B4-BE49-F238E27FC236}">
-                <a16:creationId xmlns:a16="http://schemas.microsoft.com/office/drawing/2014/main" id="{5686FA0C-7433-8138-C4E0-4500FCA196D4}"/>
-              </a:ext>
-            </a:extLst>
-          </p:cNvPr>
-          <p:cNvSpPr txBox="1"/>
-          <p:nvPr/>
-        </p:nvSpPr>
-        <p:spPr>
-          <a:xfrm>
-            <a:off x="4132962" y="2644170"/>
-            <a:ext cx="3509294" cy="1569660"/>
-          </a:xfrm>
-          <a:prstGeom prst="rect">
-            <a:avLst/>
-          </a:prstGeom>
-          <a:noFill/>
-        </p:spPr>
-        <p:txBody>
-          <a:bodyPr wrap="none" rtlCol="0">
-            <a:spAutoFit/>
-          </a:bodyPr>
-          <a:lstStyle/>
-          <a:p>
-            <a:r>
-              <a:rPr lang="en-US" altLang="ko-KR" sz="9600" b="1" dirty="0">
-                <a:effectLst>
-                  <a:outerShdw blurRad="38100" dist="38100" dir="2700000" algn="tl">
-                    <a:srgbClr val="000000">
-                      <a:alpha val="43137"/>
-                    </a:srgbClr>
-                  </a:outerShdw>
-                </a:effectLst>
-                <a:latin typeface="Algerian" panose="04020705040A02060702" pitchFamily="82" charset="0"/>
-              </a:rPr>
-              <a:t>Q</a:t>
-            </a:r>
-            <a:r>
-              <a:rPr lang="ko-KR" altLang="en-US" sz="9600" b="1" dirty="0">
-                <a:effectLst>
-                  <a:outerShdw blurRad="38100" dist="38100" dir="2700000" algn="tl">
-                    <a:srgbClr val="000000">
-                      <a:alpha val="43137"/>
-                    </a:srgbClr>
-                  </a:outerShdw>
-                </a:effectLst>
-                <a:latin typeface="Algerian" panose="04020705040A02060702" pitchFamily="82" charset="0"/>
-              </a:rPr>
-              <a:t> </a:t>
-            </a:r>
-            <a:r>
-              <a:rPr lang="en-US" altLang="ko-KR" sz="9600" b="1" dirty="0">
-                <a:effectLst>
-                  <a:outerShdw blurRad="38100" dist="38100" dir="2700000" algn="tl">
-                    <a:srgbClr val="000000">
-                      <a:alpha val="43137"/>
-                    </a:srgbClr>
-                  </a:outerShdw>
-                </a:effectLst>
-                <a:latin typeface="Algerian" panose="04020705040A02060702" pitchFamily="82" charset="0"/>
-              </a:rPr>
-              <a:t>&amp;</a:t>
-            </a:r>
-            <a:r>
-              <a:rPr lang="ko-KR" altLang="en-US" sz="9600" b="1" dirty="0">
-                <a:effectLst>
-                  <a:outerShdw blurRad="38100" dist="38100" dir="2700000" algn="tl">
-                    <a:srgbClr val="000000">
-                      <a:alpha val="43137"/>
-                    </a:srgbClr>
-                  </a:outerShdw>
-                </a:effectLst>
-                <a:latin typeface="Algerian" panose="04020705040A02060702" pitchFamily="82" charset="0"/>
-              </a:rPr>
-              <a:t> </a:t>
-            </a:r>
-            <a:r>
-              <a:rPr lang="en-US" altLang="ko-KR" sz="9600" b="1" dirty="0">
-                <a:effectLst>
-                  <a:outerShdw blurRad="38100" dist="38100" dir="2700000" algn="tl">
-                    <a:srgbClr val="000000">
-                      <a:alpha val="43137"/>
-                    </a:srgbClr>
-                  </a:outerShdw>
-                </a:effectLst>
-                <a:latin typeface="Algerian" panose="04020705040A02060702" pitchFamily="82" charset="0"/>
-              </a:rPr>
-              <a:t>A</a:t>
-            </a:r>
-            <a:endParaRPr lang="ko-KR" altLang="en-US" sz="9600" b="1" dirty="0">
-              <a:effectLst>
-                <a:outerShdw blurRad="38100" dist="38100" dir="2700000" algn="tl">
-                  <a:srgbClr val="000000">
-                    <a:alpha val="43137"/>
-                  </a:srgbClr>
-                </a:outerShdw>
-              </a:effectLst>
-              <a:latin typeface="Algerian" panose="04020705040A02060702" pitchFamily="82" charset="0"/>
-            </a:endParaRPr>
-          </a:p>
-        </p:txBody>
-      </p:sp>
-      <p:sp>
-        <p:nvSpPr>
-          <p:cNvPr id="4" name="TextBox 3">
-            <a:extLst>
-              <a:ext uri="{FF2B5EF4-FFF2-40B4-BE49-F238E27FC236}">
-                <a16:creationId xmlns:a16="http://schemas.microsoft.com/office/drawing/2014/main" id="{7054883B-E11B-47EF-30BC-D7C4719DE07B}"/>
-              </a:ext>
-            </a:extLst>
-          </p:cNvPr>
-          <p:cNvSpPr txBox="1"/>
-          <p:nvPr/>
-        </p:nvSpPr>
-        <p:spPr>
-          <a:xfrm>
-            <a:off x="10525760" y="6596390"/>
-            <a:ext cx="2895600" cy="261610"/>
-          </a:xfrm>
-          <a:prstGeom prst="rect">
-            <a:avLst/>
-          </a:prstGeom>
-          <a:noFill/>
-        </p:spPr>
-        <p:txBody>
-          <a:bodyPr wrap="square" rtlCol="0">
-            <a:spAutoFit/>
-          </a:bodyPr>
-          <a:lstStyle/>
-          <a:p>
-            <a:r>
-              <a:rPr lang="ko-KR" altLang="en-US" sz="1100" b="1" dirty="0"/>
-              <a:t>출처 및 참고 </a:t>
-            </a:r>
-            <a:r>
-              <a:rPr lang="en-US" altLang="ko-KR" sz="1100" b="1" dirty="0"/>
-              <a:t>: </a:t>
-            </a:r>
-            <a:r>
-              <a:rPr lang="ko-KR" altLang="en-US" sz="1100" b="1" dirty="0"/>
-              <a:t>생활코딩</a:t>
-            </a:r>
-          </a:p>
-        </p:txBody>
-      </p:sp>
-    </p:spTree>
-    <p:extLst>
-      <p:ext uri="{BB962C8B-B14F-4D97-AF65-F5344CB8AC3E}">
-        <p14:creationId xmlns:p14="http://schemas.microsoft.com/office/powerpoint/2010/main" val="2359178355"/>
-      </p:ext>
-    </p:extLst>
-  </p:cSld>
-  <p:clrMapOvr>
-    <a:masterClrMapping/>
-  </p:clrMapOvr>
-  <mc:AlternateContent xmlns:mc="http://schemas.openxmlformats.org/markup-compatibility/2006" xmlns:p159="http://schemas.microsoft.com/office/powerpoint/2015/09/main">
-    <mc:Choice Requires="p159">
-      <p:transition xmlns:p14="http://schemas.microsoft.com/office/powerpoint/2010/main" spd="slow" p14:dur="2000">
-        <p159:morph option="byObject"/>
-      </p:transition>
-    </mc:Choice>
-    <mc:Fallback xmlns="">
-      <p:transition spd="slow">
-        <p:fade/>
-      </p:transition>
-    </mc:Fallback>
-  </mc:AlternateContent>
-</p:sld>
-</file>
-
-<file path=ppt/slides/slide31.xml><?xml version="1.0" encoding="utf-8"?>
-<p:sld xmlns:a="http://schemas.openxmlformats.org/drawingml/2006/main" xmlns:r="http://schemas.openxmlformats.org/officeDocument/2006/relationships" xmlns:p="http://schemas.openxmlformats.org/presentationml/2006/main">
-  <p:cSld>
-    <p:spTree>
-      <p:nvGrpSpPr>
-        <p:cNvPr id="1" name=""/>
-        <p:cNvGrpSpPr/>
-        <p:nvPr/>
-      </p:nvGrpSpPr>
-      <p:grpSpPr>
-        <a:xfrm>
-          <a:off x="0" y="0"/>
-          <a:ext cx="0" cy="0"/>
-          <a:chOff x="0" y="0"/>
-          <a:chExt cx="0" cy="0"/>
-        </a:xfrm>
-      </p:grpSpPr>
-      <p:sp>
-        <p:nvSpPr>
           <p:cNvPr id="2" name="직사각형 1">
             <a:extLst>
               <a:ext uri="{FF2B5EF4-FFF2-40B4-BE49-F238E27FC236}">
@@ -16636,7 +16483,7 @@
 </p:sld>
 </file>
 
-<file path=ppt/slides/slide32.xml><?xml version="1.0" encoding="utf-8"?>
+<file path=ppt/slides/slide31.xml><?xml version="1.0" encoding="utf-8"?>
 <p:sld xmlns:a="http://schemas.openxmlformats.org/drawingml/2006/main" xmlns:r="http://schemas.openxmlformats.org/officeDocument/2006/relationships" xmlns:p="http://schemas.openxmlformats.org/presentationml/2006/main">
   <p:cSld>
     <p:spTree>
@@ -16754,7 +16601,7 @@
 </p:sld>
 </file>
 
-<file path=ppt/slides/slide33.xml><?xml version="1.0" encoding="utf-8"?>
+<file path=ppt/slides/slide32.xml><?xml version="1.0" encoding="utf-8"?>
 <p:sld xmlns:a="http://schemas.openxmlformats.org/drawingml/2006/main" xmlns:r="http://schemas.openxmlformats.org/officeDocument/2006/relationships" xmlns:p="http://schemas.openxmlformats.org/presentationml/2006/main">
   <p:cSld>
     <p:spTree>
@@ -17260,7 +17107,7 @@
 </p:sld>
 </file>
 
-<file path=ppt/slides/slide34.xml><?xml version="1.0" encoding="utf-8"?>
+<file path=ppt/slides/slide33.xml><?xml version="1.0" encoding="utf-8"?>
 <p:sld xmlns:a="http://schemas.openxmlformats.org/drawingml/2006/main" xmlns:r="http://schemas.openxmlformats.org/officeDocument/2006/relationships" xmlns:p="http://schemas.openxmlformats.org/presentationml/2006/main">
   <p:cSld>
     <p:spTree>
@@ -17561,7 +17408,7 @@
 </p:sld>
 </file>
 
-<file path=ppt/slides/slide35.xml><?xml version="1.0" encoding="utf-8"?>
+<file path=ppt/slides/slide34.xml><?xml version="1.0" encoding="utf-8"?>
 <p:sld xmlns:a="http://schemas.openxmlformats.org/drawingml/2006/main" xmlns:r="http://schemas.openxmlformats.org/officeDocument/2006/relationships" xmlns:p="http://schemas.openxmlformats.org/presentationml/2006/main">
   <p:cSld>
     <p:spTree>
@@ -17917,7 +17764,7 @@
 </p:sld>
 </file>
 
-<file path=ppt/slides/slide36.xml><?xml version="1.0" encoding="utf-8"?>
+<file path=ppt/slides/slide35.xml><?xml version="1.0" encoding="utf-8"?>
 <p:sld xmlns:a="http://schemas.openxmlformats.org/drawingml/2006/main" xmlns:r="http://schemas.openxmlformats.org/officeDocument/2006/relationships" xmlns:p="http://schemas.openxmlformats.org/presentationml/2006/main">
   <p:cSld>
     <p:spTree>
@@ -18897,1865 +18744,6 @@
           <a:chExt cx="0" cy="0"/>
         </a:xfrm>
       </p:grpSpPr>
-      <p:sp>
-        <p:nvSpPr>
-          <p:cNvPr id="4" name="사각형: 둥근 모서리 3">
-            <a:extLst>
-              <a:ext uri="{FF2B5EF4-FFF2-40B4-BE49-F238E27FC236}">
-                <a16:creationId xmlns:a16="http://schemas.microsoft.com/office/drawing/2014/main" id="{7D40420B-CA99-45E2-D323-AA612FD9FBD8}"/>
-              </a:ext>
-            </a:extLst>
-          </p:cNvPr>
-          <p:cNvSpPr/>
-          <p:nvPr/>
-        </p:nvSpPr>
-        <p:spPr>
-          <a:xfrm flipV="1">
-            <a:off x="1" y="3428997"/>
-            <a:ext cx="12192000" cy="55882"/>
-          </a:xfrm>
-          <a:prstGeom prst="roundRect">
-            <a:avLst/>
-          </a:prstGeom>
-          <a:solidFill>
-            <a:schemeClr val="bg1">
-              <a:lumMod val="65000"/>
-            </a:schemeClr>
-          </a:solidFill>
-          <a:ln>
-            <a:noFill/>
-          </a:ln>
-        </p:spPr>
-        <p:style>
-          <a:lnRef idx="2">
-            <a:schemeClr val="accent6"/>
-          </a:lnRef>
-          <a:fillRef idx="1">
-            <a:schemeClr val="lt1"/>
-          </a:fillRef>
-          <a:effectRef idx="0">
-            <a:schemeClr val="accent6"/>
-          </a:effectRef>
-          <a:fontRef idx="minor">
-            <a:schemeClr val="dk1"/>
-          </a:fontRef>
-        </p:style>
-        <p:txBody>
-          <a:bodyPr rtlCol="0" anchor="ctr"/>
-          <a:lstStyle/>
-          <a:p>
-            <a:pPr algn="ctr"/>
-            <a:endParaRPr lang="ko-KR" altLang="en-US"/>
-          </a:p>
-        </p:txBody>
-      </p:sp>
-      <p:cxnSp>
-        <p:nvCxnSpPr>
-          <p:cNvPr id="14" name="직선 연결선 13">
-            <a:extLst>
-              <a:ext uri="{FF2B5EF4-FFF2-40B4-BE49-F238E27FC236}">
-                <a16:creationId xmlns:a16="http://schemas.microsoft.com/office/drawing/2014/main" id="{13FECE87-75F9-FE09-F4F2-13D69C6489D0}"/>
-              </a:ext>
-            </a:extLst>
-          </p:cNvPr>
-          <p:cNvCxnSpPr>
-            <a:cxnSpLocks/>
-          </p:cNvCxnSpPr>
-          <p:nvPr/>
-        </p:nvCxnSpPr>
-        <p:spPr>
-          <a:xfrm>
-            <a:off x="4967592" y="3428997"/>
-            <a:ext cx="0" cy="2203701"/>
-          </a:xfrm>
-          <a:prstGeom prst="line">
-            <a:avLst/>
-          </a:prstGeom>
-          <a:ln/>
-        </p:spPr>
-        <p:style>
-          <a:lnRef idx="3">
-            <a:schemeClr val="accent3"/>
-          </a:lnRef>
-          <a:fillRef idx="0">
-            <a:schemeClr val="accent3"/>
-          </a:fillRef>
-          <a:effectRef idx="2">
-            <a:schemeClr val="accent3"/>
-          </a:effectRef>
-          <a:fontRef idx="minor">
-            <a:schemeClr val="tx1"/>
-          </a:fontRef>
-        </p:style>
-      </p:cxnSp>
-      <p:grpSp>
-        <p:nvGrpSpPr>
-          <p:cNvPr id="2" name="그룹 1">
-            <a:extLst>
-              <a:ext uri="{FF2B5EF4-FFF2-40B4-BE49-F238E27FC236}">
-                <a16:creationId xmlns:a16="http://schemas.microsoft.com/office/drawing/2014/main" id="{9E7DE587-6C09-5BDC-E261-B3578F6D43F6}"/>
-              </a:ext>
-            </a:extLst>
-          </p:cNvPr>
-          <p:cNvGrpSpPr/>
-          <p:nvPr/>
-        </p:nvGrpSpPr>
-        <p:grpSpPr>
-          <a:xfrm>
-            <a:off x="397451" y="979074"/>
-            <a:ext cx="3534468" cy="2449923"/>
-            <a:chOff x="397451" y="979074"/>
-            <a:chExt cx="3534468" cy="2449923"/>
-          </a:xfrm>
-        </p:grpSpPr>
-        <p:cxnSp>
-          <p:nvCxnSpPr>
-            <p:cNvPr id="8" name="직선 연결선 7">
-              <a:extLst>
-                <a:ext uri="{FF2B5EF4-FFF2-40B4-BE49-F238E27FC236}">
-                  <a16:creationId xmlns:a16="http://schemas.microsoft.com/office/drawing/2014/main" id="{0C5CD638-B4E8-DB39-65CB-5804F944DDBE}"/>
-                </a:ext>
-              </a:extLst>
-            </p:cNvPr>
-            <p:cNvCxnSpPr>
-              <a:cxnSpLocks/>
-            </p:cNvCxnSpPr>
-            <p:nvPr/>
-          </p:nvCxnSpPr>
-          <p:spPr>
-            <a:xfrm>
-              <a:off x="397451" y="1225296"/>
-              <a:ext cx="0" cy="2203701"/>
-            </a:xfrm>
-            <a:prstGeom prst="line">
-              <a:avLst/>
-            </a:prstGeom>
-            <a:ln/>
-          </p:spPr>
-          <p:style>
-            <a:lnRef idx="3">
-              <a:schemeClr val="accent3"/>
-            </a:lnRef>
-            <a:fillRef idx="0">
-              <a:schemeClr val="accent3"/>
-            </a:fillRef>
-            <a:effectRef idx="2">
-              <a:schemeClr val="accent3"/>
-            </a:effectRef>
-            <a:fontRef idx="minor">
-              <a:schemeClr val="tx1"/>
-            </a:fontRef>
-          </p:style>
-        </p:cxnSp>
-        <p:grpSp>
-          <p:nvGrpSpPr>
-            <p:cNvPr id="24" name="그룹 23">
-              <a:extLst>
-                <a:ext uri="{FF2B5EF4-FFF2-40B4-BE49-F238E27FC236}">
-                  <a16:creationId xmlns:a16="http://schemas.microsoft.com/office/drawing/2014/main" id="{936E2F1A-C08D-07C7-AF1B-17D8A41354F6}"/>
-                </a:ext>
-              </a:extLst>
-            </p:cNvPr>
-            <p:cNvGrpSpPr/>
-            <p:nvPr/>
-          </p:nvGrpSpPr>
-          <p:grpSpPr>
-            <a:xfrm>
-              <a:off x="478731" y="979074"/>
-              <a:ext cx="3453188" cy="1212409"/>
-              <a:chOff x="478731" y="979074"/>
-              <a:chExt cx="3453188" cy="1212409"/>
-            </a:xfrm>
-          </p:grpSpPr>
-          <p:sp>
-            <p:nvSpPr>
-              <p:cNvPr id="17" name="TextBox 16">
-                <a:extLst>
-                  <a:ext uri="{FF2B5EF4-FFF2-40B4-BE49-F238E27FC236}">
-                    <a16:creationId xmlns:a16="http://schemas.microsoft.com/office/drawing/2014/main" id="{7916B870-4A85-9361-7DC6-4F516F071A04}"/>
-                  </a:ext>
-                </a:extLst>
-              </p:cNvPr>
-              <p:cNvSpPr txBox="1"/>
-              <p:nvPr/>
-            </p:nvSpPr>
-            <p:spPr>
-              <a:xfrm>
-                <a:off x="478731" y="1483597"/>
-                <a:ext cx="3453188" cy="707886"/>
-              </a:xfrm>
-              <a:prstGeom prst="rect">
-                <a:avLst/>
-              </a:prstGeom>
-              <a:noFill/>
-            </p:spPr>
-            <p:txBody>
-              <a:bodyPr wrap="square" rtlCol="0">
-                <a:spAutoFit/>
-              </a:bodyPr>
-              <a:lstStyle/>
-              <a:p>
-                <a:r>
-                  <a:rPr lang="ko-KR" altLang="en-US" sz="2000" b="1" dirty="0">
-                    <a:effectLst>
-                      <a:outerShdw blurRad="38100" dist="38100" dir="2700000" algn="tl">
-                        <a:srgbClr val="000000">
-                          <a:alpha val="43137"/>
-                        </a:srgbClr>
-                      </a:outerShdw>
-                    </a:effectLst>
-                    <a:latin typeface="나눔스퀘어"/>
-                    <a:ea typeface="나눔고딕" panose="020D0604000000000000" pitchFamily="50" charset="-127"/>
-                  </a:rPr>
-                  <a:t>부천대학교 </a:t>
-                </a:r>
-                <a:endParaRPr lang="en-US" altLang="ko-KR" sz="2000" b="1" dirty="0">
-                  <a:effectLst>
-                    <a:outerShdw blurRad="38100" dist="38100" dir="2700000" algn="tl">
-                      <a:srgbClr val="000000">
-                        <a:alpha val="43137"/>
-                      </a:srgbClr>
-                    </a:outerShdw>
-                  </a:effectLst>
-                  <a:latin typeface="나눔스퀘어"/>
-                  <a:ea typeface="나눔고딕" panose="020D0604000000000000" pitchFamily="50" charset="-127"/>
-                </a:endParaRPr>
-              </a:p>
-              <a:p>
-                <a:r>
-                  <a:rPr lang="ko-KR" altLang="en-US" sz="2000" b="1" dirty="0">
-                    <a:effectLst>
-                      <a:outerShdw blurRad="38100" dist="38100" dir="2700000" algn="tl">
-                        <a:srgbClr val="000000">
-                          <a:alpha val="43137"/>
-                        </a:srgbClr>
-                      </a:outerShdw>
-                    </a:effectLst>
-                    <a:latin typeface="나눔스퀘어"/>
-                    <a:ea typeface="나눔고딕" panose="020D0604000000000000" pitchFamily="50" charset="-127"/>
-                  </a:rPr>
-                  <a:t>컴퓨터 소프트웨어학과 입학</a:t>
-                </a:r>
-              </a:p>
-            </p:txBody>
-          </p:sp>
-          <p:sp>
-            <p:nvSpPr>
-              <p:cNvPr id="18" name="TextBox 17">
-                <a:extLst>
-                  <a:ext uri="{FF2B5EF4-FFF2-40B4-BE49-F238E27FC236}">
-                    <a16:creationId xmlns:a16="http://schemas.microsoft.com/office/drawing/2014/main" id="{5CA37DE3-0277-DC07-C5AB-8164CA6611D3}"/>
-                  </a:ext>
-                </a:extLst>
-              </p:cNvPr>
-              <p:cNvSpPr txBox="1"/>
-              <p:nvPr/>
-            </p:nvSpPr>
-            <p:spPr>
-              <a:xfrm>
-                <a:off x="478731" y="979074"/>
-                <a:ext cx="3453188" cy="492443"/>
-              </a:xfrm>
-              <a:prstGeom prst="rect">
-                <a:avLst/>
-              </a:prstGeom>
-              <a:noFill/>
-            </p:spPr>
-            <p:txBody>
-              <a:bodyPr wrap="square" rtlCol="0">
-                <a:spAutoFit/>
-              </a:bodyPr>
-              <a:lstStyle/>
-              <a:p>
-                <a:r>
-                  <a:rPr lang="en-US" altLang="ko-KR" sz="2600" b="1" dirty="0">
-                    <a:effectLst>
-                      <a:outerShdw blurRad="38100" dist="38100" dir="2700000" algn="tl">
-                        <a:srgbClr val="000000">
-                          <a:alpha val="43137"/>
-                        </a:srgbClr>
-                      </a:outerShdw>
-                    </a:effectLst>
-                    <a:latin typeface="나눔스퀘어"/>
-                    <a:ea typeface="나눔고딕" panose="020D0604000000000000" pitchFamily="50" charset="-127"/>
-                  </a:rPr>
-                  <a:t>19 .03</a:t>
-                </a:r>
-              </a:p>
-            </p:txBody>
-          </p:sp>
-        </p:grpSp>
-      </p:grpSp>
-      <p:sp>
-        <p:nvSpPr>
-          <p:cNvPr id="21" name="TextBox 20">
-            <a:extLst>
-              <a:ext uri="{FF2B5EF4-FFF2-40B4-BE49-F238E27FC236}">
-                <a16:creationId xmlns:a16="http://schemas.microsoft.com/office/drawing/2014/main" id="{9E36B488-F762-69E7-F19F-61302A660D18}"/>
-              </a:ext>
-            </a:extLst>
-          </p:cNvPr>
-          <p:cNvSpPr txBox="1"/>
-          <p:nvPr/>
-        </p:nvSpPr>
-        <p:spPr>
-          <a:xfrm>
-            <a:off x="5031665" y="5154579"/>
-            <a:ext cx="3453188" cy="492443"/>
-          </a:xfrm>
-          <a:prstGeom prst="rect">
-            <a:avLst/>
-          </a:prstGeom>
-          <a:noFill/>
-        </p:spPr>
-        <p:txBody>
-          <a:bodyPr wrap="square" rtlCol="0">
-            <a:spAutoFit/>
-          </a:bodyPr>
-          <a:lstStyle/>
-          <a:p>
-            <a:r>
-              <a:rPr lang="en-US" altLang="ko-KR" sz="2600" b="1" dirty="0">
-                <a:effectLst>
-                  <a:outerShdw blurRad="38100" dist="38100" dir="2700000" algn="tl">
-                    <a:srgbClr val="000000">
-                      <a:alpha val="43137"/>
-                    </a:srgbClr>
-                  </a:outerShdw>
-                </a:effectLst>
-                <a:latin typeface="나눔스퀘어"/>
-                <a:ea typeface="나눔고딕" panose="020D0604000000000000" pitchFamily="50" charset="-127"/>
-              </a:rPr>
-              <a:t>19 .09</a:t>
-            </a:r>
-          </a:p>
-        </p:txBody>
-      </p:sp>
-      <p:grpSp>
-        <p:nvGrpSpPr>
-          <p:cNvPr id="5" name="그룹 4">
-            <a:extLst>
-              <a:ext uri="{FF2B5EF4-FFF2-40B4-BE49-F238E27FC236}">
-                <a16:creationId xmlns:a16="http://schemas.microsoft.com/office/drawing/2014/main" id="{1437310E-CACC-6777-9888-D73E54E31FEC}"/>
-              </a:ext>
-            </a:extLst>
-          </p:cNvPr>
-          <p:cNvGrpSpPr/>
-          <p:nvPr/>
-        </p:nvGrpSpPr>
-        <p:grpSpPr>
-          <a:xfrm>
-            <a:off x="4278571" y="972971"/>
-            <a:ext cx="3495643" cy="2456026"/>
-            <a:chOff x="4278571" y="972971"/>
-            <a:chExt cx="3495643" cy="2456026"/>
-          </a:xfrm>
-        </p:grpSpPr>
-        <p:cxnSp>
-          <p:nvCxnSpPr>
-            <p:cNvPr id="13" name="직선 연결선 12">
-              <a:extLst>
-                <a:ext uri="{FF2B5EF4-FFF2-40B4-BE49-F238E27FC236}">
-                  <a16:creationId xmlns:a16="http://schemas.microsoft.com/office/drawing/2014/main" id="{3494740E-9875-3D60-456E-F488F06DEC8C}"/>
-                </a:ext>
-              </a:extLst>
-            </p:cNvPr>
-            <p:cNvCxnSpPr>
-              <a:cxnSpLocks/>
-            </p:cNvCxnSpPr>
-            <p:nvPr/>
-          </p:nvCxnSpPr>
-          <p:spPr>
-            <a:xfrm>
-              <a:off x="4278571" y="1225296"/>
-              <a:ext cx="0" cy="2203701"/>
-            </a:xfrm>
-            <a:prstGeom prst="line">
-              <a:avLst/>
-            </a:prstGeom>
-            <a:ln/>
-          </p:spPr>
-          <p:style>
-            <a:lnRef idx="3">
-              <a:schemeClr val="accent3"/>
-            </a:lnRef>
-            <a:fillRef idx="0">
-              <a:schemeClr val="accent3"/>
-            </a:fillRef>
-            <a:effectRef idx="2">
-              <a:schemeClr val="accent3"/>
-            </a:effectRef>
-            <a:fontRef idx="minor">
-              <a:schemeClr val="tx1"/>
-            </a:fontRef>
-          </p:style>
-        </p:cxnSp>
-        <p:sp>
-          <p:nvSpPr>
-            <p:cNvPr id="19" name="TextBox 18">
-              <a:extLst>
-                <a:ext uri="{FF2B5EF4-FFF2-40B4-BE49-F238E27FC236}">
-                  <a16:creationId xmlns:a16="http://schemas.microsoft.com/office/drawing/2014/main" id="{A6FD6342-3240-7F69-F2C2-0FA99BB602FF}"/>
-                </a:ext>
-              </a:extLst>
-            </p:cNvPr>
-            <p:cNvSpPr txBox="1"/>
-            <p:nvPr/>
-          </p:nvSpPr>
-          <p:spPr>
-            <a:xfrm>
-              <a:off x="4299799" y="972971"/>
-              <a:ext cx="3453188" cy="492443"/>
-            </a:xfrm>
-            <a:prstGeom prst="rect">
-              <a:avLst/>
-            </a:prstGeom>
-            <a:noFill/>
-          </p:spPr>
-          <p:txBody>
-            <a:bodyPr wrap="square" rtlCol="0">
-              <a:spAutoFit/>
-            </a:bodyPr>
-            <a:lstStyle/>
-            <a:p>
-              <a:r>
-                <a:rPr lang="en-US" altLang="ko-KR" sz="2600" b="1" dirty="0">
-                  <a:effectLst>
-                    <a:outerShdw blurRad="38100" dist="38100" dir="2700000" algn="tl">
-                      <a:srgbClr val="000000">
-                        <a:alpha val="43137"/>
-                      </a:srgbClr>
-                    </a:outerShdw>
-                  </a:effectLst>
-                  <a:latin typeface="나눔스퀘어"/>
-                  <a:ea typeface="나눔고딕" panose="020D0604000000000000" pitchFamily="50" charset="-127"/>
-                </a:rPr>
-                <a:t>19 .08</a:t>
-              </a:r>
-            </a:p>
-          </p:txBody>
-        </p:sp>
-        <p:sp>
-          <p:nvSpPr>
-            <p:cNvPr id="25" name="TextBox 24">
-              <a:extLst>
-                <a:ext uri="{FF2B5EF4-FFF2-40B4-BE49-F238E27FC236}">
-                  <a16:creationId xmlns:a16="http://schemas.microsoft.com/office/drawing/2014/main" id="{9B935E6A-C349-5B03-EA67-F91D9D9B5CA7}"/>
-                </a:ext>
-              </a:extLst>
-            </p:cNvPr>
-            <p:cNvSpPr txBox="1"/>
-            <p:nvPr/>
-          </p:nvSpPr>
-          <p:spPr>
-            <a:xfrm>
-              <a:off x="4321026" y="1483597"/>
-              <a:ext cx="3453188" cy="922240"/>
-            </a:xfrm>
-            <a:prstGeom prst="rect">
-              <a:avLst/>
-            </a:prstGeom>
-            <a:noFill/>
-          </p:spPr>
-          <p:txBody>
-            <a:bodyPr wrap="square" rtlCol="0">
-              <a:spAutoFit/>
-            </a:bodyPr>
-            <a:lstStyle/>
-            <a:p>
-              <a:r>
-                <a:rPr lang="ko-KR" altLang="en-US" sz="2000" b="1" dirty="0" err="1">
-                  <a:effectLst>
-                    <a:outerShdw blurRad="38100" dist="38100" dir="2700000" algn="tl">
-                      <a:srgbClr val="000000">
-                        <a:alpha val="43137"/>
-                      </a:srgbClr>
-                    </a:outerShdw>
-                  </a:effectLst>
-                  <a:latin typeface="나눔스퀘어"/>
-                  <a:ea typeface="나눔고딕" panose="020D0604000000000000" pitchFamily="50" charset="-127"/>
-                </a:rPr>
-                <a:t>드림챌린져스</a:t>
-              </a:r>
-              <a:endParaRPr lang="en-US" altLang="ko-KR" sz="2000" b="1" dirty="0">
-                <a:effectLst>
-                  <a:outerShdw blurRad="38100" dist="38100" dir="2700000" algn="tl">
-                    <a:srgbClr val="000000">
-                      <a:alpha val="43137"/>
-                    </a:srgbClr>
-                  </a:outerShdw>
-                </a:effectLst>
-                <a:latin typeface="나눔스퀘어"/>
-                <a:ea typeface="나눔고딕" panose="020D0604000000000000" pitchFamily="50" charset="-127"/>
-              </a:endParaRPr>
-            </a:p>
-            <a:p>
-              <a:pPr marL="342900" indent="-342900">
-                <a:lnSpc>
-                  <a:spcPct val="200000"/>
-                </a:lnSpc>
-                <a:buFontTx/>
-                <a:buChar char="-"/>
-              </a:pPr>
-              <a:r>
-                <a:rPr lang="ko-KR" altLang="en-US" sz="2000" b="1" dirty="0">
-                  <a:effectLst>
-                    <a:outerShdw blurRad="38100" dist="38100" dir="2700000" algn="tl">
-                      <a:srgbClr val="000000">
-                        <a:alpha val="43137"/>
-                      </a:srgbClr>
-                    </a:outerShdw>
-                  </a:effectLst>
-                  <a:latin typeface="나눔스퀘어"/>
-                  <a:ea typeface="나눔고딕" panose="020D0604000000000000" pitchFamily="50" charset="-127"/>
-                </a:rPr>
-                <a:t>대상 </a:t>
-              </a:r>
-              <a:endParaRPr lang="en-US" altLang="ko-KR" sz="2000" b="1" dirty="0">
-                <a:effectLst>
-                  <a:outerShdw blurRad="38100" dist="38100" dir="2700000" algn="tl">
-                    <a:srgbClr val="000000">
-                      <a:alpha val="43137"/>
-                    </a:srgbClr>
-                  </a:outerShdw>
-                </a:effectLst>
-                <a:latin typeface="나눔스퀘어"/>
-                <a:ea typeface="나눔고딕" panose="020D0604000000000000" pitchFamily="50" charset="-127"/>
-              </a:endParaRPr>
-            </a:p>
-          </p:txBody>
-        </p:sp>
-      </p:grpSp>
-      <p:grpSp>
-        <p:nvGrpSpPr>
-          <p:cNvPr id="6" name="그룹 5">
-            <a:extLst>
-              <a:ext uri="{FF2B5EF4-FFF2-40B4-BE49-F238E27FC236}">
-                <a16:creationId xmlns:a16="http://schemas.microsoft.com/office/drawing/2014/main" id="{DA182B70-BC10-1A60-4386-5D5960E3F525}"/>
-              </a:ext>
-            </a:extLst>
-          </p:cNvPr>
-          <p:cNvGrpSpPr/>
-          <p:nvPr/>
-        </p:nvGrpSpPr>
-        <p:grpSpPr>
-          <a:xfrm>
-            <a:off x="6787744" y="972971"/>
-            <a:ext cx="3505802" cy="2456026"/>
-            <a:chOff x="6787744" y="972971"/>
-            <a:chExt cx="3505802" cy="2456026"/>
-          </a:xfrm>
-        </p:grpSpPr>
-        <p:cxnSp>
-          <p:nvCxnSpPr>
-            <p:cNvPr id="15" name="직선 연결선 14">
-              <a:extLst>
-                <a:ext uri="{FF2B5EF4-FFF2-40B4-BE49-F238E27FC236}">
-                  <a16:creationId xmlns:a16="http://schemas.microsoft.com/office/drawing/2014/main" id="{3F16CB12-A1A8-C589-C5BE-A90D2835DC7B}"/>
-                </a:ext>
-              </a:extLst>
-            </p:cNvPr>
-            <p:cNvCxnSpPr>
-              <a:cxnSpLocks/>
-            </p:cNvCxnSpPr>
-            <p:nvPr/>
-          </p:nvCxnSpPr>
-          <p:spPr>
-            <a:xfrm>
-              <a:off x="6787744" y="1225296"/>
-              <a:ext cx="0" cy="2203701"/>
-            </a:xfrm>
-            <a:prstGeom prst="line">
-              <a:avLst/>
-            </a:prstGeom>
-            <a:ln/>
-          </p:spPr>
-          <p:style>
-            <a:lnRef idx="3">
-              <a:schemeClr val="accent3"/>
-            </a:lnRef>
-            <a:fillRef idx="0">
-              <a:schemeClr val="accent3"/>
-            </a:fillRef>
-            <a:effectRef idx="2">
-              <a:schemeClr val="accent3"/>
-            </a:effectRef>
-            <a:fontRef idx="minor">
-              <a:schemeClr val="tx1"/>
-            </a:fontRef>
-          </p:style>
-        </p:cxnSp>
-        <p:sp>
-          <p:nvSpPr>
-            <p:cNvPr id="22" name="TextBox 21">
-              <a:extLst>
-                <a:ext uri="{FF2B5EF4-FFF2-40B4-BE49-F238E27FC236}">
-                  <a16:creationId xmlns:a16="http://schemas.microsoft.com/office/drawing/2014/main" id="{159966A7-053F-E641-EC41-62DE712AB2E6}"/>
-                </a:ext>
-              </a:extLst>
-            </p:cNvPr>
-            <p:cNvSpPr txBox="1"/>
-            <p:nvPr/>
-          </p:nvSpPr>
-          <p:spPr>
-            <a:xfrm>
-              <a:off x="6840358" y="972971"/>
-              <a:ext cx="3453188" cy="492443"/>
-            </a:xfrm>
-            <a:prstGeom prst="rect">
-              <a:avLst/>
-            </a:prstGeom>
-            <a:noFill/>
-          </p:spPr>
-          <p:txBody>
-            <a:bodyPr wrap="square" rtlCol="0">
-              <a:spAutoFit/>
-            </a:bodyPr>
-            <a:lstStyle/>
-            <a:p>
-              <a:r>
-                <a:rPr lang="en-US" altLang="ko-KR" sz="2600" b="1" dirty="0">
-                  <a:effectLst>
-                    <a:outerShdw blurRad="38100" dist="38100" dir="2700000" algn="tl">
-                      <a:srgbClr val="000000">
-                        <a:alpha val="43137"/>
-                      </a:srgbClr>
-                    </a:outerShdw>
-                  </a:effectLst>
-                  <a:latin typeface="나눔스퀘어"/>
-                  <a:ea typeface="나눔고딕" panose="020D0604000000000000" pitchFamily="50" charset="-127"/>
-                </a:rPr>
-                <a:t>20. 01</a:t>
-              </a:r>
-            </a:p>
-          </p:txBody>
-        </p:sp>
-        <p:sp>
-          <p:nvSpPr>
-            <p:cNvPr id="26" name="TextBox 25">
-              <a:extLst>
-                <a:ext uri="{FF2B5EF4-FFF2-40B4-BE49-F238E27FC236}">
-                  <a16:creationId xmlns:a16="http://schemas.microsoft.com/office/drawing/2014/main" id="{864341D6-E6F8-782D-FE5B-F4B9025EB8AD}"/>
-                </a:ext>
-              </a:extLst>
-            </p:cNvPr>
-            <p:cNvSpPr txBox="1"/>
-            <p:nvPr/>
-          </p:nvSpPr>
-          <p:spPr>
-            <a:xfrm>
-              <a:off x="6840358" y="1462664"/>
-              <a:ext cx="3453188" cy="1533240"/>
-            </a:xfrm>
-            <a:prstGeom prst="rect">
-              <a:avLst/>
-            </a:prstGeom>
-            <a:noFill/>
-          </p:spPr>
-          <p:txBody>
-            <a:bodyPr wrap="square" rtlCol="0">
-              <a:spAutoFit/>
-            </a:bodyPr>
-            <a:lstStyle/>
-            <a:p>
-              <a:r>
-                <a:rPr lang="ko-KR" altLang="en-US" sz="2000" b="1" dirty="0">
-                  <a:effectLst>
-                    <a:outerShdw blurRad="38100" dist="38100" dir="2700000" algn="tl">
-                      <a:srgbClr val="000000">
-                        <a:alpha val="43137"/>
-                      </a:srgbClr>
-                    </a:outerShdw>
-                  </a:effectLst>
-                  <a:latin typeface="나눔스퀘어"/>
-                  <a:ea typeface="나눔고딕" panose="020D0604000000000000" pitchFamily="50" charset="-127"/>
-                </a:rPr>
-                <a:t>산학협력 프로젝트</a:t>
-              </a:r>
-              <a:endParaRPr lang="en-US" altLang="ko-KR" sz="2000" b="1" dirty="0">
-                <a:effectLst>
-                  <a:outerShdw blurRad="38100" dist="38100" dir="2700000" algn="tl">
-                    <a:srgbClr val="000000">
-                      <a:alpha val="43137"/>
-                    </a:srgbClr>
-                  </a:outerShdw>
-                </a:effectLst>
-                <a:latin typeface="나눔스퀘어"/>
-                <a:ea typeface="나눔고딕" panose="020D0604000000000000" pitchFamily="50" charset="-127"/>
-              </a:endParaRPr>
-            </a:p>
-            <a:p>
-              <a:pPr marL="342900" indent="-342900">
-                <a:lnSpc>
-                  <a:spcPct val="200000"/>
-                </a:lnSpc>
-                <a:buFontTx/>
-                <a:buChar char="-"/>
-              </a:pPr>
-              <a:r>
-                <a:rPr lang="ko-KR" altLang="en-US" sz="2000" b="1" dirty="0">
-                  <a:effectLst>
-                    <a:outerShdw blurRad="38100" dist="38100" dir="2700000" algn="tl">
-                      <a:srgbClr val="000000">
-                        <a:alpha val="43137"/>
-                      </a:srgbClr>
-                    </a:outerShdw>
-                  </a:effectLst>
-                  <a:latin typeface="나눔스퀘어"/>
-                  <a:ea typeface="나눔고딕" panose="020D0604000000000000" pitchFamily="50" charset="-127"/>
-                </a:rPr>
-                <a:t>기업인재장학금 </a:t>
-              </a:r>
-              <a:endParaRPr lang="en-US" altLang="ko-KR" sz="2000" b="1" dirty="0">
-                <a:effectLst>
-                  <a:outerShdw blurRad="38100" dist="38100" dir="2700000" algn="tl">
-                    <a:srgbClr val="000000">
-                      <a:alpha val="43137"/>
-                    </a:srgbClr>
-                  </a:outerShdw>
-                </a:effectLst>
-                <a:latin typeface="나눔스퀘어"/>
-                <a:ea typeface="나눔고딕" panose="020D0604000000000000" pitchFamily="50" charset="-127"/>
-              </a:endParaRPr>
-            </a:p>
-            <a:p>
-              <a:pPr>
-                <a:lnSpc>
-                  <a:spcPct val="200000"/>
-                </a:lnSpc>
-              </a:pPr>
-              <a:r>
-                <a:rPr lang="en-US" altLang="ko-KR" sz="2000" b="1" dirty="0">
-                  <a:effectLst>
-                    <a:outerShdw blurRad="38100" dist="38100" dir="2700000" algn="tl">
-                      <a:srgbClr val="000000">
-                        <a:alpha val="43137"/>
-                      </a:srgbClr>
-                    </a:outerShdw>
-                  </a:effectLst>
-                  <a:latin typeface="나눔스퀘어"/>
-                  <a:ea typeface="나눔고딕" panose="020D0604000000000000" pitchFamily="50" charset="-127"/>
-                </a:rPr>
-                <a:t>    </a:t>
-              </a:r>
-              <a:r>
-                <a:rPr lang="en-US" altLang="ko-KR" sz="1600" b="1" dirty="0">
-                  <a:effectLst>
-                    <a:outerShdw blurRad="38100" dist="38100" dir="2700000" algn="tl">
-                      <a:srgbClr val="000000">
-                        <a:alpha val="43137"/>
-                      </a:srgbClr>
-                    </a:outerShdw>
-                  </a:effectLst>
-                  <a:latin typeface="나눔스퀘어"/>
-                  <a:ea typeface="나눔고딕" panose="020D0604000000000000" pitchFamily="50" charset="-127"/>
-                </a:rPr>
-                <a:t>(</a:t>
-              </a:r>
-              <a:r>
-                <a:rPr lang="ko-KR" altLang="en-US" sz="1600" b="1" dirty="0">
-                  <a:effectLst>
-                    <a:outerShdw blurRad="38100" dist="38100" dir="2700000" algn="tl">
-                      <a:srgbClr val="000000">
-                        <a:alpha val="43137"/>
-                      </a:srgbClr>
-                    </a:outerShdw>
-                  </a:effectLst>
-                  <a:latin typeface="나눔스퀘어"/>
-                  <a:ea typeface="나눔고딕" panose="020D0604000000000000" pitchFamily="50" charset="-127"/>
-                </a:rPr>
-                <a:t>프로젝트 지원비 월 </a:t>
-              </a:r>
-              <a:r>
-                <a:rPr lang="en-US" altLang="ko-KR" sz="1600" b="1" dirty="0">
-                  <a:effectLst>
-                    <a:outerShdw blurRad="38100" dist="38100" dir="2700000" algn="tl">
-                      <a:srgbClr val="000000">
-                        <a:alpha val="43137"/>
-                      </a:srgbClr>
-                    </a:outerShdw>
-                  </a:effectLst>
-                  <a:latin typeface="나눔스퀘어"/>
-                  <a:ea typeface="나눔고딕" panose="020D0604000000000000" pitchFamily="50" charset="-127"/>
-                </a:rPr>
-                <a:t>200</a:t>
-              </a:r>
-              <a:r>
-                <a:rPr lang="ko-KR" altLang="en-US" sz="1600" b="1" dirty="0">
-                  <a:effectLst>
-                    <a:outerShdw blurRad="38100" dist="38100" dir="2700000" algn="tl">
-                      <a:srgbClr val="000000">
-                        <a:alpha val="43137"/>
-                      </a:srgbClr>
-                    </a:outerShdw>
-                  </a:effectLst>
-                  <a:latin typeface="나눔스퀘어"/>
-                  <a:ea typeface="나눔고딕" panose="020D0604000000000000" pitchFamily="50" charset="-127"/>
-                </a:rPr>
-                <a:t>만원</a:t>
-              </a:r>
-              <a:r>
-                <a:rPr lang="en-US" altLang="ko-KR" sz="1600" b="1" dirty="0">
-                  <a:effectLst>
-                    <a:outerShdw blurRad="38100" dist="38100" dir="2700000" algn="tl">
-                      <a:srgbClr val="000000">
-                        <a:alpha val="43137"/>
-                      </a:srgbClr>
-                    </a:outerShdw>
-                  </a:effectLst>
-                  <a:latin typeface="나눔스퀘어"/>
-                  <a:ea typeface="나눔고딕" panose="020D0604000000000000" pitchFamily="50" charset="-127"/>
-                </a:rPr>
-                <a:t>)</a:t>
-              </a:r>
-              <a:endParaRPr lang="ko-KR" altLang="en-US" sz="2000" b="1" dirty="0">
-                <a:effectLst>
-                  <a:outerShdw blurRad="38100" dist="38100" dir="2700000" algn="tl">
-                    <a:srgbClr val="000000">
-                      <a:alpha val="43137"/>
-                    </a:srgbClr>
-                  </a:outerShdw>
-                </a:effectLst>
-                <a:latin typeface="나눔스퀘어"/>
-                <a:ea typeface="나눔고딕" panose="020D0604000000000000" pitchFamily="50" charset="-127"/>
-              </a:endParaRPr>
-            </a:p>
-          </p:txBody>
-        </p:sp>
-      </p:grpSp>
-      <p:grpSp>
-        <p:nvGrpSpPr>
-          <p:cNvPr id="3" name="그룹 2">
-            <a:extLst>
-              <a:ext uri="{FF2B5EF4-FFF2-40B4-BE49-F238E27FC236}">
-                <a16:creationId xmlns:a16="http://schemas.microsoft.com/office/drawing/2014/main" id="{4F92A5D8-80A4-C95C-289E-0A422D79A7B3}"/>
-              </a:ext>
-            </a:extLst>
-          </p:cNvPr>
-          <p:cNvGrpSpPr/>
-          <p:nvPr/>
-        </p:nvGrpSpPr>
-        <p:grpSpPr>
-          <a:xfrm>
-            <a:off x="874106" y="3484879"/>
-            <a:ext cx="3572579" cy="2855705"/>
-            <a:chOff x="874106" y="3484879"/>
-            <a:chExt cx="3572579" cy="2855705"/>
-          </a:xfrm>
-        </p:grpSpPr>
-        <p:cxnSp>
-          <p:nvCxnSpPr>
-            <p:cNvPr id="12" name="직선 연결선 11">
-              <a:extLst>
-                <a:ext uri="{FF2B5EF4-FFF2-40B4-BE49-F238E27FC236}">
-                  <a16:creationId xmlns:a16="http://schemas.microsoft.com/office/drawing/2014/main" id="{5B572066-43D6-027F-56B2-D8504A02717C}"/>
-                </a:ext>
-              </a:extLst>
-            </p:cNvPr>
-            <p:cNvCxnSpPr>
-              <a:cxnSpLocks/>
-            </p:cNvCxnSpPr>
-            <p:nvPr/>
-          </p:nvCxnSpPr>
-          <p:spPr>
-            <a:xfrm>
-              <a:off x="874106" y="3484879"/>
-              <a:ext cx="0" cy="2203701"/>
-            </a:xfrm>
-            <a:prstGeom prst="line">
-              <a:avLst/>
-            </a:prstGeom>
-            <a:ln/>
-          </p:spPr>
-          <p:style>
-            <a:lnRef idx="3">
-              <a:schemeClr val="accent3"/>
-            </a:lnRef>
-            <a:fillRef idx="0">
-              <a:schemeClr val="accent3"/>
-            </a:fillRef>
-            <a:effectRef idx="2">
-              <a:schemeClr val="accent3"/>
-            </a:effectRef>
-            <a:fontRef idx="minor">
-              <a:schemeClr val="tx1"/>
-            </a:fontRef>
-          </p:style>
-        </p:cxnSp>
-        <p:sp>
-          <p:nvSpPr>
-            <p:cNvPr id="20" name="TextBox 19">
-              <a:extLst>
-                <a:ext uri="{FF2B5EF4-FFF2-40B4-BE49-F238E27FC236}">
-                  <a16:creationId xmlns:a16="http://schemas.microsoft.com/office/drawing/2014/main" id="{BDE03817-B808-B050-55FA-217F2BF81A35}"/>
-                </a:ext>
-              </a:extLst>
-            </p:cNvPr>
-            <p:cNvSpPr txBox="1"/>
-            <p:nvPr/>
-          </p:nvSpPr>
-          <p:spPr>
-            <a:xfrm>
-              <a:off x="993497" y="5154579"/>
-              <a:ext cx="3453188" cy="492443"/>
-            </a:xfrm>
-            <a:prstGeom prst="rect">
-              <a:avLst/>
-            </a:prstGeom>
-            <a:noFill/>
-          </p:spPr>
-          <p:txBody>
-            <a:bodyPr wrap="square" rtlCol="0">
-              <a:spAutoFit/>
-            </a:bodyPr>
-            <a:lstStyle/>
-            <a:p>
-              <a:r>
-                <a:rPr lang="en-US" altLang="ko-KR" sz="2600" b="1" dirty="0">
-                  <a:effectLst>
-                    <a:outerShdw blurRad="38100" dist="38100" dir="2700000" algn="tl">
-                      <a:srgbClr val="000000">
-                        <a:alpha val="43137"/>
-                      </a:srgbClr>
-                    </a:outerShdw>
-                  </a:effectLst>
-                  <a:latin typeface="나눔스퀘어"/>
-                  <a:ea typeface="나눔고딕" panose="020D0604000000000000" pitchFamily="50" charset="-127"/>
-                </a:rPr>
-                <a:t>19 .04</a:t>
-              </a:r>
-            </a:p>
-          </p:txBody>
-        </p:sp>
-        <p:sp>
-          <p:nvSpPr>
-            <p:cNvPr id="27" name="TextBox 26">
-              <a:extLst>
-                <a:ext uri="{FF2B5EF4-FFF2-40B4-BE49-F238E27FC236}">
-                  <a16:creationId xmlns:a16="http://schemas.microsoft.com/office/drawing/2014/main" id="{EA1427D8-83F1-19D8-4BD2-DAC7D8766BC7}"/>
-                </a:ext>
-              </a:extLst>
-            </p:cNvPr>
-            <p:cNvSpPr txBox="1"/>
-            <p:nvPr/>
-          </p:nvSpPr>
-          <p:spPr>
-            <a:xfrm>
-              <a:off x="987122" y="5632698"/>
-              <a:ext cx="3453188" cy="707886"/>
-            </a:xfrm>
-            <a:prstGeom prst="rect">
-              <a:avLst/>
-            </a:prstGeom>
-            <a:noFill/>
-          </p:spPr>
-          <p:txBody>
-            <a:bodyPr wrap="square" rtlCol="0">
-              <a:spAutoFit/>
-            </a:bodyPr>
-            <a:lstStyle/>
-            <a:p>
-              <a:r>
-                <a:rPr lang="ko-KR" altLang="en-US" sz="2000" b="1" dirty="0">
-                  <a:effectLst>
-                    <a:outerShdw blurRad="38100" dist="38100" dir="2700000" algn="tl">
-                      <a:srgbClr val="000000">
-                        <a:alpha val="43137"/>
-                      </a:srgbClr>
-                    </a:outerShdw>
-                  </a:effectLst>
-                  <a:latin typeface="나눔스퀘어"/>
-                  <a:ea typeface="나눔고딕" panose="020D0604000000000000" pitchFamily="50" charset="-127"/>
-                </a:rPr>
-                <a:t>부천대학교</a:t>
-              </a:r>
-              <a:endParaRPr lang="en-US" altLang="ko-KR" sz="2000" b="1" dirty="0">
-                <a:effectLst>
-                  <a:outerShdw blurRad="38100" dist="38100" dir="2700000" algn="tl">
-                    <a:srgbClr val="000000">
-                      <a:alpha val="43137"/>
-                    </a:srgbClr>
-                  </a:outerShdw>
-                </a:effectLst>
-                <a:latin typeface="나눔스퀘어"/>
-                <a:ea typeface="나눔고딕" panose="020D0604000000000000" pitchFamily="50" charset="-127"/>
-              </a:endParaRPr>
-            </a:p>
-            <a:p>
-              <a:r>
-                <a:rPr lang="ko-KR" altLang="en-US" sz="2000" b="1" dirty="0">
-                  <a:effectLst>
-                    <a:outerShdw blurRad="38100" dist="38100" dir="2700000" algn="tl">
-                      <a:srgbClr val="000000">
-                        <a:alpha val="43137"/>
-                      </a:srgbClr>
-                    </a:outerShdw>
-                  </a:effectLst>
-                  <a:latin typeface="나눔스퀘어"/>
-                  <a:ea typeface="나눔고딕" panose="020D0604000000000000" pitchFamily="50" charset="-127"/>
-                </a:rPr>
-                <a:t>사회봉사단 </a:t>
-              </a:r>
-              <a:r>
-                <a:rPr lang="en-US" altLang="ko-KR" sz="2000" b="1" dirty="0">
-                  <a:effectLst>
-                    <a:outerShdw blurRad="38100" dist="38100" dir="2700000" algn="tl">
-                      <a:srgbClr val="000000">
-                        <a:alpha val="43137"/>
-                      </a:srgbClr>
-                    </a:outerShdw>
-                  </a:effectLst>
-                  <a:latin typeface="나눔스퀘어"/>
-                  <a:ea typeface="나눔고딕" panose="020D0604000000000000" pitchFamily="50" charset="-127"/>
-                </a:rPr>
-                <a:t>9</a:t>
-              </a:r>
-              <a:r>
-                <a:rPr lang="ko-KR" altLang="en-US" sz="2000" b="1" dirty="0">
-                  <a:effectLst>
-                    <a:outerShdw blurRad="38100" dist="38100" dir="2700000" algn="tl">
-                      <a:srgbClr val="000000">
-                        <a:alpha val="43137"/>
-                      </a:srgbClr>
-                    </a:outerShdw>
-                  </a:effectLst>
-                  <a:latin typeface="나눔스퀘어"/>
-                  <a:ea typeface="나눔고딕" panose="020D0604000000000000" pitchFamily="50" charset="-127"/>
-                </a:rPr>
-                <a:t>기</a:t>
-              </a:r>
-            </a:p>
-          </p:txBody>
-        </p:sp>
-      </p:grpSp>
-      <p:sp>
-        <p:nvSpPr>
-          <p:cNvPr id="28" name="TextBox 27">
-            <a:extLst>
-              <a:ext uri="{FF2B5EF4-FFF2-40B4-BE49-F238E27FC236}">
-                <a16:creationId xmlns:a16="http://schemas.microsoft.com/office/drawing/2014/main" id="{9B9F0515-0A2C-C569-26C7-C6C283CFC1C4}"/>
-              </a:ext>
-            </a:extLst>
-          </p:cNvPr>
-          <p:cNvSpPr txBox="1"/>
-          <p:nvPr/>
-        </p:nvSpPr>
-        <p:spPr>
-          <a:xfrm>
-            <a:off x="5080607" y="5671992"/>
-            <a:ext cx="3453188" cy="922240"/>
-          </a:xfrm>
-          <a:prstGeom prst="rect">
-            <a:avLst/>
-          </a:prstGeom>
-          <a:noFill/>
-        </p:spPr>
-        <p:txBody>
-          <a:bodyPr wrap="square" rtlCol="0">
-            <a:spAutoFit/>
-          </a:bodyPr>
-          <a:lstStyle/>
-          <a:p>
-            <a:r>
-              <a:rPr lang="ko-KR" altLang="en-US" sz="2000" b="1" dirty="0">
-                <a:effectLst>
-                  <a:outerShdw blurRad="38100" dist="38100" dir="2700000" algn="tl">
-                    <a:srgbClr val="000000">
-                      <a:alpha val="43137"/>
-                    </a:srgbClr>
-                  </a:outerShdw>
-                </a:effectLst>
-                <a:latin typeface="나눔스퀘어"/>
-                <a:ea typeface="나눔고딕" panose="020D0604000000000000" pitchFamily="50" charset="-127"/>
-              </a:rPr>
-              <a:t>교내 멘토링</a:t>
-            </a:r>
-            <a:endParaRPr lang="en-US" altLang="ko-KR" sz="2000" b="1" dirty="0">
-              <a:effectLst>
-                <a:outerShdw blurRad="38100" dist="38100" dir="2700000" algn="tl">
-                  <a:srgbClr val="000000">
-                    <a:alpha val="43137"/>
-                  </a:srgbClr>
-                </a:outerShdw>
-              </a:effectLst>
-              <a:latin typeface="나눔스퀘어"/>
-              <a:ea typeface="나눔고딕" panose="020D0604000000000000" pitchFamily="50" charset="-127"/>
-            </a:endParaRPr>
-          </a:p>
-          <a:p>
-            <a:pPr>
-              <a:lnSpc>
-                <a:spcPct val="200000"/>
-              </a:lnSpc>
-            </a:pPr>
-            <a:r>
-              <a:rPr lang="en-US" altLang="ko-KR" sz="2000" b="1" dirty="0">
-                <a:effectLst>
-                  <a:outerShdw blurRad="38100" dist="38100" dir="2700000" algn="tl">
-                    <a:srgbClr val="000000">
-                      <a:alpha val="43137"/>
-                    </a:srgbClr>
-                  </a:outerShdw>
-                </a:effectLst>
-                <a:latin typeface="나눔스퀘어"/>
-                <a:ea typeface="나눔고딕" panose="020D0604000000000000" pitchFamily="50" charset="-127"/>
-              </a:rPr>
-              <a:t>- </a:t>
-            </a:r>
-            <a:r>
-              <a:rPr lang="ko-KR" altLang="en-US" sz="2000" b="1" dirty="0">
-                <a:effectLst>
-                  <a:outerShdw blurRad="38100" dist="38100" dir="2700000" algn="tl">
-                    <a:srgbClr val="000000">
-                      <a:alpha val="43137"/>
-                    </a:srgbClr>
-                  </a:outerShdw>
-                </a:effectLst>
-                <a:latin typeface="나눔스퀘어"/>
-                <a:ea typeface="나눔고딕" panose="020D0604000000000000" pitchFamily="50" charset="-127"/>
-              </a:rPr>
-              <a:t>우수상</a:t>
-            </a:r>
-          </a:p>
-        </p:txBody>
-      </p:sp>
-      <p:grpSp>
-        <p:nvGrpSpPr>
-          <p:cNvPr id="7" name="그룹 6">
-            <a:extLst>
-              <a:ext uri="{FF2B5EF4-FFF2-40B4-BE49-F238E27FC236}">
-                <a16:creationId xmlns:a16="http://schemas.microsoft.com/office/drawing/2014/main" id="{6E8ECBB1-7574-8134-94C9-EE95EAE50A8C}"/>
-              </a:ext>
-            </a:extLst>
-          </p:cNvPr>
-          <p:cNvGrpSpPr/>
-          <p:nvPr/>
-        </p:nvGrpSpPr>
-        <p:grpSpPr>
-          <a:xfrm>
-            <a:off x="9174092" y="3456938"/>
-            <a:ext cx="4572642" cy="2883646"/>
-            <a:chOff x="9174092" y="3456938"/>
-            <a:chExt cx="4572642" cy="2883646"/>
-          </a:xfrm>
-        </p:grpSpPr>
-        <p:cxnSp>
-          <p:nvCxnSpPr>
-            <p:cNvPr id="23" name="직선 연결선 22">
-              <a:extLst>
-                <a:ext uri="{FF2B5EF4-FFF2-40B4-BE49-F238E27FC236}">
-                  <a16:creationId xmlns:a16="http://schemas.microsoft.com/office/drawing/2014/main" id="{EE315EE8-5854-F41A-9492-B849220F696B}"/>
-                </a:ext>
-              </a:extLst>
-            </p:cNvPr>
-            <p:cNvCxnSpPr>
-              <a:cxnSpLocks/>
-            </p:cNvCxnSpPr>
-            <p:nvPr/>
-          </p:nvCxnSpPr>
-          <p:spPr>
-            <a:xfrm>
-              <a:off x="11615906" y="3456938"/>
-              <a:ext cx="0" cy="2203701"/>
-            </a:xfrm>
-            <a:prstGeom prst="line">
-              <a:avLst/>
-            </a:prstGeom>
-            <a:ln/>
-          </p:spPr>
-          <p:style>
-            <a:lnRef idx="3">
-              <a:schemeClr val="accent3"/>
-            </a:lnRef>
-            <a:fillRef idx="0">
-              <a:schemeClr val="accent3"/>
-            </a:fillRef>
-            <a:effectRef idx="2">
-              <a:schemeClr val="accent3"/>
-            </a:effectRef>
-            <a:fontRef idx="minor">
-              <a:schemeClr val="tx1"/>
-            </a:fontRef>
-          </p:style>
-        </p:cxnSp>
-        <p:sp>
-          <p:nvSpPr>
-            <p:cNvPr id="31" name="TextBox 30">
-              <a:extLst>
-                <a:ext uri="{FF2B5EF4-FFF2-40B4-BE49-F238E27FC236}">
-                  <a16:creationId xmlns:a16="http://schemas.microsoft.com/office/drawing/2014/main" id="{A9DBCB60-26CE-E7DC-8AF9-E2CA169365E1}"/>
-                </a:ext>
-              </a:extLst>
-            </p:cNvPr>
-            <p:cNvSpPr txBox="1"/>
-            <p:nvPr/>
-          </p:nvSpPr>
-          <p:spPr>
-            <a:xfrm>
-              <a:off x="10293546" y="5154579"/>
-              <a:ext cx="3453188" cy="492443"/>
-            </a:xfrm>
-            <a:prstGeom prst="rect">
-              <a:avLst/>
-            </a:prstGeom>
-            <a:noFill/>
-          </p:spPr>
-          <p:txBody>
-            <a:bodyPr wrap="square" rtlCol="0">
-              <a:spAutoFit/>
-            </a:bodyPr>
-            <a:lstStyle/>
-            <a:p>
-              <a:r>
-                <a:rPr lang="en-US" altLang="ko-KR" sz="2600" b="1" dirty="0">
-                  <a:effectLst>
-                    <a:outerShdw blurRad="38100" dist="38100" dir="2700000" algn="tl">
-                      <a:srgbClr val="000000">
-                        <a:alpha val="43137"/>
-                      </a:srgbClr>
-                    </a:outerShdw>
-                  </a:effectLst>
-                  <a:latin typeface="나눔스퀘어"/>
-                  <a:ea typeface="나눔고딕" panose="020D0604000000000000" pitchFamily="50" charset="-127"/>
-                </a:rPr>
-                <a:t>22. 06</a:t>
-              </a:r>
-            </a:p>
-          </p:txBody>
-        </p:sp>
-        <p:sp>
-          <p:nvSpPr>
-            <p:cNvPr id="32" name="TextBox 31">
-              <a:extLst>
-                <a:ext uri="{FF2B5EF4-FFF2-40B4-BE49-F238E27FC236}">
-                  <a16:creationId xmlns:a16="http://schemas.microsoft.com/office/drawing/2014/main" id="{C8BE031E-5AEE-81A6-0186-040086C95347}"/>
-                </a:ext>
-              </a:extLst>
-            </p:cNvPr>
-            <p:cNvSpPr txBox="1"/>
-            <p:nvPr/>
-          </p:nvSpPr>
-          <p:spPr>
-            <a:xfrm>
-              <a:off x="9174092" y="5632698"/>
-              <a:ext cx="3453188" cy="707886"/>
-            </a:xfrm>
-            <a:prstGeom prst="rect">
-              <a:avLst/>
-            </a:prstGeom>
-            <a:noFill/>
-          </p:spPr>
-          <p:txBody>
-            <a:bodyPr wrap="square" rtlCol="0">
-              <a:spAutoFit/>
-            </a:bodyPr>
-            <a:lstStyle/>
-            <a:p>
-              <a:r>
-                <a:rPr lang="ko-KR" altLang="en-US" sz="2000" b="1" dirty="0">
-                  <a:effectLst>
-                    <a:outerShdw blurRad="38100" dist="38100" dir="2700000" algn="tl">
-                      <a:srgbClr val="000000">
-                        <a:alpha val="43137"/>
-                      </a:srgbClr>
-                    </a:outerShdw>
-                  </a:effectLst>
-                  <a:latin typeface="나눔스퀘어"/>
-                  <a:ea typeface="나눔고딕" panose="020D0604000000000000" pitchFamily="50" charset="-127"/>
-                </a:rPr>
-                <a:t>학과 지원 직무캠프</a:t>
-              </a:r>
-              <a:endParaRPr lang="en-US" altLang="ko-KR" sz="2000" b="1" dirty="0">
-                <a:effectLst>
-                  <a:outerShdw blurRad="38100" dist="38100" dir="2700000" algn="tl">
-                    <a:srgbClr val="000000">
-                      <a:alpha val="43137"/>
-                    </a:srgbClr>
-                  </a:outerShdw>
-                </a:effectLst>
-                <a:latin typeface="나눔스퀘어"/>
-                <a:ea typeface="나눔고딕" panose="020D0604000000000000" pitchFamily="50" charset="-127"/>
-              </a:endParaRPr>
-            </a:p>
-            <a:p>
-              <a:r>
-                <a:rPr lang="en-US" altLang="ko-KR" sz="2000" b="1" dirty="0">
-                  <a:effectLst>
-                    <a:outerShdw blurRad="38100" dist="38100" dir="2700000" algn="tl">
-                      <a:srgbClr val="000000">
-                        <a:alpha val="43137"/>
-                      </a:srgbClr>
-                    </a:outerShdw>
-                  </a:effectLst>
-                  <a:latin typeface="나눔스퀘어"/>
-                  <a:ea typeface="나눔고딕" panose="020D0604000000000000" pitchFamily="50" charset="-127"/>
-                </a:rPr>
-                <a:t>- </a:t>
-              </a:r>
-              <a:r>
-                <a:rPr lang="ko-KR" altLang="en-US" sz="2000" b="1" dirty="0">
-                  <a:effectLst>
-                    <a:outerShdw blurRad="38100" dist="38100" dir="2700000" algn="tl">
-                      <a:srgbClr val="000000">
-                        <a:alpha val="43137"/>
-                      </a:srgbClr>
-                    </a:outerShdw>
-                  </a:effectLst>
-                  <a:latin typeface="나눔스퀘어"/>
-                  <a:ea typeface="나눔고딕" panose="020D0604000000000000" pitchFamily="50" charset="-127"/>
-                </a:rPr>
-                <a:t>지원비 월 </a:t>
-              </a:r>
-              <a:r>
-                <a:rPr lang="en-US" altLang="ko-KR" sz="2000" b="1" dirty="0">
-                  <a:effectLst>
-                    <a:outerShdw blurRad="38100" dist="38100" dir="2700000" algn="tl">
-                      <a:srgbClr val="000000">
-                        <a:alpha val="43137"/>
-                      </a:srgbClr>
-                    </a:outerShdw>
-                  </a:effectLst>
-                  <a:latin typeface="나눔스퀘어"/>
-                  <a:ea typeface="나눔고딕" panose="020D0604000000000000" pitchFamily="50" charset="-127"/>
-                </a:rPr>
-                <a:t>107</a:t>
-              </a:r>
-              <a:r>
-                <a:rPr lang="ko-KR" altLang="en-US" sz="2000" b="1" dirty="0">
-                  <a:effectLst>
-                    <a:outerShdw blurRad="38100" dist="38100" dir="2700000" algn="tl">
-                      <a:srgbClr val="000000">
-                        <a:alpha val="43137"/>
-                      </a:srgbClr>
-                    </a:outerShdw>
-                  </a:effectLst>
-                  <a:latin typeface="나눔스퀘어"/>
-                  <a:ea typeface="나눔고딕" panose="020D0604000000000000" pitchFamily="50" charset="-127"/>
-                </a:rPr>
-                <a:t>만원</a:t>
-              </a:r>
-            </a:p>
-          </p:txBody>
-        </p:sp>
-      </p:grpSp>
-    </p:spTree>
-    <p:extLst>
-      <p:ext uri="{BB962C8B-B14F-4D97-AF65-F5344CB8AC3E}">
-        <p14:creationId xmlns:p14="http://schemas.microsoft.com/office/powerpoint/2010/main" val="3054452695"/>
-      </p:ext>
-    </p:extLst>
-  </p:cSld>
-  <p:clrMapOvr>
-    <a:masterClrMapping/>
-  </p:clrMapOvr>
-  <mc:AlternateContent xmlns:mc="http://schemas.openxmlformats.org/markup-compatibility/2006" xmlns:p14="http://schemas.microsoft.com/office/powerpoint/2010/main">
-    <mc:Choice Requires="p14">
-      <p:transition spd="slow" p14:dur="1500">
-        <p:split orient="vert"/>
-      </p:transition>
-    </mc:Choice>
-    <mc:Fallback xmlns="">
-      <p:transition spd="slow">
-        <p:split orient="vert"/>
-      </p:transition>
-    </mc:Fallback>
-  </mc:AlternateContent>
-  <p:timing>
-    <p:tnLst>
-      <p:par>
-        <p:cTn id="1" dur="indefinite" restart="never" nodeType="tmRoot">
-          <p:childTnLst>
-            <p:seq concurrent="1" nextAc="seek">
-              <p:cTn id="2" dur="indefinite" nodeType="mainSeq">
-                <p:childTnLst>
-                  <p:par>
-                    <p:cTn id="3" fill="hold">
-                      <p:stCondLst>
-                        <p:cond delay="indefinite"/>
-                      </p:stCondLst>
-                      <p:childTnLst>
-                        <p:par>
-                          <p:cTn id="4" fill="hold">
-                            <p:stCondLst>
-                              <p:cond delay="0"/>
-                            </p:stCondLst>
-                            <p:childTnLst>
-                              <p:par>
-                                <p:cTn id="5" presetID="16" presetClass="entr" presetSubtype="21" fill="hold" grpId="0" nodeType="clickEffect">
-                                  <p:stCondLst>
-                                    <p:cond delay="0"/>
-                                  </p:stCondLst>
-                                  <p:childTnLst>
-                                    <p:set>
-                                      <p:cBhvr>
-                                        <p:cTn id="6" dur="1" fill="hold">
-                                          <p:stCondLst>
-                                            <p:cond delay="0"/>
-                                          </p:stCondLst>
-                                        </p:cTn>
-                                        <p:tgtEl>
-                                          <p:spTgt spid="4"/>
-                                        </p:tgtEl>
-                                        <p:attrNameLst>
-                                          <p:attrName>style.visibility</p:attrName>
-                                        </p:attrNameLst>
-                                      </p:cBhvr>
-                                      <p:to>
-                                        <p:strVal val="visible"/>
-                                      </p:to>
-                                    </p:set>
-                                    <p:animEffect transition="in" filter="barn(inVertical)">
-                                      <p:cBhvr>
-                                        <p:cTn id="7" dur="500"/>
-                                        <p:tgtEl>
-                                          <p:spTgt spid="4"/>
-                                        </p:tgtEl>
-                                      </p:cBhvr>
-                                    </p:animEffect>
-                                  </p:childTnLst>
-                                </p:cTn>
-                              </p:par>
-                            </p:childTnLst>
-                          </p:cTn>
-                        </p:par>
-                      </p:childTnLst>
-                    </p:cTn>
-                  </p:par>
-                  <p:par>
-                    <p:cTn id="8" fill="hold">
-                      <p:stCondLst>
-                        <p:cond delay="indefinite"/>
-                      </p:stCondLst>
-                      <p:childTnLst>
-                        <p:par>
-                          <p:cTn id="9" fill="hold">
-                            <p:stCondLst>
-                              <p:cond delay="0"/>
-                            </p:stCondLst>
-                            <p:childTnLst>
-                              <p:par>
-                                <p:cTn id="10" presetID="10" presetClass="entr" presetSubtype="0" fill="hold" nodeType="clickEffect">
-                                  <p:stCondLst>
-                                    <p:cond delay="0"/>
-                                  </p:stCondLst>
-                                  <p:childTnLst>
-                                    <p:set>
-                                      <p:cBhvr>
-                                        <p:cTn id="11" dur="1" fill="hold">
-                                          <p:stCondLst>
-                                            <p:cond delay="0"/>
-                                          </p:stCondLst>
-                                        </p:cTn>
-                                        <p:tgtEl>
-                                          <p:spTgt spid="2"/>
-                                        </p:tgtEl>
-                                        <p:attrNameLst>
-                                          <p:attrName>style.visibility</p:attrName>
-                                        </p:attrNameLst>
-                                      </p:cBhvr>
-                                      <p:to>
-                                        <p:strVal val="visible"/>
-                                      </p:to>
-                                    </p:set>
-                                    <p:animEffect transition="in" filter="fade">
-                                      <p:cBhvr>
-                                        <p:cTn id="12" dur="500"/>
-                                        <p:tgtEl>
-                                          <p:spTgt spid="2"/>
-                                        </p:tgtEl>
-                                      </p:cBhvr>
-                                    </p:animEffect>
-                                  </p:childTnLst>
-                                </p:cTn>
-                              </p:par>
-                            </p:childTnLst>
-                          </p:cTn>
-                        </p:par>
-                      </p:childTnLst>
-                    </p:cTn>
-                  </p:par>
-                  <p:par>
-                    <p:cTn id="13" fill="hold">
-                      <p:stCondLst>
-                        <p:cond delay="indefinite"/>
-                      </p:stCondLst>
-                      <p:childTnLst>
-                        <p:par>
-                          <p:cTn id="14" fill="hold">
-                            <p:stCondLst>
-                              <p:cond delay="0"/>
-                            </p:stCondLst>
-                            <p:childTnLst>
-                              <p:par>
-                                <p:cTn id="15" presetID="10" presetClass="entr" presetSubtype="0" fill="hold" nodeType="clickEffect">
-                                  <p:stCondLst>
-                                    <p:cond delay="0"/>
-                                  </p:stCondLst>
-                                  <p:childTnLst>
-                                    <p:set>
-                                      <p:cBhvr>
-                                        <p:cTn id="16" dur="1" fill="hold">
-                                          <p:stCondLst>
-                                            <p:cond delay="0"/>
-                                          </p:stCondLst>
-                                        </p:cTn>
-                                        <p:tgtEl>
-                                          <p:spTgt spid="3"/>
-                                        </p:tgtEl>
-                                        <p:attrNameLst>
-                                          <p:attrName>style.visibility</p:attrName>
-                                        </p:attrNameLst>
-                                      </p:cBhvr>
-                                      <p:to>
-                                        <p:strVal val="visible"/>
-                                      </p:to>
-                                    </p:set>
-                                    <p:animEffect transition="in" filter="fade">
-                                      <p:cBhvr>
-                                        <p:cTn id="17" dur="500"/>
-                                        <p:tgtEl>
-                                          <p:spTgt spid="3"/>
-                                        </p:tgtEl>
-                                      </p:cBhvr>
-                                    </p:animEffect>
-                                  </p:childTnLst>
-                                </p:cTn>
-                              </p:par>
-                            </p:childTnLst>
-                          </p:cTn>
-                        </p:par>
-                      </p:childTnLst>
-                    </p:cTn>
-                  </p:par>
-                  <p:par>
-                    <p:cTn id="18" fill="hold">
-                      <p:stCondLst>
-                        <p:cond delay="indefinite"/>
-                      </p:stCondLst>
-                      <p:childTnLst>
-                        <p:par>
-                          <p:cTn id="19" fill="hold">
-                            <p:stCondLst>
-                              <p:cond delay="0"/>
-                            </p:stCondLst>
-                            <p:childTnLst>
-                              <p:par>
-                                <p:cTn id="20" presetID="10" presetClass="entr" presetSubtype="0" fill="hold" nodeType="clickEffect">
-                                  <p:stCondLst>
-                                    <p:cond delay="0"/>
-                                  </p:stCondLst>
-                                  <p:childTnLst>
-                                    <p:set>
-                                      <p:cBhvr>
-                                        <p:cTn id="21" dur="1" fill="hold">
-                                          <p:stCondLst>
-                                            <p:cond delay="0"/>
-                                          </p:stCondLst>
-                                        </p:cTn>
-                                        <p:tgtEl>
-                                          <p:spTgt spid="5"/>
-                                        </p:tgtEl>
-                                        <p:attrNameLst>
-                                          <p:attrName>style.visibility</p:attrName>
-                                        </p:attrNameLst>
-                                      </p:cBhvr>
-                                      <p:to>
-                                        <p:strVal val="visible"/>
-                                      </p:to>
-                                    </p:set>
-                                    <p:animEffect transition="in" filter="fade">
-                                      <p:cBhvr>
-                                        <p:cTn id="22" dur="500"/>
-                                        <p:tgtEl>
-                                          <p:spTgt spid="5"/>
-                                        </p:tgtEl>
-                                      </p:cBhvr>
-                                    </p:animEffect>
-                                  </p:childTnLst>
-                                </p:cTn>
-                              </p:par>
-                            </p:childTnLst>
-                          </p:cTn>
-                        </p:par>
-                      </p:childTnLst>
-                    </p:cTn>
-                  </p:par>
-                  <p:par>
-                    <p:cTn id="23" fill="hold">
-                      <p:stCondLst>
-                        <p:cond delay="indefinite"/>
-                      </p:stCondLst>
-                      <p:childTnLst>
-                        <p:par>
-                          <p:cTn id="24" fill="hold">
-                            <p:stCondLst>
-                              <p:cond delay="0"/>
-                            </p:stCondLst>
-                            <p:childTnLst>
-                              <p:par>
-                                <p:cTn id="25" presetID="10" presetClass="entr" presetSubtype="0" fill="hold" grpId="0" nodeType="clickEffect">
-                                  <p:stCondLst>
-                                    <p:cond delay="0"/>
-                                  </p:stCondLst>
-                                  <p:childTnLst>
-                                    <p:set>
-                                      <p:cBhvr>
-                                        <p:cTn id="26" dur="1" fill="hold">
-                                          <p:stCondLst>
-                                            <p:cond delay="0"/>
-                                          </p:stCondLst>
-                                        </p:cTn>
-                                        <p:tgtEl>
-                                          <p:spTgt spid="21"/>
-                                        </p:tgtEl>
-                                        <p:attrNameLst>
-                                          <p:attrName>style.visibility</p:attrName>
-                                        </p:attrNameLst>
-                                      </p:cBhvr>
-                                      <p:to>
-                                        <p:strVal val="visible"/>
-                                      </p:to>
-                                    </p:set>
-                                    <p:animEffect transition="in" filter="fade">
-                                      <p:cBhvr>
-                                        <p:cTn id="27" dur="500"/>
-                                        <p:tgtEl>
-                                          <p:spTgt spid="21"/>
-                                        </p:tgtEl>
-                                      </p:cBhvr>
-                                    </p:animEffect>
-                                  </p:childTnLst>
-                                </p:cTn>
-                              </p:par>
-                              <p:par>
-                                <p:cTn id="28" presetID="10" presetClass="entr" presetSubtype="0" fill="hold" nodeType="withEffect">
-                                  <p:stCondLst>
-                                    <p:cond delay="0"/>
-                                  </p:stCondLst>
-                                  <p:childTnLst>
-                                    <p:set>
-                                      <p:cBhvr>
-                                        <p:cTn id="29" dur="1" fill="hold">
-                                          <p:stCondLst>
-                                            <p:cond delay="0"/>
-                                          </p:stCondLst>
-                                        </p:cTn>
-                                        <p:tgtEl>
-                                          <p:spTgt spid="14"/>
-                                        </p:tgtEl>
-                                        <p:attrNameLst>
-                                          <p:attrName>style.visibility</p:attrName>
-                                        </p:attrNameLst>
-                                      </p:cBhvr>
-                                      <p:to>
-                                        <p:strVal val="visible"/>
-                                      </p:to>
-                                    </p:set>
-                                    <p:animEffect transition="in" filter="fade">
-                                      <p:cBhvr>
-                                        <p:cTn id="30" dur="500"/>
-                                        <p:tgtEl>
-                                          <p:spTgt spid="14"/>
-                                        </p:tgtEl>
-                                      </p:cBhvr>
-                                    </p:animEffect>
-                                  </p:childTnLst>
-                                </p:cTn>
-                              </p:par>
-                              <p:par>
-                                <p:cTn id="31" presetID="10" presetClass="entr" presetSubtype="0" fill="hold" grpId="0" nodeType="withEffect">
-                                  <p:stCondLst>
-                                    <p:cond delay="0"/>
-                                  </p:stCondLst>
-                                  <p:childTnLst>
-                                    <p:set>
-                                      <p:cBhvr>
-                                        <p:cTn id="32" dur="1" fill="hold">
-                                          <p:stCondLst>
-                                            <p:cond delay="0"/>
-                                          </p:stCondLst>
-                                        </p:cTn>
-                                        <p:tgtEl>
-                                          <p:spTgt spid="28"/>
-                                        </p:tgtEl>
-                                        <p:attrNameLst>
-                                          <p:attrName>style.visibility</p:attrName>
-                                        </p:attrNameLst>
-                                      </p:cBhvr>
-                                      <p:to>
-                                        <p:strVal val="visible"/>
-                                      </p:to>
-                                    </p:set>
-                                    <p:animEffect transition="in" filter="fade">
-                                      <p:cBhvr>
-                                        <p:cTn id="33" dur="500"/>
-                                        <p:tgtEl>
-                                          <p:spTgt spid="28"/>
-                                        </p:tgtEl>
-                                      </p:cBhvr>
-                                    </p:animEffect>
-                                  </p:childTnLst>
-                                </p:cTn>
-                              </p:par>
-                            </p:childTnLst>
-                          </p:cTn>
-                        </p:par>
-                      </p:childTnLst>
-                    </p:cTn>
-                  </p:par>
-                  <p:par>
-                    <p:cTn id="34" fill="hold">
-                      <p:stCondLst>
-                        <p:cond delay="indefinite"/>
-                      </p:stCondLst>
-                      <p:childTnLst>
-                        <p:par>
-                          <p:cTn id="35" fill="hold">
-                            <p:stCondLst>
-                              <p:cond delay="0"/>
-                            </p:stCondLst>
-                            <p:childTnLst>
-                              <p:par>
-                                <p:cTn id="36" presetID="10" presetClass="entr" presetSubtype="0" fill="hold" nodeType="clickEffect">
-                                  <p:stCondLst>
-                                    <p:cond delay="0"/>
-                                  </p:stCondLst>
-                                  <p:childTnLst>
-                                    <p:set>
-                                      <p:cBhvr>
-                                        <p:cTn id="37" dur="1" fill="hold">
-                                          <p:stCondLst>
-                                            <p:cond delay="0"/>
-                                          </p:stCondLst>
-                                        </p:cTn>
-                                        <p:tgtEl>
-                                          <p:spTgt spid="6"/>
-                                        </p:tgtEl>
-                                        <p:attrNameLst>
-                                          <p:attrName>style.visibility</p:attrName>
-                                        </p:attrNameLst>
-                                      </p:cBhvr>
-                                      <p:to>
-                                        <p:strVal val="visible"/>
-                                      </p:to>
-                                    </p:set>
-                                    <p:animEffect transition="in" filter="fade">
-                                      <p:cBhvr>
-                                        <p:cTn id="38" dur="500"/>
-                                        <p:tgtEl>
-                                          <p:spTgt spid="6"/>
-                                        </p:tgtEl>
-                                      </p:cBhvr>
-                                    </p:animEffect>
-                                  </p:childTnLst>
-                                </p:cTn>
-                              </p:par>
-                            </p:childTnLst>
-                          </p:cTn>
-                        </p:par>
-                      </p:childTnLst>
-                    </p:cTn>
-                  </p:par>
-                  <p:par>
-                    <p:cTn id="39" fill="hold">
-                      <p:stCondLst>
-                        <p:cond delay="indefinite"/>
-                      </p:stCondLst>
-                      <p:childTnLst>
-                        <p:par>
-                          <p:cTn id="40" fill="hold">
-                            <p:stCondLst>
-                              <p:cond delay="0"/>
-                            </p:stCondLst>
-                            <p:childTnLst>
-                              <p:par>
-                                <p:cTn id="41" presetID="10" presetClass="entr" presetSubtype="0" fill="hold" nodeType="clickEffect">
-                                  <p:stCondLst>
-                                    <p:cond delay="0"/>
-                                  </p:stCondLst>
-                                  <p:childTnLst>
-                                    <p:set>
-                                      <p:cBhvr>
-                                        <p:cTn id="42" dur="1" fill="hold">
-                                          <p:stCondLst>
-                                            <p:cond delay="0"/>
-                                          </p:stCondLst>
-                                        </p:cTn>
-                                        <p:tgtEl>
-                                          <p:spTgt spid="7"/>
-                                        </p:tgtEl>
-                                        <p:attrNameLst>
-                                          <p:attrName>style.visibility</p:attrName>
-                                        </p:attrNameLst>
-                                      </p:cBhvr>
-                                      <p:to>
-                                        <p:strVal val="visible"/>
-                                      </p:to>
-                                    </p:set>
-                                    <p:animEffect transition="in" filter="fade">
-                                      <p:cBhvr>
-                                        <p:cTn id="43" dur="500"/>
-                                        <p:tgtEl>
-                                          <p:spTgt spid="7"/>
-                                        </p:tgtEl>
-                                      </p:cBhvr>
-                                    </p:animEffect>
-                                  </p:childTnLst>
-                                </p:cTn>
-                              </p:par>
-                            </p:childTnLst>
-                          </p:cTn>
-                        </p:par>
-                      </p:childTnLst>
-                    </p:cTn>
-                  </p:par>
-                </p:childTnLst>
-              </p:cTn>
-              <p:prevCondLst>
-                <p:cond evt="onPrev" delay="0">
-                  <p:tgtEl>
-                    <p:sldTgt/>
-                  </p:tgtEl>
-                </p:cond>
-              </p:prevCondLst>
-              <p:nextCondLst>
-                <p:cond evt="onNext" delay="0">
-                  <p:tgtEl>
-                    <p:sldTgt/>
-                  </p:tgtEl>
-                </p:cond>
-              </p:nextCondLst>
-            </p:seq>
-          </p:childTnLst>
-        </p:cTn>
-      </p:par>
-    </p:tnLst>
-    <p:bldLst>
-      <p:bldP spid="4" grpId="0" animBg="1"/>
-      <p:bldP spid="21" grpId="0"/>
-      <p:bldP spid="28" grpId="0"/>
-    </p:bldLst>
-  </p:timing>
-</p:sld>
-</file>
-
-<file path=ppt/slides/slide9.xml><?xml version="1.0" encoding="utf-8"?>
-<p:sld xmlns:a="http://schemas.openxmlformats.org/drawingml/2006/main" xmlns:r="http://schemas.openxmlformats.org/officeDocument/2006/relationships" xmlns:p="http://schemas.openxmlformats.org/presentationml/2006/main">
-  <p:cSld>
-    <p:spTree>
-      <p:nvGrpSpPr>
-        <p:cNvPr id="1" name=""/>
-        <p:cNvGrpSpPr/>
-        <p:nvPr/>
-      </p:nvGrpSpPr>
-      <p:grpSpPr>
-        <a:xfrm>
-          <a:off x="0" y="0"/>
-          <a:ext cx="0" cy="0"/>
-          <a:chOff x="0" y="0"/>
-          <a:chExt cx="0" cy="0"/>
-        </a:xfrm>
-      </p:grpSpPr>
       <p:pic>
         <p:nvPicPr>
           <p:cNvPr id="5" name="그림 4">
@@ -20863,6 +18851,158 @@
                                         <p:cTn id="7" dur="500"/>
                                         <p:tgtEl>
                                           <p:spTgt spid="5"/>
+                                        </p:tgtEl>
+                                      </p:cBhvr>
+                                    </p:animEffect>
+                                  </p:childTnLst>
+                                </p:cTn>
+                              </p:par>
+                            </p:childTnLst>
+                          </p:cTn>
+                        </p:par>
+                      </p:childTnLst>
+                    </p:cTn>
+                  </p:par>
+                </p:childTnLst>
+              </p:cTn>
+              <p:prevCondLst>
+                <p:cond evt="onPrev" delay="0">
+                  <p:tgtEl>
+                    <p:sldTgt/>
+                  </p:tgtEl>
+                </p:cond>
+              </p:prevCondLst>
+              <p:nextCondLst>
+                <p:cond evt="onNext" delay="0">
+                  <p:tgtEl>
+                    <p:sldTgt/>
+                  </p:tgtEl>
+                </p:cond>
+              </p:nextCondLst>
+            </p:seq>
+          </p:childTnLst>
+        </p:cTn>
+      </p:par>
+    </p:tnLst>
+  </p:timing>
+</p:sld>
+</file>
+
+<file path=ppt/slides/slide9.xml><?xml version="1.0" encoding="utf-8"?>
+<p:sld xmlns:a="http://schemas.openxmlformats.org/drawingml/2006/main" xmlns:r="http://schemas.openxmlformats.org/officeDocument/2006/relationships" xmlns:p="http://schemas.openxmlformats.org/presentationml/2006/main">
+  <p:cSld>
+    <p:spTree>
+      <p:nvGrpSpPr>
+        <p:cNvPr id="1" name=""/>
+        <p:cNvGrpSpPr/>
+        <p:nvPr/>
+      </p:nvGrpSpPr>
+      <p:grpSpPr>
+        <a:xfrm>
+          <a:off x="0" y="0"/>
+          <a:ext cx="0" cy="0"/>
+          <a:chOff x="0" y="0"/>
+          <a:chExt cx="0" cy="0"/>
+        </a:xfrm>
+      </p:grpSpPr>
+      <p:pic>
+        <p:nvPicPr>
+          <p:cNvPr id="6" name="그림 5">
+            <a:extLst>
+              <a:ext uri="{FF2B5EF4-FFF2-40B4-BE49-F238E27FC236}">
+                <a16:creationId xmlns:a16="http://schemas.microsoft.com/office/drawing/2014/main" id="{48B91F56-A4BA-66F6-04FA-DC96E6768609}"/>
+              </a:ext>
+            </a:extLst>
+          </p:cNvPr>
+          <p:cNvPicPr>
+            <a:picLocks noChangeAspect="1"/>
+          </p:cNvPicPr>
+          <p:nvPr/>
+        </p:nvPicPr>
+        <p:blipFill>
+          <a:blip r:embed="rId2">
+            <a:extLst>
+              <a:ext uri="{28A0092B-C50C-407E-A947-70E740481C1C}">
+                <a14:useLocalDpi xmlns:a14="http://schemas.microsoft.com/office/drawing/2010/main" val="0"/>
+              </a:ext>
+            </a:extLst>
+          </a:blip>
+          <a:stretch>
+            <a:fillRect/>
+          </a:stretch>
+        </p:blipFill>
+        <p:spPr>
+          <a:xfrm>
+            <a:off x="3344774" y="224334"/>
+            <a:ext cx="5502451" cy="6633666"/>
+          </a:xfrm>
+          <a:prstGeom prst="rect">
+            <a:avLst/>
+          </a:prstGeom>
+        </p:spPr>
+      </p:pic>
+    </p:spTree>
+    <p:extLst>
+      <p:ext uri="{BB962C8B-B14F-4D97-AF65-F5344CB8AC3E}">
+        <p14:creationId xmlns:p14="http://schemas.microsoft.com/office/powerpoint/2010/main" val="1765323296"/>
+      </p:ext>
+    </p:extLst>
+  </p:cSld>
+  <p:clrMapOvr>
+    <a:masterClrMapping/>
+  </p:clrMapOvr>
+  <p:transition spd="slow">
+    <p:push dir="u"/>
+  </p:transition>
+  <p:timing>
+    <p:tnLst>
+      <p:par>
+        <p:cTn id="1" dur="indefinite" restart="never" nodeType="tmRoot">
+          <p:childTnLst>
+            <p:seq concurrent="1" nextAc="seek">
+              <p:cTn id="2" dur="indefinite" nodeType="mainSeq">
+                <p:childTnLst>
+                  <p:par>
+                    <p:cTn id="3" fill="hold">
+                      <p:stCondLst>
+                        <p:cond delay="indefinite"/>
+                      </p:stCondLst>
+                      <p:childTnLst>
+                        <p:par>
+                          <p:cTn id="4" fill="hold">
+                            <p:stCondLst>
+                              <p:cond delay="0"/>
+                            </p:stCondLst>
+                            <p:childTnLst>
+                              <p:par>
+                                <p:cTn id="5" presetID="10" presetClass="entr" presetSubtype="0" fill="hold" nodeType="clickEffect">
+                                  <p:stCondLst>
+                                    <p:cond delay="0"/>
+                                  </p:stCondLst>
+                                  <p:childTnLst>
+                                    <p:set>
+                                      <p:cBhvr>
+                                        <p:cTn id="6" dur="1" fill="hold">
+                                          <p:stCondLst>
+                                            <p:cond delay="0"/>
+                                          </p:stCondLst>
+                                        </p:cTn>
+                                        <p:tgtEl>
+                                          <p:spTgt spid="6"/>
+                                        </p:tgtEl>
+                                        <p:attrNameLst>
+                                          <p:attrName>style.visibility</p:attrName>
+                                        </p:attrNameLst>
+                                      </p:cBhvr>
+                                      <p:to>
+                                        <p:strVal val="visible"/>
+                                      </p:to>
+                                    </p:set>
+                                    <p:animEffect transition="in" filter="fade">
+                                      <p:cBhvr>
+                                        <p:cTn id="7" dur="500"/>
+                                        <p:tgtEl>
+                                          <p:spTgt spid="6"/>
                                         </p:tgtEl>
                                       </p:cBhvr>
                                     </p:animEffect>

--- a/etc/대외활동/2022 부천미래교육센터 멘토링.pptx
+++ b/etc/대외활동/2022 부천미래교육센터 멘토링.pptx
@@ -378,7 +378,7 @@
           <a:p>
             <a:fld id="{9D178838-41E0-4F4E-980F-97714EC573DD}" type="datetimeFigureOut">
               <a:rPr lang="ko-KR" altLang="en-US" smtClean="0"/>
-              <a:t>2022-07-20</a:t>
+              <a:t>2022-07-27</a:t>
             </a:fld>
             <a:endParaRPr lang="ko-KR" altLang="en-US" dirty="0"/>
           </a:p>
@@ -612,7 +612,7 @@
           <a:p>
             <a:fld id="{9D178838-41E0-4F4E-980F-97714EC573DD}" type="datetimeFigureOut">
               <a:rPr lang="ko-KR" altLang="en-US" smtClean="0"/>
-              <a:t>2022-07-20</a:t>
+              <a:t>2022-07-27</a:t>
             </a:fld>
             <a:endParaRPr lang="ko-KR" altLang="en-US"/>
           </a:p>
@@ -820,7 +820,7 @@
           <a:p>
             <a:fld id="{9D178838-41E0-4F4E-980F-97714EC573DD}" type="datetimeFigureOut">
               <a:rPr lang="ko-KR" altLang="en-US" smtClean="0"/>
-              <a:t>2022-07-20</a:t>
+              <a:t>2022-07-27</a:t>
             </a:fld>
             <a:endParaRPr lang="ko-KR" altLang="en-US"/>
           </a:p>
@@ -1018,7 +1018,7 @@
           <a:p>
             <a:fld id="{9D178838-41E0-4F4E-980F-97714EC573DD}" type="datetimeFigureOut">
               <a:rPr lang="ko-KR" altLang="en-US" smtClean="0"/>
-              <a:t>2022-07-20</a:t>
+              <a:t>2022-07-27</a:t>
             </a:fld>
             <a:endParaRPr lang="ko-KR" altLang="en-US"/>
           </a:p>
@@ -1329,7 +1329,7 @@
           <a:p>
             <a:fld id="{9D178838-41E0-4F4E-980F-97714EC573DD}" type="datetimeFigureOut">
               <a:rPr lang="ko-KR" altLang="en-US" smtClean="0"/>
-              <a:t>2022-07-20</a:t>
+              <a:t>2022-07-27</a:t>
             </a:fld>
             <a:endParaRPr lang="ko-KR" altLang="en-US"/>
           </a:p>
@@ -1594,7 +1594,7 @@
           <a:p>
             <a:fld id="{9D178838-41E0-4F4E-980F-97714EC573DD}" type="datetimeFigureOut">
               <a:rPr lang="ko-KR" altLang="en-US" smtClean="0"/>
-              <a:t>2022-07-20</a:t>
+              <a:t>2022-07-27</a:t>
             </a:fld>
             <a:endParaRPr lang="ko-KR" altLang="en-US"/>
           </a:p>
@@ -2006,7 +2006,7 @@
           <a:p>
             <a:fld id="{9D178838-41E0-4F4E-980F-97714EC573DD}" type="datetimeFigureOut">
               <a:rPr lang="ko-KR" altLang="en-US" smtClean="0"/>
-              <a:t>2022-07-20</a:t>
+              <a:t>2022-07-27</a:t>
             </a:fld>
             <a:endParaRPr lang="ko-KR" altLang="en-US"/>
           </a:p>
@@ -2147,7 +2147,7 @@
           <a:p>
             <a:fld id="{9D178838-41E0-4F4E-980F-97714EC573DD}" type="datetimeFigureOut">
               <a:rPr lang="ko-KR" altLang="en-US" smtClean="0"/>
-              <a:t>2022-07-20</a:t>
+              <a:t>2022-07-27</a:t>
             </a:fld>
             <a:endParaRPr lang="ko-KR" altLang="en-US"/>
           </a:p>
@@ -2260,7 +2260,7 @@
           <a:p>
             <a:fld id="{9D178838-41E0-4F4E-980F-97714EC573DD}" type="datetimeFigureOut">
               <a:rPr lang="ko-KR" altLang="en-US" smtClean="0"/>
-              <a:t>2022-07-20</a:t>
+              <a:t>2022-07-27</a:t>
             </a:fld>
             <a:endParaRPr lang="ko-KR" altLang="en-US"/>
           </a:p>
@@ -2571,7 +2571,7 @@
           <a:p>
             <a:fld id="{9D178838-41E0-4F4E-980F-97714EC573DD}" type="datetimeFigureOut">
               <a:rPr lang="ko-KR" altLang="en-US" smtClean="0"/>
-              <a:t>2022-07-20</a:t>
+              <a:t>2022-07-27</a:t>
             </a:fld>
             <a:endParaRPr lang="ko-KR" altLang="en-US"/>
           </a:p>
@@ -2859,7 +2859,7 @@
           <a:p>
             <a:fld id="{9D178838-41E0-4F4E-980F-97714EC573DD}" type="datetimeFigureOut">
               <a:rPr lang="ko-KR" altLang="en-US" smtClean="0"/>
-              <a:t>2022-07-20</a:t>
+              <a:t>2022-07-27</a:t>
             </a:fld>
             <a:endParaRPr lang="ko-KR" altLang="en-US"/>
           </a:p>
@@ -3100,7 +3100,7 @@
           <a:p>
             <a:fld id="{9D178838-41E0-4F4E-980F-97714EC573DD}" type="datetimeFigureOut">
               <a:rPr lang="ko-KR" altLang="en-US" smtClean="0"/>
-              <a:t>2022-07-20</a:t>
+              <a:t>2022-07-27</a:t>
             </a:fld>
             <a:endParaRPr lang="ko-KR" altLang="en-US"/>
           </a:p>
@@ -5664,46 +5664,6 @@
           <a:chExt cx="0" cy="0"/>
         </a:xfrm>
       </p:grpSpPr>
-      <p:sp>
-        <p:nvSpPr>
-          <p:cNvPr id="9" name="TextBox 8">
-            <a:extLst>
-              <a:ext uri="{FF2B5EF4-FFF2-40B4-BE49-F238E27FC236}">
-                <a16:creationId xmlns:a16="http://schemas.microsoft.com/office/drawing/2014/main" id="{906EB2EF-C381-4A66-7C4B-2E03BC0DA954}"/>
-              </a:ext>
-            </a:extLst>
-          </p:cNvPr>
-          <p:cNvSpPr txBox="1"/>
-          <p:nvPr/>
-        </p:nvSpPr>
-        <p:spPr>
-          <a:xfrm>
-            <a:off x="3091134" y="3464547"/>
-            <a:ext cx="760546" cy="400110"/>
-          </a:xfrm>
-          <a:prstGeom prst="rect">
-            <a:avLst/>
-          </a:prstGeom>
-          <a:noFill/>
-        </p:spPr>
-        <p:txBody>
-          <a:bodyPr wrap="square" rtlCol="0">
-            <a:spAutoFit/>
-          </a:bodyPr>
-          <a:lstStyle/>
-          <a:p>
-            <a:r>
-              <a:rPr lang="en-US" altLang="ko-KR" sz="2000" b="1" dirty="0">
-                <a:latin typeface="+mn-ea"/>
-              </a:rPr>
-              <a:t>&gt;&gt;</a:t>
-            </a:r>
-            <a:endParaRPr lang="ko-KR" altLang="en-US" sz="2000" b="1" dirty="0">
-              <a:latin typeface="+mn-ea"/>
-            </a:endParaRPr>
-          </a:p>
-        </p:txBody>
-      </p:sp>
       <p:grpSp>
         <p:nvGrpSpPr>
           <p:cNvPr id="23" name="그룹 22">
@@ -5718,8 +5678,8 @@
         </p:nvGrpSpPr>
         <p:grpSpPr>
           <a:xfrm>
-            <a:off x="993692" y="1763590"/>
-            <a:ext cx="2041451" cy="3508788"/>
+            <a:off x="305597" y="1053470"/>
+            <a:ext cx="2226067" cy="4098184"/>
             <a:chOff x="904240" y="2190972"/>
             <a:chExt cx="2041451" cy="3508788"/>
           </a:xfrm>
@@ -5774,7 +5734,7 @@
             <a:lstStyle/>
             <a:p>
               <a:pPr algn="ctr"/>
-              <a:endParaRPr lang="ko-KR" altLang="en-US"/>
+              <a:endParaRPr lang="ko-KR" altLang="en-US" sz="2000"/>
             </a:p>
           </p:txBody>
         </p:sp>
@@ -5828,7 +5788,7 @@
             <a:lstStyle/>
             <a:p>
               <a:pPr algn="ctr"/>
-              <a:endParaRPr lang="ko-KR" altLang="en-US"/>
+              <a:endParaRPr lang="ko-KR" altLang="en-US" sz="2000"/>
             </a:p>
           </p:txBody>
         </p:sp>
@@ -5846,8 +5806,8 @@
           </p:nvSpPr>
           <p:spPr>
             <a:xfrm>
-              <a:off x="1439991" y="2305945"/>
-              <a:ext cx="938847" cy="369332"/>
+              <a:off x="1464574" y="2305945"/>
+              <a:ext cx="889680" cy="342567"/>
             </a:xfrm>
             <a:prstGeom prst="rect">
               <a:avLst/>
@@ -5862,7 +5822,7 @@
             <a:p>
               <a:pPr algn="ctr"/>
               <a:r>
-                <a:rPr lang="en-US" altLang="ko-KR" dirty="0">
+                <a:rPr lang="en-US" altLang="ko-KR" sz="2000" dirty="0">
                   <a:solidFill>
                     <a:schemeClr val="bg1">
                       <a:lumMod val="95000"/>
@@ -5871,7 +5831,7 @@
                 </a:rPr>
                 <a:t>STEP 1</a:t>
               </a:r>
-              <a:endParaRPr lang="ko-KR" altLang="en-US" dirty="0">
+              <a:endParaRPr lang="ko-KR" altLang="en-US" sz="2000" dirty="0">
                 <a:solidFill>
                   <a:schemeClr val="bg1">
                     <a:lumMod val="95000"/>
@@ -5895,8 +5855,8 @@
           </p:nvSpPr>
           <p:spPr>
             <a:xfrm>
-              <a:off x="1049213" y="3259893"/>
-              <a:ext cx="1682895" cy="1666546"/>
+              <a:off x="1067966" y="3174379"/>
+              <a:ext cx="1682895" cy="1935554"/>
             </a:xfrm>
             <a:prstGeom prst="rect">
               <a:avLst/>
@@ -5915,7 +5875,7 @@
                 </a:lnSpc>
               </a:pPr>
               <a:r>
-                <a:rPr lang="ko-KR" altLang="en-US" sz="1400" b="1" spc="-150" dirty="0">
+                <a:rPr lang="ko-KR" altLang="en-US" sz="1600" b="1" spc="-150" dirty="0">
                   <a:solidFill>
                     <a:schemeClr val="tx1">
                       <a:lumMod val="75000"/>
@@ -5927,7 +5887,7 @@
                 </a:rPr>
                 <a:t>컴퓨터 구조</a:t>
               </a:r>
-              <a:endParaRPr lang="en-US" altLang="ko-KR" sz="1400" b="1" spc="-150" dirty="0">
+              <a:endParaRPr lang="en-US" altLang="ko-KR" sz="1600" b="1" spc="-150" dirty="0">
                 <a:solidFill>
                   <a:schemeClr val="tx1">
                     <a:lumMod val="75000"/>
@@ -5945,7 +5905,7 @@
                 </a:lnSpc>
               </a:pPr>
               <a:r>
-                <a:rPr lang="ko-KR" altLang="en-US" sz="1400" spc="-150" dirty="0">
+                <a:rPr lang="ko-KR" altLang="en-US" sz="1600" spc="-150" dirty="0">
                   <a:solidFill>
                     <a:schemeClr val="tx1">
                       <a:lumMod val="75000"/>
@@ -5958,7 +5918,7 @@
                 <a:t>기계어</a:t>
               </a:r>
               <a:r>
-                <a:rPr lang="en-US" altLang="ko-KR" sz="1400" spc="-150" dirty="0">
+                <a:rPr lang="en-US" altLang="ko-KR" sz="1600" spc="-150" dirty="0">
                   <a:solidFill>
                     <a:schemeClr val="tx1">
                       <a:lumMod val="75000"/>
@@ -5971,7 +5931,7 @@
                 <a:t>(</a:t>
               </a:r>
               <a:r>
-                <a:rPr lang="ko-KR" altLang="en-US" sz="1400" spc="-150" dirty="0">
+                <a:rPr lang="ko-KR" altLang="en-US" sz="1600" spc="-150" dirty="0">
                   <a:solidFill>
                     <a:schemeClr val="tx1">
                       <a:lumMod val="75000"/>
@@ -5984,7 +5944,7 @@
                 <a:t>이진수</a:t>
               </a:r>
               <a:r>
-                <a:rPr lang="en-US" altLang="ko-KR" sz="1400" spc="-150" dirty="0">
+                <a:rPr lang="en-US" altLang="ko-KR" sz="1600" spc="-150" dirty="0">
                   <a:solidFill>
                     <a:schemeClr val="tx1">
                       <a:lumMod val="75000"/>
@@ -6003,7 +5963,7 @@
                   <a:spcPct val="150000"/>
                 </a:lnSpc>
               </a:pPr>
-              <a:endParaRPr lang="en-US" altLang="ko-KR" sz="1400" spc="-150" dirty="0">
+              <a:endParaRPr lang="en-US" altLang="ko-KR" sz="1600" spc="-150" dirty="0">
                 <a:solidFill>
                   <a:schemeClr val="tx1">
                     <a:lumMod val="75000"/>
@@ -6021,7 +5981,7 @@
                 </a:lnSpc>
               </a:pPr>
               <a:r>
-                <a:rPr lang="ko-KR" altLang="en-US" sz="1400" b="1" spc="-150" dirty="0">
+                <a:rPr lang="ko-KR" altLang="en-US" sz="1600" b="1" spc="-150" dirty="0">
                   <a:solidFill>
                     <a:schemeClr val="tx1">
                       <a:lumMod val="75000"/>
@@ -6033,7 +5993,7 @@
                 </a:rPr>
                 <a:t>소프트웨어 작동원리</a:t>
               </a:r>
-              <a:endParaRPr lang="en-US" altLang="ko-KR" sz="1400" b="1" spc="-150" dirty="0">
+              <a:endParaRPr lang="en-US" altLang="ko-KR" sz="1600" b="1" spc="-150" dirty="0">
                 <a:solidFill>
                   <a:schemeClr val="tx1">
                     <a:lumMod val="75000"/>
@@ -6051,7 +6011,7 @@
                 </a:lnSpc>
               </a:pPr>
               <a:r>
-                <a:rPr lang="ko-KR" altLang="en-US" sz="1400" spc="-150" dirty="0">
+                <a:rPr lang="ko-KR" altLang="en-US" sz="1600" spc="-150" dirty="0">
                   <a:solidFill>
                     <a:schemeClr val="tx1">
                       <a:lumMod val="75000"/>
@@ -6064,7 +6024,7 @@
                 <a:t>메모리영역</a:t>
               </a:r>
               <a:r>
-                <a:rPr lang="en-US" altLang="ko-KR" sz="1400" spc="-150" dirty="0">
+                <a:rPr lang="en-US" altLang="ko-KR" sz="1600" spc="-150" dirty="0">
                   <a:solidFill>
                     <a:schemeClr val="tx1">
                       <a:lumMod val="75000"/>
@@ -6077,7 +6037,7 @@
                 <a:t>(</a:t>
               </a:r>
               <a:r>
-                <a:rPr lang="ko-KR" altLang="en-US" sz="1400" spc="-150" dirty="0">
+                <a:rPr lang="ko-KR" altLang="en-US" sz="1600" spc="-150" dirty="0">
                   <a:solidFill>
                     <a:schemeClr val="tx1">
                       <a:lumMod val="75000"/>
@@ -6090,7 +6050,7 @@
                 <a:t>스택</a:t>
               </a:r>
               <a:r>
-                <a:rPr lang="en-US" altLang="ko-KR" sz="1400" spc="-150" dirty="0">
+                <a:rPr lang="en-US" altLang="ko-KR" sz="1600" spc="-150" dirty="0">
                   <a:solidFill>
                     <a:schemeClr val="tx1">
                       <a:lumMod val="75000"/>
@@ -6103,7 +6063,7 @@
                 <a:t>, </a:t>
               </a:r>
               <a:r>
-                <a:rPr lang="ko-KR" altLang="en-US" sz="1400" spc="-150" dirty="0" err="1">
+                <a:rPr lang="ko-KR" altLang="en-US" sz="1600" spc="-150" dirty="0" err="1">
                   <a:solidFill>
                     <a:schemeClr val="tx1">
                       <a:lumMod val="75000"/>
@@ -6116,7 +6076,7 @@
                 <a:t>힙</a:t>
               </a:r>
               <a:r>
-                <a:rPr lang="en-US" altLang="ko-KR" sz="1400" spc="-150" dirty="0">
+                <a:rPr lang="en-US" altLang="ko-KR" sz="1600" spc="-150" dirty="0">
                   <a:solidFill>
                     <a:schemeClr val="tx1">
                       <a:lumMod val="75000"/>
@@ -6128,7 +6088,7 @@
                 </a:rPr>
                 <a:t>)</a:t>
               </a:r>
-              <a:endParaRPr lang="ko-KR" altLang="en-US" sz="1400" spc="-150" dirty="0">
+              <a:endParaRPr lang="ko-KR" altLang="en-US" sz="1600" spc="-150" dirty="0">
                 <a:solidFill>
                   <a:schemeClr val="tx1">
                     <a:lumMod val="75000"/>
@@ -6156,8 +6116,8 @@
         </p:nvGrpSpPr>
         <p:grpSpPr>
           <a:xfrm>
-            <a:off x="3752249" y="1763590"/>
-            <a:ext cx="2041452" cy="3508788"/>
+            <a:off x="3543155" y="1053470"/>
+            <a:ext cx="2226068" cy="4098184"/>
             <a:chOff x="3752249" y="1763590"/>
             <a:chExt cx="2041452" cy="3508788"/>
           </a:xfrm>
@@ -6212,7 +6172,7 @@
             <a:lstStyle/>
             <a:p>
               <a:pPr algn="ctr"/>
-              <a:endParaRPr lang="ko-KR" altLang="en-US"/>
+              <a:endParaRPr lang="ko-KR" altLang="en-US" sz="2000"/>
             </a:p>
           </p:txBody>
         </p:sp>
@@ -6266,7 +6226,7 @@
             <a:lstStyle/>
             <a:p>
               <a:pPr algn="ctr"/>
-              <a:endParaRPr lang="ko-KR" altLang="en-US"/>
+              <a:endParaRPr lang="ko-KR" altLang="en-US" sz="2000"/>
             </a:p>
           </p:txBody>
         </p:sp>
@@ -6284,8 +6244,8 @@
           </p:nvSpPr>
           <p:spPr>
             <a:xfrm>
-              <a:off x="4311244" y="1878563"/>
-              <a:ext cx="938847" cy="369332"/>
+              <a:off x="4335827" y="1878563"/>
+              <a:ext cx="889680" cy="342567"/>
             </a:xfrm>
             <a:prstGeom prst="rect">
               <a:avLst/>
@@ -6300,7 +6260,7 @@
             <a:p>
               <a:pPr algn="ctr"/>
               <a:r>
-                <a:rPr lang="en-US" altLang="ko-KR" dirty="0">
+                <a:rPr lang="en-US" altLang="ko-KR" sz="2000" dirty="0">
                   <a:solidFill>
                     <a:schemeClr val="bg1">
                       <a:lumMod val="95000"/>
@@ -6309,7 +6269,7 @@
                 </a:rPr>
                 <a:t>STEP 2</a:t>
               </a:r>
-              <a:endParaRPr lang="ko-KR" altLang="en-US" dirty="0">
+              <a:endParaRPr lang="ko-KR" altLang="en-US" sz="2000" dirty="0">
                 <a:solidFill>
                   <a:schemeClr val="bg1">
                     <a:lumMod val="95000"/>
@@ -6353,7 +6313,7 @@
                 </a:lnSpc>
               </a:pPr>
               <a:r>
-                <a:rPr lang="ko-KR" altLang="en-US" sz="1400" b="1" spc="-150" dirty="0">
+                <a:rPr lang="ko-KR" altLang="en-US" sz="1600" b="1" spc="-150" dirty="0">
                   <a:solidFill>
                     <a:schemeClr val="tx1">
                       <a:lumMod val="75000"/>
@@ -6365,7 +6325,7 @@
                 </a:rPr>
                 <a:t>프로그래밍 언어</a:t>
               </a:r>
-              <a:endParaRPr lang="en-US" altLang="ko-KR" sz="1400" b="1" spc="-150" dirty="0">
+              <a:endParaRPr lang="en-US" altLang="ko-KR" sz="1600" b="1" spc="-150" dirty="0">
                 <a:solidFill>
                   <a:schemeClr val="tx1">
                     <a:lumMod val="75000"/>
@@ -6382,7 +6342,7 @@
                   <a:spcPct val="120000"/>
                 </a:lnSpc>
               </a:pPr>
-              <a:endParaRPr lang="en-US" altLang="ko-KR" sz="1400" spc="-150" dirty="0">
+              <a:endParaRPr lang="en-US" altLang="ko-KR" sz="1600" spc="-150" dirty="0">
                 <a:solidFill>
                   <a:schemeClr val="tx1">
                     <a:lumMod val="75000"/>
@@ -6400,7 +6360,7 @@
                 </a:lnSpc>
               </a:pPr>
               <a:r>
-                <a:rPr lang="en-US" altLang="ko-KR" sz="1400" spc="-150" dirty="0">
+                <a:rPr lang="en-US" altLang="ko-KR" sz="1600" spc="-150" dirty="0">
                   <a:solidFill>
                     <a:schemeClr val="tx1">
                       <a:lumMod val="75000"/>
@@ -6420,7 +6380,7 @@
                 </a:lnSpc>
               </a:pPr>
               <a:r>
-                <a:rPr lang="en-US" altLang="ko-KR" sz="1400" spc="-150" dirty="0">
+                <a:rPr lang="en-US" altLang="ko-KR" sz="1600" spc="-150" dirty="0">
                   <a:solidFill>
                     <a:schemeClr val="tx1">
                       <a:lumMod val="75000"/>
@@ -6440,7 +6400,7 @@
                 </a:lnSpc>
               </a:pPr>
               <a:r>
-                <a:rPr lang="en-US" altLang="ko-KR" sz="1400" spc="-150" dirty="0">
+                <a:rPr lang="en-US" altLang="ko-KR" sz="1600" spc="-150" dirty="0">
                   <a:solidFill>
                     <a:schemeClr val="tx1">
                       <a:lumMod val="75000"/>
@@ -6453,7 +6413,7 @@
                 <a:t>Adobe </a:t>
               </a:r>
               <a:r>
-                <a:rPr lang="ko-KR" altLang="en-US" sz="1400" spc="-150" dirty="0">
+                <a:rPr lang="ko-KR" altLang="en-US" sz="1600" spc="-150" dirty="0">
                   <a:solidFill>
                     <a:schemeClr val="tx1">
                       <a:lumMod val="75000"/>
@@ -6465,7 +6425,7 @@
                 </a:rPr>
                 <a:t>포토샵</a:t>
               </a:r>
-              <a:endParaRPr lang="en-US" altLang="ko-KR" sz="1400" spc="-150" dirty="0">
+              <a:endParaRPr lang="en-US" altLang="ko-KR" sz="1600" spc="-150" dirty="0">
                 <a:solidFill>
                   <a:schemeClr val="tx1">
                     <a:lumMod val="75000"/>
@@ -6483,7 +6443,7 @@
                 </a:lnSpc>
               </a:pPr>
               <a:r>
-                <a:rPr lang="en-US" altLang="ko-KR" sz="1400" spc="-150" dirty="0">
+                <a:rPr lang="en-US" altLang="ko-KR" sz="1600" spc="-150" dirty="0">
                   <a:solidFill>
                     <a:schemeClr val="tx1">
                       <a:lumMod val="75000"/>
@@ -6503,7 +6463,7 @@
                 </a:lnSpc>
               </a:pPr>
               <a:r>
-                <a:rPr lang="en-US" altLang="ko-KR" sz="1400" spc="-150" dirty="0">
+                <a:rPr lang="en-US" altLang="ko-KR" sz="1600" spc="-150" dirty="0">
                   <a:solidFill>
                     <a:schemeClr val="tx1">
                       <a:lumMod val="75000"/>
@@ -6523,7 +6483,7 @@
                 </a:lnSpc>
               </a:pPr>
               <a:r>
-                <a:rPr lang="en-US" altLang="ko-KR" sz="1400" spc="-150" dirty="0">
+                <a:rPr lang="en-US" altLang="ko-KR" sz="1600" spc="-150" dirty="0">
                   <a:solidFill>
                     <a:schemeClr val="tx1">
                       <a:lumMod val="75000"/>
@@ -6535,7 +6495,7 @@
                 </a:rPr>
                 <a:t>C++, C#</a:t>
               </a:r>
-              <a:endParaRPr lang="ko-KR" altLang="en-US" sz="1400" spc="-150" dirty="0">
+              <a:endParaRPr lang="ko-KR" altLang="en-US" sz="1600" spc="-150" dirty="0">
                 <a:solidFill>
                   <a:schemeClr val="tx1">
                     <a:lumMod val="75000"/>
@@ -6563,8 +6523,8 @@
         </p:nvGrpSpPr>
         <p:grpSpPr>
           <a:xfrm>
-            <a:off x="6510806" y="1763590"/>
-            <a:ext cx="2041453" cy="3508788"/>
+            <a:off x="6780715" y="1053470"/>
+            <a:ext cx="2226068" cy="4098185"/>
             <a:chOff x="6510806" y="1763590"/>
             <a:chExt cx="2041453" cy="3508788"/>
           </a:xfrm>
@@ -6619,7 +6579,7 @@
             <a:lstStyle/>
             <a:p>
               <a:pPr algn="ctr"/>
-              <a:endParaRPr lang="ko-KR" altLang="en-US"/>
+              <a:endParaRPr lang="ko-KR" altLang="en-US" sz="2000"/>
             </a:p>
           </p:txBody>
         </p:sp>
@@ -6673,7 +6633,7 @@
             <a:lstStyle/>
             <a:p>
               <a:pPr algn="ctr"/>
-              <a:endParaRPr lang="ko-KR" altLang="en-US"/>
+              <a:endParaRPr lang="ko-KR" altLang="en-US" sz="2000"/>
             </a:p>
           </p:txBody>
         </p:sp>
@@ -6691,8 +6651,8 @@
           </p:nvSpPr>
           <p:spPr>
             <a:xfrm>
-              <a:off x="7070602" y="1878563"/>
-              <a:ext cx="938847" cy="369332"/>
+              <a:off x="7095185" y="1878563"/>
+              <a:ext cx="889680" cy="342567"/>
             </a:xfrm>
             <a:prstGeom prst="rect">
               <a:avLst/>
@@ -6707,7 +6667,7 @@
             <a:p>
               <a:pPr algn="ctr"/>
               <a:r>
-                <a:rPr lang="en-US" altLang="ko-KR" dirty="0">
+                <a:rPr lang="en-US" altLang="ko-KR" sz="2000" dirty="0">
                   <a:solidFill>
                     <a:schemeClr val="bg1">
                       <a:lumMod val="95000"/>
@@ -6716,7 +6676,7 @@
                 </a:rPr>
                 <a:t>STEP 3</a:t>
               </a:r>
-              <a:endParaRPr lang="ko-KR" altLang="en-US" dirty="0">
+              <a:endParaRPr lang="ko-KR" altLang="en-US" sz="2000" dirty="0">
                 <a:solidFill>
                   <a:schemeClr val="bg1">
                     <a:lumMod val="95000"/>
@@ -6760,7 +6720,7 @@
                 </a:lnSpc>
               </a:pPr>
               <a:r>
-                <a:rPr lang="ko-KR" altLang="en-US" sz="1400" b="1" spc="-150" dirty="0">
+                <a:rPr lang="ko-KR" altLang="en-US" sz="1600" b="1" spc="-150" dirty="0">
                   <a:solidFill>
                     <a:schemeClr val="tx1">
                       <a:lumMod val="75000"/>
@@ -6772,7 +6732,7 @@
                 </a:rPr>
                 <a:t>알고리즘 이해</a:t>
               </a:r>
-              <a:endParaRPr lang="en-US" altLang="ko-KR" sz="1400" b="1" spc="-150" dirty="0">
+              <a:endParaRPr lang="en-US" altLang="ko-KR" sz="1600" b="1" spc="-150" dirty="0">
                 <a:solidFill>
                   <a:schemeClr val="tx1">
                     <a:lumMod val="75000"/>
@@ -6789,7 +6749,7 @@
                   <a:spcPct val="120000"/>
                 </a:lnSpc>
               </a:pPr>
-              <a:endParaRPr lang="en-US" altLang="ko-KR" sz="1400" b="1" spc="-150" dirty="0">
+              <a:endParaRPr lang="en-US" altLang="ko-KR" sz="1600" b="1" spc="-150" dirty="0">
                 <a:solidFill>
                   <a:schemeClr val="tx1">
                     <a:lumMod val="75000"/>
@@ -6807,7 +6767,7 @@
                 </a:lnSpc>
               </a:pPr>
               <a:r>
-                <a:rPr lang="ko-KR" altLang="en-US" sz="1400" dirty="0">
+                <a:rPr lang="ko-KR" altLang="en-US" sz="1600" dirty="0">
                   <a:solidFill>
                     <a:schemeClr val="tx1">
                       <a:lumMod val="75000"/>
@@ -6819,7 +6779,7 @@
                 </a:rPr>
                 <a:t>문제 파악 및 </a:t>
               </a:r>
-              <a:endParaRPr lang="en-US" altLang="ko-KR" sz="1400" dirty="0">
+              <a:endParaRPr lang="en-US" altLang="ko-KR" sz="1600" dirty="0">
                 <a:solidFill>
                   <a:schemeClr val="tx1">
                     <a:lumMod val="75000"/>
@@ -6837,7 +6797,7 @@
                 </a:lnSpc>
               </a:pPr>
               <a:r>
-                <a:rPr lang="ko-KR" altLang="en-US" sz="1400" dirty="0">
+                <a:rPr lang="ko-KR" altLang="en-US" sz="1600" dirty="0">
                   <a:solidFill>
                     <a:schemeClr val="tx1">
                       <a:lumMod val="75000"/>
@@ -6849,7 +6809,7 @@
                 </a:rPr>
                 <a:t>개발 구현</a:t>
               </a:r>
-              <a:endParaRPr lang="en-US" altLang="ko-KR" sz="1400" dirty="0">
+              <a:endParaRPr lang="en-US" altLang="ko-KR" sz="1600" dirty="0">
                 <a:solidFill>
                   <a:schemeClr val="tx1">
                     <a:lumMod val="75000"/>
@@ -6877,8 +6837,8 @@
         </p:nvGrpSpPr>
         <p:grpSpPr>
           <a:xfrm>
-            <a:off x="9269363" y="1763590"/>
-            <a:ext cx="2041455" cy="3508788"/>
+            <a:off x="9746019" y="1053470"/>
+            <a:ext cx="2226066" cy="4098185"/>
             <a:chOff x="9269363" y="1763590"/>
             <a:chExt cx="2041455" cy="3508788"/>
           </a:xfrm>
@@ -7005,8 +6965,8 @@
           </p:nvSpPr>
           <p:spPr>
             <a:xfrm>
-              <a:off x="9820931" y="1878563"/>
-              <a:ext cx="938847" cy="369332"/>
+              <a:off x="9805086" y="1878563"/>
+              <a:ext cx="970536" cy="395269"/>
             </a:xfrm>
             <a:prstGeom prst="rect">
               <a:avLst/>
@@ -7021,6 +6981,16 @@
             <a:p>
               <a:pPr algn="ctr"/>
               <a:r>
+                <a:rPr lang="en-US" altLang="ko-KR" sz="2400" dirty="0">
+                  <a:solidFill>
+                    <a:schemeClr val="bg1">
+                      <a:lumMod val="95000"/>
+                    </a:schemeClr>
+                  </a:solidFill>
+                </a:rPr>
+                <a:t>STEP</a:t>
+              </a:r>
+              <a:r>
                 <a:rPr lang="en-US" altLang="ko-KR" dirty="0">
                   <a:solidFill>
                     <a:schemeClr val="bg1">
@@ -7028,7 +6998,7 @@
                     </a:schemeClr>
                   </a:solidFill>
                 </a:rPr>
-                <a:t>STEP 4</a:t>
+                <a:t> 4</a:t>
               </a:r>
               <a:endParaRPr lang="ko-KR" altLang="en-US" dirty="0">
                 <a:solidFill>
@@ -7055,7 +7025,7 @@
           <p:spPr>
             <a:xfrm>
               <a:off x="9448640" y="3000272"/>
-              <a:ext cx="1682895" cy="1359539"/>
+              <a:ext cx="1682895" cy="1571907"/>
             </a:xfrm>
             <a:prstGeom prst="rect">
               <a:avLst/>
@@ -7074,7 +7044,7 @@
                 </a:lnSpc>
               </a:pPr>
               <a:r>
-                <a:rPr lang="ko-KR" altLang="en-US" sz="1400" b="1" spc="-150" dirty="0">
+                <a:rPr lang="ko-KR" altLang="en-US" sz="1600" b="1" spc="-150" dirty="0">
                   <a:solidFill>
                     <a:schemeClr val="tx1">
                       <a:lumMod val="75000"/>
@@ -7086,7 +7056,7 @@
                 </a:rPr>
                 <a:t>프로젝트 개발</a:t>
               </a:r>
-              <a:endParaRPr lang="en-US" altLang="ko-KR" sz="1400" b="1" spc="-150" dirty="0">
+              <a:endParaRPr lang="en-US" altLang="ko-KR" sz="1600" b="1" spc="-150" dirty="0">
                 <a:solidFill>
                   <a:schemeClr val="tx1">
                     <a:lumMod val="75000"/>
@@ -7103,7 +7073,7 @@
                   <a:spcPct val="120000"/>
                 </a:lnSpc>
               </a:pPr>
-              <a:endParaRPr lang="en-US" altLang="ko-KR" sz="1400" b="1" spc="-150" dirty="0">
+              <a:endParaRPr lang="en-US" altLang="ko-KR" sz="1600" b="1" spc="-150" dirty="0">
                 <a:solidFill>
                   <a:schemeClr val="tx1">
                     <a:lumMod val="75000"/>
@@ -7121,7 +7091,7 @@
                 </a:lnSpc>
               </a:pPr>
               <a:r>
-                <a:rPr lang="ko-KR" altLang="en-US" sz="1400" dirty="0">
+                <a:rPr lang="ko-KR" altLang="en-US" sz="1600" dirty="0">
                   <a:solidFill>
                     <a:schemeClr val="tx1">
                       <a:lumMod val="75000"/>
@@ -7133,7 +7103,7 @@
                 </a:rPr>
                 <a:t>웹 페이지</a:t>
               </a:r>
-              <a:endParaRPr lang="en-US" altLang="ko-KR" sz="1400" dirty="0">
+              <a:endParaRPr lang="en-US" altLang="ko-KR" sz="1600" dirty="0">
                 <a:solidFill>
                   <a:schemeClr val="tx1">
                     <a:lumMod val="75000"/>
@@ -7151,7 +7121,7 @@
                 </a:lnSpc>
               </a:pPr>
               <a:r>
-                <a:rPr lang="ko-KR" altLang="en-US" sz="1400" dirty="0">
+                <a:rPr lang="ko-KR" altLang="en-US" sz="1600" dirty="0">
                   <a:solidFill>
                     <a:schemeClr val="tx1">
                       <a:lumMod val="75000"/>
@@ -7163,7 +7133,7 @@
                 </a:rPr>
                 <a:t>데이터베이스 구축</a:t>
               </a:r>
-              <a:endParaRPr lang="en-US" altLang="ko-KR" sz="1400" dirty="0">
+              <a:endParaRPr lang="en-US" altLang="ko-KR" sz="1600" dirty="0">
                 <a:solidFill>
                   <a:schemeClr val="tx1">
                     <a:lumMod val="75000"/>
@@ -7181,7 +7151,7 @@
                 </a:lnSpc>
               </a:pPr>
               <a:r>
-                <a:rPr lang="ko-KR" altLang="en-US" sz="1400" dirty="0">
+                <a:rPr lang="ko-KR" altLang="en-US" sz="1600" dirty="0">
                   <a:solidFill>
                     <a:schemeClr val="tx1">
                       <a:lumMod val="75000"/>
@@ -7194,7 +7164,7 @@
                 <a:t>게임 등</a:t>
               </a:r>
               <a:r>
-                <a:rPr lang="en-US" altLang="ko-KR" sz="1400" dirty="0">
+                <a:rPr lang="en-US" altLang="ko-KR" sz="1600" dirty="0">
                   <a:solidFill>
                     <a:schemeClr val="tx1">
                       <a:lumMod val="75000"/>
@@ -7224,8 +7194,8 @@
         </p:nvSpPr>
         <p:spPr>
           <a:xfrm>
-            <a:off x="5881240" y="3464547"/>
-            <a:ext cx="760546" cy="400110"/>
+            <a:off x="5895368" y="2840953"/>
+            <a:ext cx="888300" cy="523220"/>
           </a:xfrm>
           <a:prstGeom prst="rect">
             <a:avLst/>
@@ -7239,12 +7209,12 @@
           <a:lstStyle/>
           <a:p>
             <a:r>
-              <a:rPr lang="en-US" altLang="ko-KR" sz="2000" b="1" dirty="0">
+              <a:rPr lang="en-US" altLang="ko-KR" sz="2800" b="1" dirty="0">
                 <a:latin typeface="+mn-ea"/>
               </a:rPr>
               <a:t>&gt;&gt;</a:t>
             </a:r>
-            <a:endParaRPr lang="ko-KR" altLang="en-US" sz="2000" b="1" dirty="0">
+            <a:endParaRPr lang="ko-KR" altLang="en-US" sz="2800" b="1" dirty="0">
               <a:latin typeface="+mn-ea"/>
             </a:endParaRPr>
           </a:p>
@@ -7264,8 +7234,8 @@
         </p:nvSpPr>
         <p:spPr>
           <a:xfrm>
-            <a:off x="8648336" y="3436956"/>
-            <a:ext cx="760546" cy="400110"/>
+            <a:off x="9006787" y="2840953"/>
+            <a:ext cx="888300" cy="523220"/>
           </a:xfrm>
           <a:prstGeom prst="rect">
             <a:avLst/>
@@ -7279,12 +7249,52 @@
           <a:lstStyle/>
           <a:p>
             <a:r>
-              <a:rPr lang="en-US" altLang="ko-KR" sz="2000" b="1" dirty="0">
+              <a:rPr lang="en-US" altLang="ko-KR" sz="2800" b="1" dirty="0">
                 <a:latin typeface="+mn-ea"/>
               </a:rPr>
               <a:t>&gt;&gt;</a:t>
             </a:r>
-            <a:endParaRPr lang="ko-KR" altLang="en-US" sz="2000" b="1" dirty="0">
+            <a:endParaRPr lang="ko-KR" altLang="en-US" sz="2800" b="1" dirty="0">
+              <a:latin typeface="+mn-ea"/>
+            </a:endParaRPr>
+          </a:p>
+        </p:txBody>
+      </p:sp>
+      <p:sp>
+        <p:nvSpPr>
+          <p:cNvPr id="9" name="TextBox 8">
+            <a:extLst>
+              <a:ext uri="{FF2B5EF4-FFF2-40B4-BE49-F238E27FC236}">
+                <a16:creationId xmlns:a16="http://schemas.microsoft.com/office/drawing/2014/main" id="{906EB2EF-C381-4A66-7C4B-2E03BC0DA954}"/>
+              </a:ext>
+            </a:extLst>
+          </p:cNvPr>
+          <p:cNvSpPr txBox="1"/>
+          <p:nvPr/>
+        </p:nvSpPr>
+        <p:spPr>
+          <a:xfrm>
+            <a:off x="2689747" y="2840953"/>
+            <a:ext cx="888300" cy="523220"/>
+          </a:xfrm>
+          <a:prstGeom prst="rect">
+            <a:avLst/>
+          </a:prstGeom>
+          <a:noFill/>
+        </p:spPr>
+        <p:txBody>
+          <a:bodyPr wrap="square" rtlCol="0">
+            <a:spAutoFit/>
+          </a:bodyPr>
+          <a:lstStyle/>
+          <a:p>
+            <a:r>
+              <a:rPr lang="en-US" altLang="ko-KR" sz="2800" b="1" dirty="0">
+                <a:latin typeface="+mn-ea"/>
+              </a:rPr>
+              <a:t>&gt;&gt;</a:t>
+            </a:r>
+            <a:endParaRPr lang="ko-KR" altLang="en-US" sz="2800" b="1" dirty="0">
               <a:latin typeface="+mn-ea"/>
             </a:endParaRPr>
           </a:p>
@@ -8442,9 +8452,9 @@
       </p:par>
     </p:tnLst>
     <p:bldLst>
-      <p:bldP spid="9" grpId="0"/>
       <p:bldP spid="25" grpId="0"/>
       <p:bldP spid="26" grpId="0"/>
+      <p:bldP spid="9" grpId="0"/>
     </p:bldLst>
   </p:timing>
 </p:sld>

--- a/etc/대외활동/2022 부천미래교육센터 멘토링.pptx
+++ b/etc/대외활동/2022 부천미래교육센터 멘토링.pptx
@@ -378,7 +378,7 @@
           <a:p>
             <a:fld id="{9D178838-41E0-4F4E-980F-97714EC573DD}" type="datetimeFigureOut">
               <a:rPr lang="ko-KR" altLang="en-US" smtClean="0"/>
-              <a:t>2022-07-27</a:t>
+              <a:t>2022-09-13</a:t>
             </a:fld>
             <a:endParaRPr lang="ko-KR" altLang="en-US" dirty="0"/>
           </a:p>
@@ -612,7 +612,7 @@
           <a:p>
             <a:fld id="{9D178838-41E0-4F4E-980F-97714EC573DD}" type="datetimeFigureOut">
               <a:rPr lang="ko-KR" altLang="en-US" smtClean="0"/>
-              <a:t>2022-07-27</a:t>
+              <a:t>2022-09-13</a:t>
             </a:fld>
             <a:endParaRPr lang="ko-KR" altLang="en-US"/>
           </a:p>
@@ -820,7 +820,7 @@
           <a:p>
             <a:fld id="{9D178838-41E0-4F4E-980F-97714EC573DD}" type="datetimeFigureOut">
               <a:rPr lang="ko-KR" altLang="en-US" smtClean="0"/>
-              <a:t>2022-07-27</a:t>
+              <a:t>2022-09-13</a:t>
             </a:fld>
             <a:endParaRPr lang="ko-KR" altLang="en-US"/>
           </a:p>
@@ -1018,7 +1018,7 @@
           <a:p>
             <a:fld id="{9D178838-41E0-4F4E-980F-97714EC573DD}" type="datetimeFigureOut">
               <a:rPr lang="ko-KR" altLang="en-US" smtClean="0"/>
-              <a:t>2022-07-27</a:t>
+              <a:t>2022-09-13</a:t>
             </a:fld>
             <a:endParaRPr lang="ko-KR" altLang="en-US"/>
           </a:p>
@@ -1329,7 +1329,7 @@
           <a:p>
             <a:fld id="{9D178838-41E0-4F4E-980F-97714EC573DD}" type="datetimeFigureOut">
               <a:rPr lang="ko-KR" altLang="en-US" smtClean="0"/>
-              <a:t>2022-07-27</a:t>
+              <a:t>2022-09-13</a:t>
             </a:fld>
             <a:endParaRPr lang="ko-KR" altLang="en-US"/>
           </a:p>
@@ -1594,7 +1594,7 @@
           <a:p>
             <a:fld id="{9D178838-41E0-4F4E-980F-97714EC573DD}" type="datetimeFigureOut">
               <a:rPr lang="ko-KR" altLang="en-US" smtClean="0"/>
-              <a:t>2022-07-27</a:t>
+              <a:t>2022-09-13</a:t>
             </a:fld>
             <a:endParaRPr lang="ko-KR" altLang="en-US"/>
           </a:p>
@@ -2006,7 +2006,7 @@
           <a:p>
             <a:fld id="{9D178838-41E0-4F4E-980F-97714EC573DD}" type="datetimeFigureOut">
               <a:rPr lang="ko-KR" altLang="en-US" smtClean="0"/>
-              <a:t>2022-07-27</a:t>
+              <a:t>2022-09-13</a:t>
             </a:fld>
             <a:endParaRPr lang="ko-KR" altLang="en-US"/>
           </a:p>
@@ -2147,7 +2147,7 @@
           <a:p>
             <a:fld id="{9D178838-41E0-4F4E-980F-97714EC573DD}" type="datetimeFigureOut">
               <a:rPr lang="ko-KR" altLang="en-US" smtClean="0"/>
-              <a:t>2022-07-27</a:t>
+              <a:t>2022-09-13</a:t>
             </a:fld>
             <a:endParaRPr lang="ko-KR" altLang="en-US"/>
           </a:p>
@@ -2260,7 +2260,7 @@
           <a:p>
             <a:fld id="{9D178838-41E0-4F4E-980F-97714EC573DD}" type="datetimeFigureOut">
               <a:rPr lang="ko-KR" altLang="en-US" smtClean="0"/>
-              <a:t>2022-07-27</a:t>
+              <a:t>2022-09-13</a:t>
             </a:fld>
             <a:endParaRPr lang="ko-KR" altLang="en-US"/>
           </a:p>
@@ -2571,7 +2571,7 @@
           <a:p>
             <a:fld id="{9D178838-41E0-4F4E-980F-97714EC573DD}" type="datetimeFigureOut">
               <a:rPr lang="ko-KR" altLang="en-US" smtClean="0"/>
-              <a:t>2022-07-27</a:t>
+              <a:t>2022-09-13</a:t>
             </a:fld>
             <a:endParaRPr lang="ko-KR" altLang="en-US"/>
           </a:p>
@@ -2859,7 +2859,7 @@
           <a:p>
             <a:fld id="{9D178838-41E0-4F4E-980F-97714EC573DD}" type="datetimeFigureOut">
               <a:rPr lang="ko-KR" altLang="en-US" smtClean="0"/>
-              <a:t>2022-07-27</a:t>
+              <a:t>2022-09-13</a:t>
             </a:fld>
             <a:endParaRPr lang="ko-KR" altLang="en-US"/>
           </a:p>
@@ -3100,7 +3100,7 @@
           <a:p>
             <a:fld id="{9D178838-41E0-4F4E-980F-97714EC573DD}" type="datetimeFigureOut">
               <a:rPr lang="ko-KR" altLang="en-US" smtClean="0"/>
-              <a:t>2022-07-27</a:t>
+              <a:t>2022-09-13</a:t>
             </a:fld>
             <a:endParaRPr lang="ko-KR" altLang="en-US"/>
           </a:p>
@@ -15531,6 +15531,161 @@
           <a:chExt cx="0" cy="0"/>
         </a:xfrm>
       </p:grpSpPr>
+      <p:sp>
+        <p:nvSpPr>
+          <p:cNvPr id="8" name="Rectangle 7">
+            <a:extLst>
+              <a:ext uri="{FF2B5EF4-FFF2-40B4-BE49-F238E27FC236}">
+                <a16:creationId xmlns:a16="http://schemas.microsoft.com/office/drawing/2014/main" id="{42A4FC2C-047E-45A5-965D-8E1E3BF09BC6}"/>
+              </a:ext>
+              <a:ext uri="{C183D7F6-B498-43B3-948B-1728B52AA6E4}">
+                <adec:decorative xmlns:adec="http://schemas.microsoft.com/office/drawing/2017/decorative" val="1"/>
+              </a:ext>
+            </a:extLst>
+          </p:cNvPr>
+          <p:cNvSpPr>
+            <a:spLocks noGrp="1" noRot="1" noChangeAspect="1" noMove="1" noResize="1" noEditPoints="1" noAdjustHandles="1" noChangeArrowheads="1" noChangeShapeType="1" noTextEdit="1"/>
+          </p:cNvSpPr>
+          <p:nvPr>
+            <p:extLst>
+              <p:ext uri="{386F3935-93C4-4BCD-93E2-E3B085C9AB24}">
+                <p16:designElem xmlns:p16="http://schemas.microsoft.com/office/powerpoint/2015/main" val="1"/>
+              </p:ext>
+            </p:extLst>
+          </p:nvPr>
+        </p:nvSpPr>
+        <p:spPr bwMode="white">
+          <a:xfrm>
+            <a:off x="1524" y="0"/>
+            <a:ext cx="12188952" cy="6858000"/>
+          </a:xfrm>
+          <a:prstGeom prst="rect">
+            <a:avLst/>
+          </a:prstGeom>
+          <a:noFill/>
+          <a:ln>
+            <a:noFill/>
+          </a:ln>
+        </p:spPr>
+        <p:style>
+          <a:lnRef idx="2">
+            <a:schemeClr val="accent1">
+              <a:shade val="50000"/>
+            </a:schemeClr>
+          </a:lnRef>
+          <a:fillRef idx="1">
+            <a:schemeClr val="accent1"/>
+          </a:fillRef>
+          <a:effectRef idx="0">
+            <a:schemeClr val="accent1"/>
+          </a:effectRef>
+          <a:fontRef idx="minor">
+            <a:schemeClr val="lt1"/>
+          </a:fontRef>
+        </p:style>
+        <p:txBody>
+          <a:bodyPr rtlCol="0" anchor="ctr"/>
+          <a:lstStyle>
+            <a:defPPr>
+              <a:defRPr lang="en-US"/>
+            </a:defPPr>
+            <a:lvl1pPr marL="0" algn="l" defTabSz="914400" rtl="0" eaLnBrk="1" latinLnBrk="0" hangingPunct="1">
+              <a:defRPr sz="1800" kern="1200">
+                <a:solidFill>
+                  <a:schemeClr val="lt1"/>
+                </a:solidFill>
+                <a:latin typeface="+mn-lt"/>
+                <a:ea typeface="+mn-ea"/>
+                <a:cs typeface="+mn-cs"/>
+              </a:defRPr>
+            </a:lvl1pPr>
+            <a:lvl2pPr marL="457200" algn="l" defTabSz="914400" rtl="0" eaLnBrk="1" latinLnBrk="0" hangingPunct="1">
+              <a:defRPr sz="1800" kern="1200">
+                <a:solidFill>
+                  <a:schemeClr val="lt1"/>
+                </a:solidFill>
+                <a:latin typeface="+mn-lt"/>
+                <a:ea typeface="+mn-ea"/>
+                <a:cs typeface="+mn-cs"/>
+              </a:defRPr>
+            </a:lvl2pPr>
+            <a:lvl3pPr marL="914400" algn="l" defTabSz="914400" rtl="0" eaLnBrk="1" latinLnBrk="0" hangingPunct="1">
+              <a:defRPr sz="1800" kern="1200">
+                <a:solidFill>
+                  <a:schemeClr val="lt1"/>
+                </a:solidFill>
+                <a:latin typeface="+mn-lt"/>
+                <a:ea typeface="+mn-ea"/>
+                <a:cs typeface="+mn-cs"/>
+              </a:defRPr>
+            </a:lvl3pPr>
+            <a:lvl4pPr marL="1371600" algn="l" defTabSz="914400" rtl="0" eaLnBrk="1" latinLnBrk="0" hangingPunct="1">
+              <a:defRPr sz="1800" kern="1200">
+                <a:solidFill>
+                  <a:schemeClr val="lt1"/>
+                </a:solidFill>
+                <a:latin typeface="+mn-lt"/>
+                <a:ea typeface="+mn-ea"/>
+                <a:cs typeface="+mn-cs"/>
+              </a:defRPr>
+            </a:lvl4pPr>
+            <a:lvl5pPr marL="1828800" algn="l" defTabSz="914400" rtl="0" eaLnBrk="1" latinLnBrk="0" hangingPunct="1">
+              <a:defRPr sz="1800" kern="1200">
+                <a:solidFill>
+                  <a:schemeClr val="lt1"/>
+                </a:solidFill>
+                <a:latin typeface="+mn-lt"/>
+                <a:ea typeface="+mn-ea"/>
+                <a:cs typeface="+mn-cs"/>
+              </a:defRPr>
+            </a:lvl5pPr>
+            <a:lvl6pPr marL="2286000" algn="l" defTabSz="914400" rtl="0" eaLnBrk="1" latinLnBrk="0" hangingPunct="1">
+              <a:defRPr sz="1800" kern="1200">
+                <a:solidFill>
+                  <a:schemeClr val="lt1"/>
+                </a:solidFill>
+                <a:latin typeface="+mn-lt"/>
+                <a:ea typeface="+mn-ea"/>
+                <a:cs typeface="+mn-cs"/>
+              </a:defRPr>
+            </a:lvl6pPr>
+            <a:lvl7pPr marL="2743200" algn="l" defTabSz="914400" rtl="0" eaLnBrk="1" latinLnBrk="0" hangingPunct="1">
+              <a:defRPr sz="1800" kern="1200">
+                <a:solidFill>
+                  <a:schemeClr val="lt1"/>
+                </a:solidFill>
+                <a:latin typeface="+mn-lt"/>
+                <a:ea typeface="+mn-ea"/>
+                <a:cs typeface="+mn-cs"/>
+              </a:defRPr>
+            </a:lvl7pPr>
+            <a:lvl8pPr marL="3200400" algn="l" defTabSz="914400" rtl="0" eaLnBrk="1" latinLnBrk="0" hangingPunct="1">
+              <a:defRPr sz="1800" kern="1200">
+                <a:solidFill>
+                  <a:schemeClr val="lt1"/>
+                </a:solidFill>
+                <a:latin typeface="+mn-lt"/>
+                <a:ea typeface="+mn-ea"/>
+                <a:cs typeface="+mn-cs"/>
+              </a:defRPr>
+            </a:lvl8pPr>
+            <a:lvl9pPr marL="3657600" algn="l" defTabSz="914400" rtl="0" eaLnBrk="1" latinLnBrk="0" hangingPunct="1">
+              <a:defRPr sz="1800" kern="1200">
+                <a:solidFill>
+                  <a:schemeClr val="lt1"/>
+                </a:solidFill>
+                <a:latin typeface="+mn-lt"/>
+                <a:ea typeface="+mn-ea"/>
+                <a:cs typeface="+mn-cs"/>
+              </a:defRPr>
+            </a:lvl9pPr>
+          </a:lstStyle>
+          <a:p>
+            <a:pPr algn="ctr"/>
+            <a:endParaRPr lang="en-US"/>
+          </a:p>
+        </p:txBody>
+      </p:sp>
       <p:pic>
         <p:nvPicPr>
           <p:cNvPr id="3" name="그림 2">
@@ -15545,7 +15700,7 @@
           </p:cNvPicPr>
           <p:nvPr/>
         </p:nvPicPr>
-        <p:blipFill>
+        <p:blipFill rotWithShape="1">
           <a:blip r:embed="rId2">
             <a:extLst>
               <a:ext uri="{28A0092B-C50C-407E-A947-70E740481C1C}">
@@ -15553,14 +15708,13 @@
               </a:ext>
             </a:extLst>
           </a:blip>
-          <a:stretch>
-            <a:fillRect/>
-          </a:stretch>
+          <a:srcRect t="9291"/>
+          <a:stretch/>
         </p:blipFill>
         <p:spPr>
           <a:xfrm>
-            <a:off x="1124267" y="345795"/>
-            <a:ext cx="9943465" cy="6166410"/>
+            <a:off x="20" y="1282"/>
+            <a:ext cx="12191980" cy="6856718"/>
           </a:xfrm>
           <a:prstGeom prst="rect">
             <a:avLst/>
@@ -15989,8 +16143,8 @@
         </p:nvSpPr>
         <p:spPr>
           <a:xfrm>
-            <a:off x="10525760" y="6596390"/>
-            <a:ext cx="2895600" cy="261610"/>
+            <a:off x="4690569" y="4213830"/>
+            <a:ext cx="2810861" cy="338554"/>
           </a:xfrm>
           <a:prstGeom prst="rect">
             <a:avLst/>
@@ -16004,15 +16158,15 @@
           <a:lstStyle/>
           <a:p>
             <a:r>
-              <a:rPr lang="ko-KR" altLang="en-US" sz="1100" b="1" dirty="0"/>
+              <a:rPr lang="ko-KR" altLang="en-US" sz="1600" b="1" dirty="0"/>
               <a:t>출처 및 참고 </a:t>
             </a:r>
             <a:r>
-              <a:rPr lang="en-US" altLang="ko-KR" sz="1100" b="1" dirty="0"/>
+              <a:rPr lang="en-US" altLang="ko-KR" sz="1600" b="1" dirty="0"/>
               <a:t>: </a:t>
             </a:r>
             <a:r>
-              <a:rPr lang="ko-KR" altLang="en-US" sz="1100" b="1" dirty="0"/>
+              <a:rPr lang="ko-KR" altLang="en-US" sz="1600" b="1" dirty="0"/>
               <a:t>생활코딩</a:t>
             </a:r>
           </a:p>
@@ -16490,6 +16644,443 @@
       </p:transition>
     </mc:Fallback>
   </mc:AlternateContent>
+  <p:timing>
+    <p:tnLst>
+      <p:par>
+        <p:cTn id="1" dur="indefinite" restart="never" nodeType="tmRoot">
+          <p:childTnLst>
+            <p:seq concurrent="1" nextAc="seek">
+              <p:cTn id="2" dur="indefinite" nodeType="mainSeq">
+                <p:childTnLst>
+                  <p:par>
+                    <p:cTn id="3" fill="hold">
+                      <p:stCondLst>
+                        <p:cond delay="indefinite"/>
+                      </p:stCondLst>
+                      <p:childTnLst>
+                        <p:par>
+                          <p:cTn id="4" fill="hold">
+                            <p:stCondLst>
+                              <p:cond delay="0"/>
+                            </p:stCondLst>
+                            <p:childTnLst>
+                              <p:par>
+                                <p:cTn id="5" presetID="10" presetClass="entr" presetSubtype="0" fill="hold" grpId="0" nodeType="clickEffect">
+                                  <p:stCondLst>
+                                    <p:cond delay="0"/>
+                                  </p:stCondLst>
+                                  <p:childTnLst>
+                                    <p:set>
+                                      <p:cBhvr>
+                                        <p:cTn id="6" dur="1" fill="hold">
+                                          <p:stCondLst>
+                                            <p:cond delay="0"/>
+                                          </p:stCondLst>
+                                        </p:cTn>
+                                        <p:tgtEl>
+                                          <p:spTgt spid="2"/>
+                                        </p:tgtEl>
+                                        <p:attrNameLst>
+                                          <p:attrName>style.visibility</p:attrName>
+                                        </p:attrNameLst>
+                                      </p:cBhvr>
+                                      <p:to>
+                                        <p:strVal val="visible"/>
+                                      </p:to>
+                                    </p:set>
+                                    <p:animEffect transition="in" filter="fade">
+                                      <p:cBhvr>
+                                        <p:cTn id="7" dur="500"/>
+                                        <p:tgtEl>
+                                          <p:spTgt spid="2"/>
+                                        </p:tgtEl>
+                                      </p:cBhvr>
+                                    </p:animEffect>
+                                  </p:childTnLst>
+                                </p:cTn>
+                              </p:par>
+                            </p:childTnLst>
+                          </p:cTn>
+                        </p:par>
+                      </p:childTnLst>
+                    </p:cTn>
+                  </p:par>
+                  <p:par>
+                    <p:cTn id="8" fill="hold">
+                      <p:stCondLst>
+                        <p:cond delay="indefinite"/>
+                      </p:stCondLst>
+                      <p:childTnLst>
+                        <p:par>
+                          <p:cTn id="9" fill="hold">
+                            <p:stCondLst>
+                              <p:cond delay="0"/>
+                            </p:stCondLst>
+                            <p:childTnLst>
+                              <p:par>
+                                <p:cTn id="10" presetID="10" presetClass="exit" presetSubtype="0" fill="hold" grpId="1" nodeType="clickEffect">
+                                  <p:stCondLst>
+                                    <p:cond delay="0"/>
+                                  </p:stCondLst>
+                                  <p:childTnLst>
+                                    <p:animEffect transition="out" filter="fade">
+                                      <p:cBhvr>
+                                        <p:cTn id="11" dur="500"/>
+                                        <p:tgtEl>
+                                          <p:spTgt spid="2"/>
+                                        </p:tgtEl>
+                                      </p:cBhvr>
+                                    </p:animEffect>
+                                    <p:set>
+                                      <p:cBhvr>
+                                        <p:cTn id="12" dur="1" fill="hold">
+                                          <p:stCondLst>
+                                            <p:cond delay="499"/>
+                                          </p:stCondLst>
+                                        </p:cTn>
+                                        <p:tgtEl>
+                                          <p:spTgt spid="2"/>
+                                        </p:tgtEl>
+                                        <p:attrNameLst>
+                                          <p:attrName>style.visibility</p:attrName>
+                                        </p:attrNameLst>
+                                      </p:cBhvr>
+                                      <p:to>
+                                        <p:strVal val="hidden"/>
+                                      </p:to>
+                                    </p:set>
+                                  </p:childTnLst>
+                                </p:cTn>
+                              </p:par>
+                            </p:childTnLst>
+                          </p:cTn>
+                        </p:par>
+                      </p:childTnLst>
+                    </p:cTn>
+                  </p:par>
+                  <p:par>
+                    <p:cTn id="13" fill="hold">
+                      <p:stCondLst>
+                        <p:cond delay="indefinite"/>
+                      </p:stCondLst>
+                      <p:childTnLst>
+                        <p:par>
+                          <p:cTn id="14" fill="hold">
+                            <p:stCondLst>
+                              <p:cond delay="0"/>
+                            </p:stCondLst>
+                            <p:childTnLst>
+                              <p:par>
+                                <p:cTn id="15" presetID="26" presetClass="entr" presetSubtype="0" fill="hold" grpId="0" nodeType="clickEffect">
+                                  <p:stCondLst>
+                                    <p:cond delay="0"/>
+                                  </p:stCondLst>
+                                  <p:childTnLst>
+                                    <p:set>
+                                      <p:cBhvr>
+                                        <p:cTn id="16" dur="1" fill="hold">
+                                          <p:stCondLst>
+                                            <p:cond delay="0"/>
+                                          </p:stCondLst>
+                                        </p:cTn>
+                                        <p:tgtEl>
+                                          <p:spTgt spid="11"/>
+                                        </p:tgtEl>
+                                        <p:attrNameLst>
+                                          <p:attrName>style.visibility</p:attrName>
+                                        </p:attrNameLst>
+                                      </p:cBhvr>
+                                      <p:to>
+                                        <p:strVal val="visible"/>
+                                      </p:to>
+                                    </p:set>
+                                    <p:animEffect transition="in" filter="wipe(down)">
+                                      <p:cBhvr>
+                                        <p:cTn id="17" dur="580">
+                                          <p:stCondLst>
+                                            <p:cond delay="0"/>
+                                          </p:stCondLst>
+                                        </p:cTn>
+                                        <p:tgtEl>
+                                          <p:spTgt spid="11"/>
+                                        </p:tgtEl>
+                                      </p:cBhvr>
+                                    </p:animEffect>
+                                    <p:anim calcmode="lin" valueType="num">
+                                      <p:cBhvr>
+                                        <p:cTn id="18" dur="1822" tmFilter="0,0; 0.14,0.36; 0.43,0.73; 0.71,0.91; 1.0,1.0">
+                                          <p:stCondLst>
+                                            <p:cond delay="0"/>
+                                          </p:stCondLst>
+                                        </p:cTn>
+                                        <p:tgtEl>
+                                          <p:spTgt spid="11"/>
+                                        </p:tgtEl>
+                                        <p:attrNameLst>
+                                          <p:attrName>ppt_x</p:attrName>
+                                        </p:attrNameLst>
+                                      </p:cBhvr>
+                                      <p:tavLst>
+                                        <p:tav tm="0">
+                                          <p:val>
+                                            <p:strVal val="#ppt_x-0.25"/>
+                                          </p:val>
+                                        </p:tav>
+                                        <p:tav tm="100000">
+                                          <p:val>
+                                            <p:strVal val="#ppt_x"/>
+                                          </p:val>
+                                        </p:tav>
+                                      </p:tavLst>
+                                    </p:anim>
+                                    <p:anim calcmode="lin" valueType="num">
+                                      <p:cBhvr>
+                                        <p:cTn id="19" dur="664" tmFilter="0.0,0.0; 0.25,0.07; 0.50,0.2; 0.75,0.467; 1.0,1.0">
+                                          <p:stCondLst>
+                                            <p:cond delay="0"/>
+                                          </p:stCondLst>
+                                        </p:cTn>
+                                        <p:tgtEl>
+                                          <p:spTgt spid="11"/>
+                                        </p:tgtEl>
+                                        <p:attrNameLst>
+                                          <p:attrName>ppt_y</p:attrName>
+                                        </p:attrNameLst>
+                                      </p:cBhvr>
+                                      <p:tavLst>
+                                        <p:tav tm="0" fmla="#ppt_y-sin(pi*$)/3">
+                                          <p:val>
+                                            <p:fltVal val="0.5"/>
+                                          </p:val>
+                                        </p:tav>
+                                        <p:tav tm="100000">
+                                          <p:val>
+                                            <p:fltVal val="1"/>
+                                          </p:val>
+                                        </p:tav>
+                                      </p:tavLst>
+                                    </p:anim>
+                                    <p:anim calcmode="lin" valueType="num">
+                                      <p:cBhvr>
+                                        <p:cTn id="20" dur="664" tmFilter="0, 0; 0.125,0.2665; 0.25,0.4; 0.375,0.465; 0.5,0.5;  0.625,0.535; 0.75,0.6; 0.875,0.7335; 1,1">
+                                          <p:stCondLst>
+                                            <p:cond delay="664"/>
+                                          </p:stCondLst>
+                                        </p:cTn>
+                                        <p:tgtEl>
+                                          <p:spTgt spid="11"/>
+                                        </p:tgtEl>
+                                        <p:attrNameLst>
+                                          <p:attrName>ppt_y</p:attrName>
+                                        </p:attrNameLst>
+                                      </p:cBhvr>
+                                      <p:tavLst>
+                                        <p:tav tm="0" fmla="#ppt_y-sin(pi*$)/9">
+                                          <p:val>
+                                            <p:fltVal val="0"/>
+                                          </p:val>
+                                        </p:tav>
+                                        <p:tav tm="100000">
+                                          <p:val>
+                                            <p:fltVal val="1"/>
+                                          </p:val>
+                                        </p:tav>
+                                      </p:tavLst>
+                                    </p:anim>
+                                    <p:anim calcmode="lin" valueType="num">
+                                      <p:cBhvr>
+                                        <p:cTn id="21" dur="332" tmFilter="0, 0; 0.125,0.2665; 0.25,0.4; 0.375,0.465; 0.5,0.5;  0.625,0.535; 0.75,0.6; 0.875,0.7335; 1,1">
+                                          <p:stCondLst>
+                                            <p:cond delay="1324"/>
+                                          </p:stCondLst>
+                                        </p:cTn>
+                                        <p:tgtEl>
+                                          <p:spTgt spid="11"/>
+                                        </p:tgtEl>
+                                        <p:attrNameLst>
+                                          <p:attrName>ppt_y</p:attrName>
+                                        </p:attrNameLst>
+                                      </p:cBhvr>
+                                      <p:tavLst>
+                                        <p:tav tm="0" fmla="#ppt_y-sin(pi*$)/27">
+                                          <p:val>
+                                            <p:fltVal val="0"/>
+                                          </p:val>
+                                        </p:tav>
+                                        <p:tav tm="100000">
+                                          <p:val>
+                                            <p:fltVal val="1"/>
+                                          </p:val>
+                                        </p:tav>
+                                      </p:tavLst>
+                                    </p:anim>
+                                    <p:anim calcmode="lin" valueType="num">
+                                      <p:cBhvr>
+                                        <p:cTn id="22" dur="164" tmFilter="0, 0; 0.125,0.2665; 0.25,0.4; 0.375,0.465; 0.5,0.5;  0.625,0.535; 0.75,0.6; 0.875,0.7335; 1,1">
+                                          <p:stCondLst>
+                                            <p:cond delay="1656"/>
+                                          </p:stCondLst>
+                                        </p:cTn>
+                                        <p:tgtEl>
+                                          <p:spTgt spid="11"/>
+                                        </p:tgtEl>
+                                        <p:attrNameLst>
+                                          <p:attrName>ppt_y</p:attrName>
+                                        </p:attrNameLst>
+                                      </p:cBhvr>
+                                      <p:tavLst>
+                                        <p:tav tm="0" fmla="#ppt_y-sin(pi*$)/81">
+                                          <p:val>
+                                            <p:fltVal val="0"/>
+                                          </p:val>
+                                        </p:tav>
+                                        <p:tav tm="100000">
+                                          <p:val>
+                                            <p:fltVal val="1"/>
+                                          </p:val>
+                                        </p:tav>
+                                      </p:tavLst>
+                                    </p:anim>
+                                    <p:animScale>
+                                      <p:cBhvr>
+                                        <p:cTn id="23" dur="26">
+                                          <p:stCondLst>
+                                            <p:cond delay="650"/>
+                                          </p:stCondLst>
+                                        </p:cTn>
+                                        <p:tgtEl>
+                                          <p:spTgt spid="11"/>
+                                        </p:tgtEl>
+                                      </p:cBhvr>
+                                      <p:to x="100000" y="60000"/>
+                                    </p:animScale>
+                                    <p:animScale>
+                                      <p:cBhvr>
+                                        <p:cTn id="24" dur="166" decel="50000">
+                                          <p:stCondLst>
+                                            <p:cond delay="676"/>
+                                          </p:stCondLst>
+                                        </p:cTn>
+                                        <p:tgtEl>
+                                          <p:spTgt spid="11"/>
+                                        </p:tgtEl>
+                                      </p:cBhvr>
+                                      <p:to x="100000" y="100000"/>
+                                    </p:animScale>
+                                    <p:animScale>
+                                      <p:cBhvr>
+                                        <p:cTn id="25" dur="26">
+                                          <p:stCondLst>
+                                            <p:cond delay="1312"/>
+                                          </p:stCondLst>
+                                        </p:cTn>
+                                        <p:tgtEl>
+                                          <p:spTgt spid="11"/>
+                                        </p:tgtEl>
+                                      </p:cBhvr>
+                                      <p:to x="100000" y="80000"/>
+                                    </p:animScale>
+                                    <p:animScale>
+                                      <p:cBhvr>
+                                        <p:cTn id="26" dur="166" decel="50000">
+                                          <p:stCondLst>
+                                            <p:cond delay="1338"/>
+                                          </p:stCondLst>
+                                        </p:cTn>
+                                        <p:tgtEl>
+                                          <p:spTgt spid="11"/>
+                                        </p:tgtEl>
+                                      </p:cBhvr>
+                                      <p:to x="100000" y="100000"/>
+                                    </p:animScale>
+                                    <p:animScale>
+                                      <p:cBhvr>
+                                        <p:cTn id="27" dur="26">
+                                          <p:stCondLst>
+                                            <p:cond delay="1642"/>
+                                          </p:stCondLst>
+                                        </p:cTn>
+                                        <p:tgtEl>
+                                          <p:spTgt spid="11"/>
+                                        </p:tgtEl>
+                                      </p:cBhvr>
+                                      <p:to x="100000" y="90000"/>
+                                    </p:animScale>
+                                    <p:animScale>
+                                      <p:cBhvr>
+                                        <p:cTn id="28" dur="166" decel="50000">
+                                          <p:stCondLst>
+                                            <p:cond delay="1668"/>
+                                          </p:stCondLst>
+                                        </p:cTn>
+                                        <p:tgtEl>
+                                          <p:spTgt spid="11"/>
+                                        </p:tgtEl>
+                                      </p:cBhvr>
+                                      <p:to x="100000" y="100000"/>
+                                    </p:animScale>
+                                    <p:animScale>
+                                      <p:cBhvr>
+                                        <p:cTn id="29" dur="26">
+                                          <p:stCondLst>
+                                            <p:cond delay="1808"/>
+                                          </p:stCondLst>
+                                        </p:cTn>
+                                        <p:tgtEl>
+                                          <p:spTgt spid="11"/>
+                                        </p:tgtEl>
+                                      </p:cBhvr>
+                                      <p:to x="100000" y="95000"/>
+                                    </p:animScale>
+                                    <p:animScale>
+                                      <p:cBhvr>
+                                        <p:cTn id="30" dur="166" decel="50000">
+                                          <p:stCondLst>
+                                            <p:cond delay="1834"/>
+                                          </p:stCondLst>
+                                        </p:cTn>
+                                        <p:tgtEl>
+                                          <p:spTgt spid="11"/>
+                                        </p:tgtEl>
+                                      </p:cBhvr>
+                                      <p:to x="100000" y="100000"/>
+                                    </p:animScale>
+                                  </p:childTnLst>
+                                </p:cTn>
+                              </p:par>
+                            </p:childTnLst>
+                          </p:cTn>
+                        </p:par>
+                      </p:childTnLst>
+                    </p:cTn>
+                  </p:par>
+                </p:childTnLst>
+              </p:cTn>
+              <p:prevCondLst>
+                <p:cond evt="onPrev" delay="0">
+                  <p:tgtEl>
+                    <p:sldTgt/>
+                  </p:tgtEl>
+                </p:cond>
+              </p:prevCondLst>
+              <p:nextCondLst>
+                <p:cond evt="onNext" delay="0">
+                  <p:tgtEl>
+                    <p:sldTgt/>
+                  </p:tgtEl>
+                </p:cond>
+              </p:nextCondLst>
+            </p:seq>
+          </p:childTnLst>
+        </p:cTn>
+      </p:par>
+    </p:tnLst>
+    <p:bldLst>
+      <p:bldP spid="2" grpId="0"/>
+      <p:bldP spid="2" grpId="1"/>
+      <p:bldP spid="11" grpId="0"/>
+    </p:bldLst>
+  </p:timing>
 </p:sld>
 </file>
 
@@ -16608,6 +17199,89 @@
       </p:transition>
     </mc:Fallback>
   </mc:AlternateContent>
+  <p:timing>
+    <p:tnLst>
+      <p:par>
+        <p:cTn id="1" dur="indefinite" restart="never" nodeType="tmRoot">
+          <p:childTnLst>
+            <p:seq concurrent="1" nextAc="seek">
+              <p:cTn id="2" dur="indefinite" nodeType="mainSeq">
+                <p:childTnLst>
+                  <p:par>
+                    <p:cTn id="3" fill="hold">
+                      <p:stCondLst>
+                        <p:cond delay="indefinite"/>
+                      </p:stCondLst>
+                      <p:childTnLst>
+                        <p:par>
+                          <p:cTn id="4" fill="hold">
+                            <p:stCondLst>
+                              <p:cond delay="0"/>
+                            </p:stCondLst>
+                            <p:childTnLst>
+                              <p:par>
+                                <p:cTn id="5" presetID="10" presetClass="entr" presetSubtype="0" fill="hold" nodeType="clickEffect">
+                                  <p:stCondLst>
+                                    <p:cond delay="0"/>
+                                  </p:stCondLst>
+                                  <p:childTnLst>
+                                    <p:set>
+                                      <p:cBhvr>
+                                        <p:cTn id="6" dur="1" fill="hold">
+                                          <p:stCondLst>
+                                            <p:cond delay="0"/>
+                                          </p:stCondLst>
+                                        </p:cTn>
+                                        <p:tgtEl>
+                                          <p:spTgt spid="3"/>
+                                        </p:tgtEl>
+                                        <p:attrNameLst>
+                                          <p:attrName>style.visibility</p:attrName>
+                                        </p:attrNameLst>
+                                      </p:cBhvr>
+                                      <p:to>
+                                        <p:strVal val="visible"/>
+                                      </p:to>
+                                    </p:set>
+                                    <p:animEffect transition="in" filter="fade">
+                                      <p:cBhvr>
+                                        <p:cTn id="7" dur="500"/>
+                                        <p:tgtEl>
+                                          <p:spTgt spid="3"/>
+                                        </p:tgtEl>
+                                      </p:cBhvr>
+                                    </p:animEffect>
+                                  </p:childTnLst>
+                                </p:cTn>
+                              </p:par>
+                            </p:childTnLst>
+                          </p:cTn>
+                        </p:par>
+                      </p:childTnLst>
+                    </p:cTn>
+                  </p:par>
+                </p:childTnLst>
+              </p:cTn>
+              <p:prevCondLst>
+                <p:cond evt="onPrev" delay="0">
+                  <p:tgtEl>
+                    <p:sldTgt/>
+                  </p:tgtEl>
+                </p:cond>
+              </p:prevCondLst>
+              <p:nextCondLst>
+                <p:cond evt="onNext" delay="0">
+                  <p:tgtEl>
+                    <p:sldTgt/>
+                  </p:tgtEl>
+                </p:cond>
+              </p:nextCondLst>
+            </p:seq>
+          </p:childTnLst>
+        </p:cTn>
+      </p:par>
+    </p:tnLst>
+  </p:timing>
 </p:sld>
 </file>
 
